--- a/02-FP/FP in C# 2014.pptx
+++ b/02-FP/FP in C# 2014.pptx
@@ -5,7 +5,7 @@
     <p:sldMasterId id="2147483648" r:id="rId1"/>
   </p:sldMasterIdLst>
   <p:notesMasterIdLst>
-    <p:notesMasterId r:id="rId68"/>
+    <p:notesMasterId r:id="rId69"/>
   </p:notesMasterIdLst>
   <p:sldIdLst>
     <p:sldId id="256" r:id="rId2"/>
@@ -61,19 +61,20 @@
     <p:sldId id="359" r:id="rId52"/>
     <p:sldId id="360" r:id="rId53"/>
     <p:sldId id="351" r:id="rId54"/>
-    <p:sldId id="358" r:id="rId55"/>
-    <p:sldId id="311" r:id="rId56"/>
-    <p:sldId id="312" r:id="rId57"/>
-    <p:sldId id="313" r:id="rId58"/>
-    <p:sldId id="310" r:id="rId59"/>
-    <p:sldId id="317" r:id="rId60"/>
-    <p:sldId id="318" r:id="rId61"/>
-    <p:sldId id="319" r:id="rId62"/>
-    <p:sldId id="320" r:id="rId63"/>
-    <p:sldId id="321" r:id="rId64"/>
-    <p:sldId id="322" r:id="rId65"/>
-    <p:sldId id="323" r:id="rId66"/>
-    <p:sldId id="324" r:id="rId67"/>
+    <p:sldId id="368" r:id="rId55"/>
+    <p:sldId id="358" r:id="rId56"/>
+    <p:sldId id="311" r:id="rId57"/>
+    <p:sldId id="312" r:id="rId58"/>
+    <p:sldId id="313" r:id="rId59"/>
+    <p:sldId id="310" r:id="rId60"/>
+    <p:sldId id="317" r:id="rId61"/>
+    <p:sldId id="318" r:id="rId62"/>
+    <p:sldId id="319" r:id="rId63"/>
+    <p:sldId id="320" r:id="rId64"/>
+    <p:sldId id="321" r:id="rId65"/>
+    <p:sldId id="322" r:id="rId66"/>
+    <p:sldId id="323" r:id="rId67"/>
+    <p:sldId id="324" r:id="rId68"/>
   </p:sldIdLst>
   <p:sldSz cx="9144000" cy="6858000" type="screen4x3"/>
   <p:notesSz cx="6858000" cy="9144000"/>
@@ -174,7 +175,7 @@
   </p:defaultTextStyle>
   <p:extLst>
     <p:ext uri="{EFAFB233-063F-42B5-8137-9DF3F51BA10A}">
-      <p15:sldGuideLst xmlns="" xmlns:p15="http://schemas.microsoft.com/office/powerpoint/2012/main">
+      <p15:sldGuideLst xmlns:p15="http://schemas.microsoft.com/office/powerpoint/2012/main" xmlns="">
         <p15:guide id="1" orient="horz" pos="2160">
           <p15:clr>
             <a:srgbClr val="A4A3A4"/>
@@ -273,7 +274,7 @@
           <a:p>
             <a:fld id="{E9BEE368-798F-4A61-8EEF-592E4439C395}" type="datetimeFigureOut">
               <a:rPr lang="ru-RU" smtClean="0"/>
-              <a:t>29.06.2014</a:t>
+              <a:t>30.06.2014</a:t>
             </a:fld>
             <a:endParaRPr lang="ru-RU"/>
           </a:p>
@@ -952,7 +953,7 @@
           <a:p>
             <a:fld id="{28F07824-568C-43BC-A4F3-FD94E888AE25}" type="datetimeFigureOut">
               <a:rPr lang="ru-RU" smtClean="0"/>
-              <a:t>29.06.2014</a:t>
+              <a:t>30.06.2014</a:t>
             </a:fld>
             <a:endParaRPr lang="ru-RU"/>
           </a:p>
@@ -1122,7 +1123,7 @@
           <a:p>
             <a:fld id="{28F07824-568C-43BC-A4F3-FD94E888AE25}" type="datetimeFigureOut">
               <a:rPr lang="ru-RU" smtClean="0"/>
-              <a:t>29.06.2014</a:t>
+              <a:t>30.06.2014</a:t>
             </a:fld>
             <a:endParaRPr lang="ru-RU"/>
           </a:p>
@@ -1302,7 +1303,7 @@
           <a:p>
             <a:fld id="{28F07824-568C-43BC-A4F3-FD94E888AE25}" type="datetimeFigureOut">
               <a:rPr lang="ru-RU" smtClean="0"/>
-              <a:t>29.06.2014</a:t>
+              <a:t>30.06.2014</a:t>
             </a:fld>
             <a:endParaRPr lang="ru-RU"/>
           </a:p>
@@ -1472,7 +1473,7 @@
           <a:p>
             <a:fld id="{28F07824-568C-43BC-A4F3-FD94E888AE25}" type="datetimeFigureOut">
               <a:rPr lang="ru-RU" smtClean="0"/>
-              <a:t>29.06.2014</a:t>
+              <a:t>30.06.2014</a:t>
             </a:fld>
             <a:endParaRPr lang="ru-RU"/>
           </a:p>
@@ -1718,7 +1719,7 @@
           <a:p>
             <a:fld id="{28F07824-568C-43BC-A4F3-FD94E888AE25}" type="datetimeFigureOut">
               <a:rPr lang="ru-RU" smtClean="0"/>
-              <a:t>29.06.2014</a:t>
+              <a:t>30.06.2014</a:t>
             </a:fld>
             <a:endParaRPr lang="ru-RU"/>
           </a:p>
@@ -2006,7 +2007,7 @@
           <a:p>
             <a:fld id="{28F07824-568C-43BC-A4F3-FD94E888AE25}" type="datetimeFigureOut">
               <a:rPr lang="ru-RU" smtClean="0"/>
-              <a:t>29.06.2014</a:t>
+              <a:t>30.06.2014</a:t>
             </a:fld>
             <a:endParaRPr lang="ru-RU"/>
           </a:p>
@@ -2428,7 +2429,7 @@
           <a:p>
             <a:fld id="{28F07824-568C-43BC-A4F3-FD94E888AE25}" type="datetimeFigureOut">
               <a:rPr lang="ru-RU" smtClean="0"/>
-              <a:t>29.06.2014</a:t>
+              <a:t>30.06.2014</a:t>
             </a:fld>
             <a:endParaRPr lang="ru-RU"/>
           </a:p>
@@ -2546,7 +2547,7 @@
           <a:p>
             <a:fld id="{28F07824-568C-43BC-A4F3-FD94E888AE25}" type="datetimeFigureOut">
               <a:rPr lang="ru-RU" smtClean="0"/>
-              <a:t>29.06.2014</a:t>
+              <a:t>30.06.2014</a:t>
             </a:fld>
             <a:endParaRPr lang="ru-RU"/>
           </a:p>
@@ -2641,7 +2642,7 @@
           <a:p>
             <a:fld id="{28F07824-568C-43BC-A4F3-FD94E888AE25}" type="datetimeFigureOut">
               <a:rPr lang="ru-RU" smtClean="0"/>
-              <a:t>29.06.2014</a:t>
+              <a:t>30.06.2014</a:t>
             </a:fld>
             <a:endParaRPr lang="ru-RU"/>
           </a:p>
@@ -2918,7 +2919,7 @@
           <a:p>
             <a:fld id="{28F07824-568C-43BC-A4F3-FD94E888AE25}" type="datetimeFigureOut">
               <a:rPr lang="ru-RU" smtClean="0"/>
-              <a:t>29.06.2014</a:t>
+              <a:t>30.06.2014</a:t>
             </a:fld>
             <a:endParaRPr lang="ru-RU"/>
           </a:p>
@@ -3171,7 +3172,7 @@
           <a:p>
             <a:fld id="{28F07824-568C-43BC-A4F3-FD94E888AE25}" type="datetimeFigureOut">
               <a:rPr lang="ru-RU" smtClean="0"/>
-              <a:t>29.06.2014</a:t>
+              <a:t>30.06.2014</a:t>
             </a:fld>
             <a:endParaRPr lang="ru-RU"/>
           </a:p>
@@ -3384,7 +3385,7 @@
           <a:p>
             <a:fld id="{28F07824-568C-43BC-A4F3-FD94E888AE25}" type="datetimeFigureOut">
               <a:rPr lang="ru-RU" smtClean="0"/>
-              <a:t>29.06.2014</a:t>
+              <a:t>30.06.2014</a:t>
             </a:fld>
             <a:endParaRPr lang="ru-RU"/>
           </a:p>
@@ -8335,8 +8336,40 @@
               <a:buNone/>
             </a:pPr>
             <a:r>
-              <a:rPr lang="en-US" sz="2800" dirty="0" smtClean="0"/>
-              <a:t>(function(x){ return function(y){ return x; } }) (a) (b) </a:t>
+              <a:rPr lang="en-US" sz="2800" dirty="0"/>
+              <a:t>(function(x){ </a:t>
+            </a:r>
+            <a:r>
+              <a:rPr lang="en-US" sz="2800" b="1" dirty="0">
+                <a:solidFill>
+                  <a:srgbClr val="C00000"/>
+                </a:solidFill>
+              </a:rPr>
+              <a:t>return function(y){ </a:t>
+            </a:r>
+            <a:r>
+              <a:rPr lang="en-US" sz="2800" b="1" dirty="0">
+                <a:solidFill>
+                  <a:srgbClr val="7030A0"/>
+                </a:solidFill>
+              </a:rPr>
+              <a:t>return x;</a:t>
+            </a:r>
+            <a:r>
+              <a:rPr lang="en-US" sz="2800" b="1" dirty="0">
+                <a:solidFill>
+                  <a:srgbClr val="C00000"/>
+                </a:solidFill>
+              </a:rPr>
+              <a:t> }</a:t>
+            </a:r>
+            <a:r>
+              <a:rPr lang="en-US" sz="2800" b="1" dirty="0"/>
+              <a:t> </a:t>
+            </a:r>
+            <a:r>
+              <a:rPr lang="en-US" sz="2800" dirty="0"/>
+              <a:t>}) (a) (b) </a:t>
             </a:r>
           </a:p>
           <a:p>
@@ -8373,14 +8406,29 @@
               <a:t>x.</a:t>
             </a:r>
             <a:r>
-              <a:rPr lang="en-US" sz="3600" dirty="0" err="1" smtClean="0">
+              <a:rPr lang="en-US" sz="3600" b="1" dirty="0" err="1" smtClean="0">
+                <a:solidFill>
+                  <a:srgbClr val="C00000"/>
+                </a:solidFill>
                 <a:latin typeface="Symbol" panose="05050102010706020507" pitchFamily="18" charset="2"/>
               </a:rPr>
               <a:t>l</a:t>
             </a:r>
             <a:r>
-              <a:rPr lang="en-US" sz="3600" dirty="0" err="1" smtClean="0"/>
-              <a:t>y.x</a:t>
+              <a:rPr lang="en-US" sz="3600" b="1" dirty="0" err="1" smtClean="0">
+                <a:solidFill>
+                  <a:srgbClr val="C00000"/>
+                </a:solidFill>
+              </a:rPr>
+              <a:t>y.</a:t>
+            </a:r>
+            <a:r>
+              <a:rPr lang="en-US" sz="3600" b="1" dirty="0" err="1" smtClean="0">
+                <a:solidFill>
+                  <a:srgbClr val="7030A0"/>
+                </a:solidFill>
+              </a:rPr>
+              <a:t>x</a:t>
             </a:r>
             <a:r>
               <a:rPr lang="en-US" sz="3600" dirty="0" smtClean="0"/>
@@ -8757,7 +8805,9 @@
           </a:xfrm>
         </p:spPr>
         <p:txBody>
-          <a:bodyPr/>
+          <a:bodyPr>
+            <a:normAutofit/>
+          </a:bodyPr>
           <a:lstStyle/>
           <a:p>
             <a:pPr marL="0" indent="0">
@@ -8765,7 +8815,15 @@
             </a:pPr>
             <a:r>
               <a:rPr lang="ru-RU" dirty="0" smtClean="0"/>
-              <a:t>Функции, определённые внутри некого контекста, получают доступ к значениям из области видимости этого контекста:</a:t>
+              <a:t>Функции, определённые внутри </a:t>
+            </a:r>
+            <a:r>
+              <a:rPr lang="ru-RU" dirty="0" smtClean="0"/>
+              <a:t>некоторого контекста</a:t>
+            </a:r>
+            <a:r>
+              <a:rPr lang="ru-RU" dirty="0" smtClean="0"/>
+              <a:t>, получают доступ к значениям из области видимости этого контекста:</a:t>
             </a:r>
           </a:p>
         </p:txBody>
@@ -9724,7 +9782,11 @@
           <a:p>
             <a:r>
               <a:rPr lang="ru-RU" dirty="0" smtClean="0"/>
-              <a:t>Задача: замыкания</a:t>
+              <a:t>Пример: </a:t>
+            </a:r>
+            <a:r>
+              <a:rPr lang="ru-RU" dirty="0" smtClean="0"/>
+              <a:t>замыкания</a:t>
             </a:r>
             <a:endParaRPr lang="ru-RU" dirty="0"/>
           </a:p>
@@ -12900,12 +12962,20 @@
               <a:t>Лаконичный </a:t>
             </a:r>
             <a:r>
-              <a:rPr lang="ru-RU" dirty="0" err="1" smtClean="0"/>
-              <a:t>ситаксис</a:t>
-            </a:r>
-            <a:r>
               <a:rPr lang="ru-RU" dirty="0" smtClean="0"/>
-              <a:t> создания функций</a:t>
+              <a:t>си</a:t>
+            </a:r>
+            <a:r>
+              <a:rPr lang="ru-RU" dirty="0"/>
+              <a:t>н</a:t>
+            </a:r>
+            <a:r>
+              <a:rPr lang="ru-RU" dirty="0" smtClean="0"/>
+              <a:t>таксис </a:t>
+            </a:r>
+            <a:r>
+              <a:rPr lang="ru-RU" dirty="0" smtClean="0"/>
+              <a:t>создания функций</a:t>
             </a:r>
             <a:endParaRPr lang="ru-RU" dirty="0"/>
           </a:p>
@@ -13342,14 +13412,21 @@
                 <a:latin typeface="Consolas" pitchFamily="49" charset="0"/>
                 <a:cs typeface="Consolas" pitchFamily="49" charset="0"/>
               </a:rPr>
-              <a:t>&lt;T</a:t>
+              <a:t>&lt;T&gt;, </a:t>
+            </a:r>
+            <a:r>
+              <a:rPr lang="en-US" sz="2800" dirty="0" err="1" smtClean="0">
+                <a:latin typeface="Consolas" pitchFamily="49" charset="0"/>
+                <a:cs typeface="Consolas" pitchFamily="49" charset="0"/>
+              </a:rPr>
+              <a:t>IEnu</a:t>
             </a:r>
             <a:r>
               <a:rPr lang="en-US" sz="2800" dirty="0" smtClean="0">
                 <a:latin typeface="Consolas" pitchFamily="49" charset="0"/>
                 <a:cs typeface="Consolas" pitchFamily="49" charset="0"/>
               </a:rPr>
-              <a:t>&gt;, </a:t>
+              <a:t>&lt;</a:t>
             </a:r>
             <a:r>
               <a:rPr lang="en-US" sz="2800" dirty="0" err="1" smtClean="0">
@@ -13363,28 +13440,7 @@
                 <a:latin typeface="Consolas" pitchFamily="49" charset="0"/>
                 <a:cs typeface="Consolas" pitchFamily="49" charset="0"/>
               </a:rPr>
-              <a:t>&lt;</a:t>
-            </a:r>
-            <a:r>
-              <a:rPr lang="en-US" sz="2800" dirty="0" err="1" smtClean="0">
-                <a:latin typeface="Consolas" pitchFamily="49" charset="0"/>
-                <a:cs typeface="Consolas" pitchFamily="49" charset="0"/>
-              </a:rPr>
-              <a:t>IEnu</a:t>
-            </a:r>
-            <a:r>
-              <a:rPr lang="en-US" sz="2800" dirty="0" smtClean="0">
-                <a:latin typeface="Consolas" pitchFamily="49" charset="0"/>
-                <a:cs typeface="Consolas" pitchFamily="49" charset="0"/>
-              </a:rPr>
-              <a:t>&lt;T</a:t>
-            </a:r>
-            <a:r>
-              <a:rPr lang="en-US" sz="2800" dirty="0" smtClean="0">
-                <a:latin typeface="Consolas" pitchFamily="49" charset="0"/>
-                <a:cs typeface="Consolas" pitchFamily="49" charset="0"/>
-              </a:rPr>
-              <a:t>&gt;&gt;&gt;</a:t>
+              <a:t>&lt;T&gt;&gt;&gt;</a:t>
             </a:r>
             <a:endParaRPr lang="en-US" dirty="0" smtClean="0">
               <a:latin typeface="Consolas" pitchFamily="49" charset="0"/>
@@ -13991,7 +14047,7 @@
 </file>
 
 <file path=ppt/slides/slide35.xml><?xml version="1.0" encoding="utf-8"?>
-<p:sld xmlns:a="http://schemas.openxmlformats.org/drawingml/2006/main" xmlns:r="http://schemas.openxmlformats.org/officeDocument/2006/relationships" xmlns:p="http://schemas.openxmlformats.org/presentationml/2006/main">
+<p:sld xmlns:a="http://schemas.openxmlformats.org/drawingml/2006/main" xmlns:r="http://schemas.openxmlformats.org/officeDocument/2006/relationships" xmlns:p="http://schemas.openxmlformats.org/presentationml/2006/main" show="0">
   <p:cSld>
     <p:spTree>
       <p:nvGrpSpPr>
@@ -14074,6 +14130,14 @@
   <p:clrMapOvr>
     <a:masterClrMapping/>
   </p:clrMapOvr>
+  <mc:AlternateContent xmlns:mc="http://schemas.openxmlformats.org/markup-compatibility/2006">
+    <mc:Choice xmlns:p14="http://schemas.microsoft.com/office/powerpoint/2010/main" Requires="p14">
+      <p:transition spd="slow" p14:dur="2000"/>
+    </mc:Choice>
+    <mc:Fallback>
+      <p:transition spd="slow"/>
+    </mc:Fallback>
+  </mc:AlternateContent>
   <p:timing>
     <p:tnLst>
       <p:par>
@@ -16150,9 +16214,182 @@
   <p:timing>
     <p:tnLst>
       <p:par>
-        <p:cTn id="1" dur="indefinite" restart="never" nodeType="tmRoot"/>
+        <p:cTn id="1" dur="indefinite" restart="never" nodeType="tmRoot">
+          <p:childTnLst>
+            <p:seq concurrent="1" nextAc="seek">
+              <p:cTn id="2" dur="indefinite" nodeType="mainSeq">
+                <p:childTnLst>
+                  <p:par>
+                    <p:cTn id="3" fill="hold">
+                      <p:stCondLst>
+                        <p:cond delay="indefinite"/>
+                      </p:stCondLst>
+                      <p:childTnLst>
+                        <p:par>
+                          <p:cTn id="4" fill="hold">
+                            <p:stCondLst>
+                              <p:cond delay="0"/>
+                            </p:stCondLst>
+                            <p:childTnLst>
+                              <p:par>
+                                <p:cTn id="5" presetID="1" presetClass="entr" presetSubtype="0" fill="hold" grpId="0" nodeType="clickEffect">
+                                  <p:stCondLst>
+                                    <p:cond delay="0"/>
+                                  </p:stCondLst>
+                                  <p:childTnLst>
+                                    <p:set>
+                                      <p:cBhvr>
+                                        <p:cTn id="6" dur="1" fill="hold">
+                                          <p:stCondLst>
+                                            <p:cond delay="0"/>
+                                          </p:stCondLst>
+                                        </p:cTn>
+                                        <p:tgtEl>
+                                          <p:spTgt spid="3">
+                                            <p:txEl>
+                                              <p:pRg st="0" end="0"/>
+                                            </p:txEl>
+                                          </p:spTgt>
+                                        </p:tgtEl>
+                                        <p:attrNameLst>
+                                          <p:attrName>style.visibility</p:attrName>
+                                        </p:attrNameLst>
+                                      </p:cBhvr>
+                                      <p:to>
+                                        <p:strVal val="visible"/>
+                                      </p:to>
+                                    </p:set>
+                                  </p:childTnLst>
+                                </p:cTn>
+                              </p:par>
+                            </p:childTnLst>
+                          </p:cTn>
+                        </p:par>
+                      </p:childTnLst>
+                    </p:cTn>
+                  </p:par>
+                  <p:par>
+                    <p:cTn id="7" fill="hold">
+                      <p:stCondLst>
+                        <p:cond delay="indefinite"/>
+                      </p:stCondLst>
+                      <p:childTnLst>
+                        <p:par>
+                          <p:cTn id="8" fill="hold">
+                            <p:stCondLst>
+                              <p:cond delay="0"/>
+                            </p:stCondLst>
+                            <p:childTnLst>
+                              <p:par>
+                                <p:cTn id="9" presetID="1" presetClass="entr" presetSubtype="0" fill="hold" grpId="0" nodeType="clickEffect">
+                                  <p:stCondLst>
+                                    <p:cond delay="0"/>
+                                  </p:stCondLst>
+                                  <p:childTnLst>
+                                    <p:set>
+                                      <p:cBhvr>
+                                        <p:cTn id="10" dur="1" fill="hold">
+                                          <p:stCondLst>
+                                            <p:cond delay="0"/>
+                                          </p:stCondLst>
+                                        </p:cTn>
+                                        <p:tgtEl>
+                                          <p:spTgt spid="3">
+                                            <p:txEl>
+                                              <p:pRg st="1" end="1"/>
+                                            </p:txEl>
+                                          </p:spTgt>
+                                        </p:tgtEl>
+                                        <p:attrNameLst>
+                                          <p:attrName>style.visibility</p:attrName>
+                                        </p:attrNameLst>
+                                      </p:cBhvr>
+                                      <p:to>
+                                        <p:strVal val="visible"/>
+                                      </p:to>
+                                    </p:set>
+                                  </p:childTnLst>
+                                </p:cTn>
+                              </p:par>
+                            </p:childTnLst>
+                          </p:cTn>
+                        </p:par>
+                      </p:childTnLst>
+                    </p:cTn>
+                  </p:par>
+                  <p:par>
+                    <p:cTn id="11" fill="hold">
+                      <p:stCondLst>
+                        <p:cond delay="indefinite"/>
+                      </p:stCondLst>
+                      <p:childTnLst>
+                        <p:par>
+                          <p:cTn id="12" fill="hold">
+                            <p:stCondLst>
+                              <p:cond delay="0"/>
+                            </p:stCondLst>
+                            <p:childTnLst>
+                              <p:par>
+                                <p:cTn id="13" presetID="1" presetClass="entr" presetSubtype="0" fill="hold" grpId="0" nodeType="clickEffect">
+                                  <p:stCondLst>
+                                    <p:cond delay="0"/>
+                                  </p:stCondLst>
+                                  <p:childTnLst>
+                                    <p:set>
+                                      <p:cBhvr>
+                                        <p:cTn id="14" dur="1" fill="hold">
+                                          <p:stCondLst>
+                                            <p:cond delay="0"/>
+                                          </p:stCondLst>
+                                        </p:cTn>
+                                        <p:tgtEl>
+                                          <p:spTgt spid="3">
+                                            <p:txEl>
+                                              <p:pRg st="2" end="2"/>
+                                            </p:txEl>
+                                          </p:spTgt>
+                                        </p:tgtEl>
+                                        <p:attrNameLst>
+                                          <p:attrName>style.visibility</p:attrName>
+                                        </p:attrNameLst>
+                                      </p:cBhvr>
+                                      <p:to>
+                                        <p:strVal val="visible"/>
+                                      </p:to>
+                                    </p:set>
+                                  </p:childTnLst>
+                                </p:cTn>
+                              </p:par>
+                            </p:childTnLst>
+                          </p:cTn>
+                        </p:par>
+                      </p:childTnLst>
+                    </p:cTn>
+                  </p:par>
+                </p:childTnLst>
+              </p:cTn>
+              <p:prevCondLst>
+                <p:cond evt="onPrev" delay="0">
+                  <p:tgtEl>
+                    <p:sldTgt/>
+                  </p:tgtEl>
+                </p:cond>
+              </p:prevCondLst>
+              <p:nextCondLst>
+                <p:cond evt="onNext" delay="0">
+                  <p:tgtEl>
+                    <p:sldTgt/>
+                  </p:tgtEl>
+                </p:cond>
+              </p:nextCondLst>
+            </p:seq>
+          </p:childTnLst>
+        </p:cTn>
       </p:par>
     </p:tnLst>
+    <p:bldLst>
+      <p:bldP spid="3" grpId="0" build="p"/>
+    </p:bldLst>
   </p:timing>
 </p:sld>
 </file>
@@ -20914,471 +21151,456 @@
           </a:p>
         </p:txBody>
       </p:sp>
-      <p:grpSp>
-        <p:nvGrpSpPr>
-          <p:cNvPr id="3" name="Группа 2"/>
-          <p:cNvGrpSpPr/>
+      <p:sp>
+        <p:nvSpPr>
+          <p:cNvPr id="4" name="Прямоугольник 3"/>
+          <p:cNvSpPr/>
           <p:nvPr/>
-        </p:nvGrpSpPr>
-        <p:grpSpPr>
+        </p:nvSpPr>
+        <p:spPr>
+          <a:xfrm>
+            <a:off x="2857500" y="3124200"/>
+            <a:ext cx="1143000" cy="838200"/>
+          </a:xfrm>
+          <a:prstGeom prst="rect">
+            <a:avLst/>
+          </a:prstGeom>
+        </p:spPr>
+        <p:style>
+          <a:lnRef idx="2">
+            <a:schemeClr val="accent1">
+              <a:shade val="50000"/>
+            </a:schemeClr>
+          </a:lnRef>
+          <a:fillRef idx="1">
+            <a:schemeClr val="accent1"/>
+          </a:fillRef>
+          <a:effectRef idx="0">
+            <a:schemeClr val="accent1"/>
+          </a:effectRef>
+          <a:fontRef idx="minor">
+            <a:schemeClr val="lt1"/>
+          </a:fontRef>
+        </p:style>
+        <p:txBody>
+          <a:bodyPr rtlCol="0" anchor="ctr"/>
+          <a:lstStyle/>
+          <a:p>
+            <a:pPr algn="ctr"/>
+            <a:r>
+              <a:rPr lang="en-US" sz="2400" dirty="0" smtClean="0"/>
+              <a:t>Java 7</a:t>
+            </a:r>
+            <a:endParaRPr lang="ru-RU" sz="2400" dirty="0"/>
+          </a:p>
+        </p:txBody>
+      </p:sp>
+      <p:sp>
+        <p:nvSpPr>
+          <p:cNvPr id="5" name="Прямоугольник 4"/>
+          <p:cNvSpPr/>
+          <p:nvPr/>
+        </p:nvSpPr>
+        <p:spPr>
+          <a:xfrm>
+            <a:off x="5143500" y="3124200"/>
+            <a:ext cx="1143000" cy="838200"/>
+          </a:xfrm>
+          <a:prstGeom prst="rect">
+            <a:avLst/>
+          </a:prstGeom>
+          <a:solidFill>
+            <a:srgbClr val="FFFF00"/>
+          </a:solidFill>
+        </p:spPr>
+        <p:style>
+          <a:lnRef idx="2">
+            <a:schemeClr val="accent1">
+              <a:shade val="50000"/>
+            </a:schemeClr>
+          </a:lnRef>
+          <a:fillRef idx="1">
+            <a:schemeClr val="accent1"/>
+          </a:fillRef>
+          <a:effectRef idx="0">
+            <a:schemeClr val="accent1"/>
+          </a:effectRef>
+          <a:fontRef idx="minor">
+            <a:schemeClr val="lt1"/>
+          </a:fontRef>
+        </p:style>
+        <p:txBody>
+          <a:bodyPr rtlCol="0" anchor="ctr"/>
+          <a:lstStyle/>
+          <a:p>
+            <a:pPr algn="ctr"/>
+            <a:r>
+              <a:rPr lang="en-US" sz="2400" dirty="0" smtClean="0">
+                <a:solidFill>
+                  <a:schemeClr val="tx1"/>
+                </a:solidFill>
+              </a:rPr>
+              <a:t>Lisp</a:t>
+            </a:r>
+            <a:endParaRPr lang="ru-RU" sz="2400" dirty="0">
+              <a:solidFill>
+                <a:schemeClr val="tx1"/>
+              </a:solidFill>
+            </a:endParaRPr>
+          </a:p>
+        </p:txBody>
+      </p:sp>
+      <p:sp>
+        <p:nvSpPr>
+          <p:cNvPr id="6" name="Прямоугольник 5"/>
+          <p:cNvSpPr/>
+          <p:nvPr/>
+        </p:nvSpPr>
+        <p:spPr>
+          <a:xfrm>
+            <a:off x="4000500" y="3124200"/>
+            <a:ext cx="1143000" cy="838200"/>
+          </a:xfrm>
+          <a:prstGeom prst="rect">
+            <a:avLst/>
+          </a:prstGeom>
+          <a:solidFill>
+            <a:srgbClr val="A8FC10"/>
+          </a:solidFill>
+        </p:spPr>
+        <p:style>
+          <a:lnRef idx="2">
+            <a:schemeClr val="accent1">
+              <a:shade val="50000"/>
+            </a:schemeClr>
+          </a:lnRef>
+          <a:fillRef idx="1">
+            <a:schemeClr val="accent1"/>
+          </a:fillRef>
+          <a:effectRef idx="0">
+            <a:schemeClr val="accent1"/>
+          </a:effectRef>
+          <a:fontRef idx="minor">
+            <a:schemeClr val="lt1"/>
+          </a:fontRef>
+        </p:style>
+        <p:txBody>
+          <a:bodyPr rtlCol="0" anchor="ctr"/>
+          <a:lstStyle/>
+          <a:p>
+            <a:pPr algn="ctr"/>
+            <a:r>
+              <a:rPr lang="en-US" sz="2400" dirty="0" smtClean="0">
+                <a:solidFill>
+                  <a:schemeClr val="tx1"/>
+                </a:solidFill>
+              </a:rPr>
+              <a:t>Closure</a:t>
+            </a:r>
+            <a:endParaRPr lang="ru-RU" sz="2400" dirty="0">
+              <a:solidFill>
+                <a:schemeClr val="tx1"/>
+              </a:solidFill>
+            </a:endParaRPr>
+          </a:p>
+        </p:txBody>
+      </p:sp>
+      <p:sp>
+        <p:nvSpPr>
+          <p:cNvPr id="7" name="Прямоугольник 6"/>
+          <p:cNvSpPr/>
+          <p:nvPr/>
+        </p:nvSpPr>
+        <p:spPr>
+          <a:xfrm>
+            <a:off x="4343400" y="3962400"/>
+            <a:ext cx="1143000" cy="838200"/>
+          </a:xfrm>
+          <a:prstGeom prst="rect">
+            <a:avLst/>
+          </a:prstGeom>
+          <a:solidFill>
+            <a:srgbClr val="A8FC10"/>
+          </a:solidFill>
+        </p:spPr>
+        <p:style>
+          <a:lnRef idx="2">
+            <a:schemeClr val="accent1">
+              <a:shade val="50000"/>
+            </a:schemeClr>
+          </a:lnRef>
+          <a:fillRef idx="1">
+            <a:schemeClr val="accent1"/>
+          </a:fillRef>
+          <a:effectRef idx="0">
+            <a:schemeClr val="accent1"/>
+          </a:effectRef>
+          <a:fontRef idx="minor">
+            <a:schemeClr val="lt1"/>
+          </a:fontRef>
+        </p:style>
+        <p:txBody>
+          <a:bodyPr rtlCol="0" anchor="ctr"/>
+          <a:lstStyle/>
+          <a:p>
+            <a:pPr algn="ctr"/>
+            <a:r>
+              <a:rPr lang="en-US" sz="2400" dirty="0">
+                <a:solidFill>
+                  <a:schemeClr val="tx1"/>
+                </a:solidFill>
+              </a:rPr>
+              <a:t>Scala</a:t>
+            </a:r>
+            <a:endParaRPr lang="ru-RU" sz="2400" dirty="0">
+              <a:solidFill>
+                <a:schemeClr val="tx1"/>
+              </a:solidFill>
+            </a:endParaRPr>
+          </a:p>
+        </p:txBody>
+      </p:sp>
+      <p:sp>
+        <p:nvSpPr>
+          <p:cNvPr id="8" name="Прямоугольник 7"/>
+          <p:cNvSpPr/>
+          <p:nvPr/>
+        </p:nvSpPr>
+        <p:spPr>
+          <a:xfrm>
+            <a:off x="3200400" y="3962400"/>
+            <a:ext cx="1143000" cy="838200"/>
+          </a:xfrm>
+          <a:prstGeom prst="rect">
+            <a:avLst/>
+          </a:prstGeom>
+          <a:solidFill>
+            <a:srgbClr val="39D3C1"/>
+          </a:solidFill>
+        </p:spPr>
+        <p:style>
+          <a:lnRef idx="2">
+            <a:schemeClr val="accent1">
+              <a:shade val="50000"/>
+            </a:schemeClr>
+          </a:lnRef>
+          <a:fillRef idx="1">
+            <a:schemeClr val="accent1"/>
+          </a:fillRef>
+          <a:effectRef idx="0">
+            <a:schemeClr val="accent1"/>
+          </a:effectRef>
+          <a:fontRef idx="minor">
+            <a:schemeClr val="lt1"/>
+          </a:fontRef>
+        </p:style>
+        <p:txBody>
+          <a:bodyPr rtlCol="0" anchor="ctr"/>
+          <a:lstStyle/>
+          <a:p>
+            <a:pPr algn="ctr"/>
+            <a:r>
+              <a:rPr lang="en-US" sz="2400" dirty="0" smtClean="0">
+                <a:solidFill>
+                  <a:schemeClr val="tx1"/>
+                </a:solidFill>
+              </a:rPr>
+              <a:t>Java 8</a:t>
+            </a:r>
+            <a:endParaRPr lang="ru-RU" sz="2400" dirty="0">
+              <a:solidFill>
+                <a:schemeClr val="tx1"/>
+              </a:solidFill>
+            </a:endParaRPr>
+          </a:p>
+        </p:txBody>
+      </p:sp>
+      <p:sp>
+        <p:nvSpPr>
+          <p:cNvPr id="9" name="Прямоугольник 8"/>
+          <p:cNvSpPr/>
+          <p:nvPr/>
+        </p:nvSpPr>
+        <p:spPr>
           <a:xfrm>
             <a:off x="2857500" y="1828800"/>
-            <a:ext cx="3429000" cy="2971800"/>
-            <a:chOff x="2895600" y="1828800"/>
-            <a:chExt cx="3429000" cy="2971800"/>
+            <a:ext cx="1143000" cy="838200"/>
           </a:xfrm>
-        </p:grpSpPr>
-        <p:sp>
-          <p:nvSpPr>
-            <p:cNvPr id="4" name="Прямоугольник 3"/>
-            <p:cNvSpPr/>
-            <p:nvPr/>
-          </p:nvSpPr>
-          <p:spPr>
-            <a:xfrm>
-              <a:off x="2895600" y="3124200"/>
-              <a:ext cx="1143000" cy="838200"/>
-            </a:xfrm>
-            <a:prstGeom prst="rect">
-              <a:avLst/>
-            </a:prstGeom>
-          </p:spPr>
-          <p:style>
-            <a:lnRef idx="2">
-              <a:schemeClr val="accent1">
-                <a:shade val="50000"/>
-              </a:schemeClr>
-            </a:lnRef>
-            <a:fillRef idx="1">
-              <a:schemeClr val="accent1"/>
-            </a:fillRef>
-            <a:effectRef idx="0">
-              <a:schemeClr val="accent1"/>
-            </a:effectRef>
-            <a:fontRef idx="minor">
-              <a:schemeClr val="lt1"/>
-            </a:fontRef>
-          </p:style>
-          <p:txBody>
-            <a:bodyPr rtlCol="0" anchor="ctr"/>
-            <a:lstStyle/>
-            <a:p>
-              <a:pPr algn="ctr"/>
-              <a:r>
-                <a:rPr lang="en-US" sz="2400" dirty="0" smtClean="0"/>
-                <a:t>Java 7</a:t>
-              </a:r>
-              <a:endParaRPr lang="ru-RU" sz="2400" dirty="0"/>
-            </a:p>
-          </p:txBody>
-        </p:sp>
-        <p:sp>
-          <p:nvSpPr>
-            <p:cNvPr id="5" name="Прямоугольник 4"/>
-            <p:cNvSpPr/>
-            <p:nvPr/>
-          </p:nvSpPr>
-          <p:spPr>
-            <a:xfrm>
-              <a:off x="5181600" y="3124200"/>
-              <a:ext cx="1143000" cy="838200"/>
-            </a:xfrm>
-            <a:prstGeom prst="rect">
-              <a:avLst/>
-            </a:prstGeom>
-            <a:solidFill>
-              <a:srgbClr val="FFFF00"/>
-            </a:solidFill>
-          </p:spPr>
-          <p:style>
-            <a:lnRef idx="2">
-              <a:schemeClr val="accent1">
-                <a:shade val="50000"/>
-              </a:schemeClr>
-            </a:lnRef>
-            <a:fillRef idx="1">
-              <a:schemeClr val="accent1"/>
-            </a:fillRef>
-            <a:effectRef idx="0">
-              <a:schemeClr val="accent1"/>
-            </a:effectRef>
-            <a:fontRef idx="minor">
-              <a:schemeClr val="lt1"/>
-            </a:fontRef>
-          </p:style>
-          <p:txBody>
-            <a:bodyPr rtlCol="0" anchor="ctr"/>
-            <a:lstStyle/>
-            <a:p>
-              <a:pPr algn="ctr"/>
-              <a:r>
-                <a:rPr lang="en-US" sz="2400" dirty="0" smtClean="0">
-                  <a:solidFill>
-                    <a:schemeClr val="tx1"/>
-                  </a:solidFill>
-                </a:rPr>
-                <a:t>Lisp</a:t>
-              </a:r>
-              <a:endParaRPr lang="ru-RU" sz="2400" dirty="0">
+          <a:prstGeom prst="rect">
+            <a:avLst/>
+          </a:prstGeom>
+        </p:spPr>
+        <p:style>
+          <a:lnRef idx="2">
+            <a:schemeClr val="accent1">
+              <a:shade val="50000"/>
+            </a:schemeClr>
+          </a:lnRef>
+          <a:fillRef idx="1">
+            <a:schemeClr val="accent1"/>
+          </a:fillRef>
+          <a:effectRef idx="0">
+            <a:schemeClr val="accent1"/>
+          </a:effectRef>
+          <a:fontRef idx="minor">
+            <a:schemeClr val="lt1"/>
+          </a:fontRef>
+        </p:style>
+        <p:txBody>
+          <a:bodyPr rtlCol="0" anchor="ctr"/>
+          <a:lstStyle/>
+          <a:p>
+            <a:pPr algn="ctr"/>
+            <a:r>
+              <a:rPr lang="en-US" sz="2400" dirty="0" smtClean="0"/>
+              <a:t>C# 1.0</a:t>
+            </a:r>
+            <a:endParaRPr lang="ru-RU" sz="2400" dirty="0"/>
+          </a:p>
+        </p:txBody>
+      </p:sp>
+      <p:sp>
+        <p:nvSpPr>
+          <p:cNvPr id="10" name="Прямоугольник 9"/>
+          <p:cNvSpPr/>
+          <p:nvPr/>
+        </p:nvSpPr>
+        <p:spPr>
+          <a:xfrm>
+            <a:off x="5143500" y="1828800"/>
+            <a:ext cx="1143000" cy="838200"/>
+          </a:xfrm>
+          <a:prstGeom prst="rect">
+            <a:avLst/>
+          </a:prstGeom>
+          <a:solidFill>
+            <a:srgbClr val="FFFF00"/>
+          </a:solidFill>
+        </p:spPr>
+        <p:style>
+          <a:lnRef idx="2">
+            <a:schemeClr val="accent1">
+              <a:shade val="50000"/>
+            </a:schemeClr>
+          </a:lnRef>
+          <a:fillRef idx="1">
+            <a:schemeClr val="accent1"/>
+          </a:fillRef>
+          <a:effectRef idx="0">
+            <a:schemeClr val="accent1"/>
+          </a:effectRef>
+          <a:fontRef idx="minor">
+            <a:schemeClr val="lt1"/>
+          </a:fontRef>
+        </p:style>
+        <p:txBody>
+          <a:bodyPr rtlCol="0" anchor="ctr"/>
+          <a:lstStyle/>
+          <a:p>
+            <a:pPr algn="ctr"/>
+            <a:r>
+              <a:rPr lang="en-US" sz="2400" dirty="0" smtClean="0">
                 <a:solidFill>
                   <a:schemeClr val="tx1"/>
                 </a:solidFill>
-              </a:endParaRPr>
-            </a:p>
-          </p:txBody>
-        </p:sp>
-        <p:sp>
-          <p:nvSpPr>
-            <p:cNvPr id="6" name="Прямоугольник 5"/>
-            <p:cNvSpPr/>
-            <p:nvPr/>
-          </p:nvSpPr>
-          <p:spPr>
-            <a:xfrm>
-              <a:off x="4038600" y="3124200"/>
-              <a:ext cx="1143000" cy="838200"/>
-            </a:xfrm>
-            <a:prstGeom prst="rect">
-              <a:avLst/>
-            </a:prstGeom>
-            <a:solidFill>
-              <a:srgbClr val="A8FC10"/>
-            </a:solidFill>
-          </p:spPr>
-          <p:style>
-            <a:lnRef idx="2">
-              <a:schemeClr val="accent1">
-                <a:shade val="50000"/>
-              </a:schemeClr>
-            </a:lnRef>
-            <a:fillRef idx="1">
-              <a:schemeClr val="accent1"/>
-            </a:fillRef>
-            <a:effectRef idx="0">
-              <a:schemeClr val="accent1"/>
-            </a:effectRef>
-            <a:fontRef idx="minor">
-              <a:schemeClr val="lt1"/>
-            </a:fontRef>
-          </p:style>
-          <p:txBody>
-            <a:bodyPr rtlCol="0" anchor="ctr"/>
-            <a:lstStyle/>
-            <a:p>
-              <a:pPr algn="ctr"/>
-              <a:r>
-                <a:rPr lang="en-US" sz="2400" dirty="0" smtClean="0">
-                  <a:solidFill>
-                    <a:schemeClr val="tx1"/>
-                  </a:solidFill>
-                </a:rPr>
-                <a:t>Closure</a:t>
-              </a:r>
-              <a:endParaRPr lang="ru-RU" sz="2400" dirty="0">
+              </a:rPr>
+              <a:t>F#</a:t>
+            </a:r>
+            <a:endParaRPr lang="ru-RU" sz="2400" dirty="0">
+              <a:solidFill>
+                <a:schemeClr val="tx1"/>
+              </a:solidFill>
+            </a:endParaRPr>
+          </a:p>
+        </p:txBody>
+      </p:sp>
+      <p:sp>
+        <p:nvSpPr>
+          <p:cNvPr id="11" name="Прямоугольник 10"/>
+          <p:cNvSpPr/>
+          <p:nvPr/>
+        </p:nvSpPr>
+        <p:spPr>
+          <a:xfrm>
+            <a:off x="4000500" y="1828800"/>
+            <a:ext cx="1143000" cy="838200"/>
+          </a:xfrm>
+          <a:prstGeom prst="rect">
+            <a:avLst/>
+          </a:prstGeom>
+          <a:solidFill>
+            <a:srgbClr val="A8FC10"/>
+          </a:solidFill>
+        </p:spPr>
+        <p:style>
+          <a:lnRef idx="2">
+            <a:schemeClr val="accent1">
+              <a:shade val="50000"/>
+            </a:schemeClr>
+          </a:lnRef>
+          <a:fillRef idx="1">
+            <a:schemeClr val="accent1"/>
+          </a:fillRef>
+          <a:effectRef idx="0">
+            <a:schemeClr val="accent1"/>
+          </a:effectRef>
+          <a:fontRef idx="minor">
+            <a:schemeClr val="lt1"/>
+          </a:fontRef>
+        </p:style>
+        <p:txBody>
+          <a:bodyPr rtlCol="0" anchor="ctr"/>
+          <a:lstStyle/>
+          <a:p>
+            <a:pPr algn="ctr"/>
+            <a:r>
+              <a:rPr lang="en-US" sz="2400" dirty="0" smtClean="0">
                 <a:solidFill>
                   <a:schemeClr val="tx1"/>
                 </a:solidFill>
-              </a:endParaRPr>
-            </a:p>
-          </p:txBody>
-        </p:sp>
-        <p:sp>
-          <p:nvSpPr>
-            <p:cNvPr id="7" name="Прямоугольник 6"/>
-            <p:cNvSpPr/>
-            <p:nvPr/>
-          </p:nvSpPr>
-          <p:spPr>
-            <a:xfrm>
-              <a:off x="4381500" y="3962400"/>
-              <a:ext cx="1143000" cy="838200"/>
-            </a:xfrm>
-            <a:prstGeom prst="rect">
-              <a:avLst/>
-            </a:prstGeom>
-            <a:solidFill>
-              <a:srgbClr val="A8FC10"/>
-            </a:solidFill>
-          </p:spPr>
-          <p:style>
-            <a:lnRef idx="2">
-              <a:schemeClr val="accent1">
-                <a:shade val="50000"/>
-              </a:schemeClr>
-            </a:lnRef>
-            <a:fillRef idx="1">
-              <a:schemeClr val="accent1"/>
-            </a:fillRef>
-            <a:effectRef idx="0">
-              <a:schemeClr val="accent1"/>
-            </a:effectRef>
-            <a:fontRef idx="minor">
-              <a:schemeClr val="lt1"/>
-            </a:fontRef>
-          </p:style>
-          <p:txBody>
-            <a:bodyPr rtlCol="0" anchor="ctr"/>
-            <a:lstStyle/>
-            <a:p>
-              <a:pPr algn="ctr"/>
-              <a:r>
-                <a:rPr lang="en-US" sz="2400" dirty="0">
-                  <a:solidFill>
-                    <a:schemeClr val="tx1"/>
-                  </a:solidFill>
-                </a:rPr>
-                <a:t>Scala</a:t>
-              </a:r>
-              <a:endParaRPr lang="ru-RU" sz="2400" dirty="0">
+              </a:rPr>
+              <a:t>C# </a:t>
+            </a:r>
+            <a:r>
+              <a:rPr lang="ru-RU" sz="2400" dirty="0" smtClean="0">
                 <a:solidFill>
                   <a:schemeClr val="tx1"/>
                 </a:solidFill>
-              </a:endParaRPr>
-            </a:p>
-          </p:txBody>
-        </p:sp>
-        <p:sp>
-          <p:nvSpPr>
-            <p:cNvPr id="8" name="Прямоугольник 7"/>
-            <p:cNvSpPr/>
-            <p:nvPr/>
-          </p:nvSpPr>
-          <p:spPr>
-            <a:xfrm>
-              <a:off x="3238500" y="3962400"/>
-              <a:ext cx="1143000" cy="838200"/>
-            </a:xfrm>
-            <a:prstGeom prst="rect">
-              <a:avLst/>
-            </a:prstGeom>
-            <a:solidFill>
-              <a:srgbClr val="39D3C1"/>
-            </a:solidFill>
-          </p:spPr>
-          <p:style>
-            <a:lnRef idx="2">
-              <a:schemeClr val="accent1">
-                <a:shade val="50000"/>
-              </a:schemeClr>
-            </a:lnRef>
-            <a:fillRef idx="1">
-              <a:schemeClr val="accent1"/>
-            </a:fillRef>
-            <a:effectRef idx="0">
-              <a:schemeClr val="accent1"/>
-            </a:effectRef>
-            <a:fontRef idx="minor">
-              <a:schemeClr val="lt1"/>
-            </a:fontRef>
-          </p:style>
-          <p:txBody>
-            <a:bodyPr rtlCol="0" anchor="ctr"/>
-            <a:lstStyle/>
-            <a:p>
-              <a:pPr algn="ctr"/>
-              <a:r>
-                <a:rPr lang="en-US" sz="2400" dirty="0" smtClean="0">
-                  <a:solidFill>
-                    <a:schemeClr val="tx1"/>
-                  </a:solidFill>
-                </a:rPr>
-                <a:t>Java 8</a:t>
-              </a:r>
-              <a:endParaRPr lang="ru-RU" sz="2400" dirty="0">
+              </a:rPr>
+              <a:t>2</a:t>
+            </a:r>
+            <a:r>
+              <a:rPr lang="en-US" sz="2400" dirty="0" smtClean="0">
                 <a:solidFill>
                   <a:schemeClr val="tx1"/>
                 </a:solidFill>
-              </a:endParaRPr>
-            </a:p>
-          </p:txBody>
-        </p:sp>
-        <p:sp>
-          <p:nvSpPr>
-            <p:cNvPr id="9" name="Прямоугольник 8"/>
-            <p:cNvSpPr/>
-            <p:nvPr/>
-          </p:nvSpPr>
-          <p:spPr>
-            <a:xfrm>
-              <a:off x="2895600" y="1828800"/>
-              <a:ext cx="1143000" cy="838200"/>
-            </a:xfrm>
-            <a:prstGeom prst="rect">
-              <a:avLst/>
-            </a:prstGeom>
-          </p:spPr>
-          <p:style>
-            <a:lnRef idx="2">
-              <a:schemeClr val="accent1">
-                <a:shade val="50000"/>
-              </a:schemeClr>
-            </a:lnRef>
-            <a:fillRef idx="1">
-              <a:schemeClr val="accent1"/>
-            </a:fillRef>
-            <a:effectRef idx="0">
-              <a:schemeClr val="accent1"/>
-            </a:effectRef>
-            <a:fontRef idx="minor">
-              <a:schemeClr val="lt1"/>
-            </a:fontRef>
-          </p:style>
-          <p:txBody>
-            <a:bodyPr rtlCol="0" anchor="ctr"/>
-            <a:lstStyle/>
-            <a:p>
-              <a:pPr algn="ctr"/>
-              <a:r>
-                <a:rPr lang="en-US" sz="2400" dirty="0" smtClean="0"/>
-                <a:t>C# 1.0</a:t>
-              </a:r>
-              <a:endParaRPr lang="ru-RU" sz="2400" dirty="0"/>
-            </a:p>
-          </p:txBody>
-        </p:sp>
-        <p:sp>
-          <p:nvSpPr>
-            <p:cNvPr id="10" name="Прямоугольник 9"/>
-            <p:cNvSpPr/>
-            <p:nvPr/>
-          </p:nvSpPr>
-          <p:spPr>
-            <a:xfrm>
-              <a:off x="5181600" y="1828800"/>
-              <a:ext cx="1143000" cy="838200"/>
-            </a:xfrm>
-            <a:prstGeom prst="rect">
-              <a:avLst/>
-            </a:prstGeom>
-            <a:solidFill>
-              <a:srgbClr val="FFFF00"/>
-            </a:solidFill>
-          </p:spPr>
-          <p:style>
-            <a:lnRef idx="2">
-              <a:schemeClr val="accent1">
-                <a:shade val="50000"/>
-              </a:schemeClr>
-            </a:lnRef>
-            <a:fillRef idx="1">
-              <a:schemeClr val="accent1"/>
-            </a:fillRef>
-            <a:effectRef idx="0">
-              <a:schemeClr val="accent1"/>
-            </a:effectRef>
-            <a:fontRef idx="minor">
-              <a:schemeClr val="lt1"/>
-            </a:fontRef>
-          </p:style>
-          <p:txBody>
-            <a:bodyPr rtlCol="0" anchor="ctr"/>
-            <a:lstStyle/>
-            <a:p>
-              <a:pPr algn="ctr"/>
-              <a:r>
-                <a:rPr lang="en-US" sz="2400" dirty="0" smtClean="0">
-                  <a:solidFill>
-                    <a:schemeClr val="tx1"/>
-                  </a:solidFill>
-                </a:rPr>
-                <a:t>F#</a:t>
-              </a:r>
-              <a:endParaRPr lang="ru-RU" sz="2400" dirty="0">
+              </a:rPr>
+              <a:t>.0</a:t>
+            </a:r>
+            <a:r>
+              <a:rPr lang="ru-RU" sz="2400" dirty="0" smtClean="0">
                 <a:solidFill>
                   <a:schemeClr val="tx1"/>
                 </a:solidFill>
-              </a:endParaRPr>
-            </a:p>
-          </p:txBody>
-        </p:sp>
-        <p:sp>
-          <p:nvSpPr>
-            <p:cNvPr id="11" name="Прямоугольник 10"/>
-            <p:cNvSpPr/>
-            <p:nvPr/>
-          </p:nvSpPr>
-          <p:spPr>
-            <a:xfrm>
-              <a:off x="4038600" y="1828800"/>
-              <a:ext cx="1143000" cy="838200"/>
-            </a:xfrm>
-            <a:prstGeom prst="rect">
-              <a:avLst/>
-            </a:prstGeom>
-            <a:solidFill>
-              <a:srgbClr val="A8FC10"/>
-            </a:solidFill>
-          </p:spPr>
-          <p:style>
-            <a:lnRef idx="2">
-              <a:schemeClr val="accent1">
-                <a:shade val="50000"/>
-              </a:schemeClr>
-            </a:lnRef>
-            <a:fillRef idx="1">
-              <a:schemeClr val="accent1"/>
-            </a:fillRef>
-            <a:effectRef idx="0">
-              <a:schemeClr val="accent1"/>
-            </a:effectRef>
-            <a:fontRef idx="minor">
-              <a:schemeClr val="lt1"/>
-            </a:fontRef>
-          </p:style>
-          <p:txBody>
-            <a:bodyPr rtlCol="0" anchor="ctr"/>
-            <a:lstStyle/>
-            <a:p>
-              <a:pPr algn="ctr"/>
-              <a:r>
-                <a:rPr lang="en-US" sz="2400" dirty="0" smtClean="0">
-                  <a:solidFill>
-                    <a:schemeClr val="tx1"/>
-                  </a:solidFill>
-                </a:rPr>
-                <a:t>C# </a:t>
-              </a:r>
-              <a:r>
-                <a:rPr lang="ru-RU" sz="2400" dirty="0" smtClean="0">
-                  <a:solidFill>
-                    <a:schemeClr val="tx1"/>
-                  </a:solidFill>
-                </a:rPr>
-                <a:t>2</a:t>
-              </a:r>
-              <a:r>
-                <a:rPr lang="en-US" sz="2400" dirty="0" smtClean="0">
-                  <a:solidFill>
-                    <a:schemeClr val="tx1"/>
-                  </a:solidFill>
-                </a:rPr>
-                <a:t>.0</a:t>
-              </a:r>
-              <a:r>
-                <a:rPr lang="ru-RU" sz="2400" dirty="0" smtClean="0">
-                  <a:solidFill>
-                    <a:schemeClr val="tx1"/>
-                  </a:solidFill>
-                </a:rPr>
-                <a:t> </a:t>
-              </a:r>
-              <a:r>
-                <a:rPr lang="en-US" sz="2400" dirty="0" smtClean="0">
-                  <a:solidFill>
-                    <a:schemeClr val="tx1"/>
-                  </a:solidFill>
-                </a:rPr>
-                <a:t>C# 3.0</a:t>
-              </a:r>
-              <a:endParaRPr lang="ru-RU" sz="2400" dirty="0">
+              </a:rPr>
+              <a:t> </a:t>
+            </a:r>
+            <a:r>
+              <a:rPr lang="en-US" sz="2400" dirty="0" smtClean="0">
                 <a:solidFill>
                   <a:schemeClr val="tx1"/>
                 </a:solidFill>
-              </a:endParaRPr>
-            </a:p>
-          </p:txBody>
-        </p:sp>
-      </p:grpSp>
+              </a:rPr>
+              <a:t>C# 3.0</a:t>
+            </a:r>
+            <a:endParaRPr lang="ru-RU" sz="2400" dirty="0">
+              <a:solidFill>
+                <a:schemeClr val="tx1"/>
+              </a:solidFill>
+            </a:endParaRPr>
+          </a:p>
+        </p:txBody>
+      </p:sp>
     </p:spTree>
     <p:extLst>
       <p:ext uri="{BB962C8B-B14F-4D97-AF65-F5344CB8AC3E}">
@@ -21392,9 +21614,356 @@
   <p:timing>
     <p:tnLst>
       <p:par>
-        <p:cTn id="1" dur="indefinite" restart="never" nodeType="tmRoot"/>
+        <p:cTn id="1" dur="indefinite" restart="never" nodeType="tmRoot">
+          <p:childTnLst>
+            <p:seq concurrent="1" nextAc="seek">
+              <p:cTn id="2" dur="indefinite" nodeType="mainSeq">
+                <p:childTnLst>
+                  <p:par>
+                    <p:cTn id="3" fill="hold">
+                      <p:stCondLst>
+                        <p:cond delay="indefinite"/>
+                      </p:stCondLst>
+                      <p:childTnLst>
+                        <p:par>
+                          <p:cTn id="4" fill="hold">
+                            <p:stCondLst>
+                              <p:cond delay="0"/>
+                            </p:stCondLst>
+                            <p:childTnLst>
+                              <p:par>
+                                <p:cTn id="5" presetID="1" presetClass="entr" presetSubtype="0" fill="hold" grpId="0" nodeType="clickEffect">
+                                  <p:stCondLst>
+                                    <p:cond delay="0"/>
+                                  </p:stCondLst>
+                                  <p:childTnLst>
+                                    <p:set>
+                                      <p:cBhvr>
+                                        <p:cTn id="6" dur="1" fill="hold">
+                                          <p:stCondLst>
+                                            <p:cond delay="0"/>
+                                          </p:stCondLst>
+                                        </p:cTn>
+                                        <p:tgtEl>
+                                          <p:spTgt spid="10"/>
+                                        </p:tgtEl>
+                                        <p:attrNameLst>
+                                          <p:attrName>style.visibility</p:attrName>
+                                        </p:attrNameLst>
+                                      </p:cBhvr>
+                                      <p:to>
+                                        <p:strVal val="visible"/>
+                                      </p:to>
+                                    </p:set>
+                                  </p:childTnLst>
+                                </p:cTn>
+                              </p:par>
+                            </p:childTnLst>
+                          </p:cTn>
+                        </p:par>
+                      </p:childTnLst>
+                    </p:cTn>
+                  </p:par>
+                  <p:par>
+                    <p:cTn id="7" fill="hold">
+                      <p:stCondLst>
+                        <p:cond delay="indefinite"/>
+                      </p:stCondLst>
+                      <p:childTnLst>
+                        <p:par>
+                          <p:cTn id="8" fill="hold">
+                            <p:stCondLst>
+                              <p:cond delay="0"/>
+                            </p:stCondLst>
+                            <p:childTnLst>
+                              <p:par>
+                                <p:cTn id="9" presetID="1" presetClass="entr" presetSubtype="0" fill="hold" grpId="0" nodeType="clickEffect">
+                                  <p:stCondLst>
+                                    <p:cond delay="0"/>
+                                  </p:stCondLst>
+                                  <p:childTnLst>
+                                    <p:set>
+                                      <p:cBhvr>
+                                        <p:cTn id="10" dur="1" fill="hold">
+                                          <p:stCondLst>
+                                            <p:cond delay="0"/>
+                                          </p:stCondLst>
+                                        </p:cTn>
+                                        <p:tgtEl>
+                                          <p:spTgt spid="11"/>
+                                        </p:tgtEl>
+                                        <p:attrNameLst>
+                                          <p:attrName>style.visibility</p:attrName>
+                                        </p:attrNameLst>
+                                      </p:cBhvr>
+                                      <p:to>
+                                        <p:strVal val="visible"/>
+                                      </p:to>
+                                    </p:set>
+                                  </p:childTnLst>
+                                </p:cTn>
+                              </p:par>
+                            </p:childTnLst>
+                          </p:cTn>
+                        </p:par>
+                      </p:childTnLst>
+                    </p:cTn>
+                  </p:par>
+                  <p:par>
+                    <p:cTn id="11" fill="hold">
+                      <p:stCondLst>
+                        <p:cond delay="indefinite"/>
+                      </p:stCondLst>
+                      <p:childTnLst>
+                        <p:par>
+                          <p:cTn id="12" fill="hold">
+                            <p:stCondLst>
+                              <p:cond delay="0"/>
+                            </p:stCondLst>
+                            <p:childTnLst>
+                              <p:par>
+                                <p:cTn id="13" presetID="1" presetClass="entr" presetSubtype="0" fill="hold" grpId="0" nodeType="clickEffect">
+                                  <p:stCondLst>
+                                    <p:cond delay="0"/>
+                                  </p:stCondLst>
+                                  <p:childTnLst>
+                                    <p:set>
+                                      <p:cBhvr>
+                                        <p:cTn id="14" dur="1" fill="hold">
+                                          <p:stCondLst>
+                                            <p:cond delay="0"/>
+                                          </p:stCondLst>
+                                        </p:cTn>
+                                        <p:tgtEl>
+                                          <p:spTgt spid="4"/>
+                                        </p:tgtEl>
+                                        <p:attrNameLst>
+                                          <p:attrName>style.visibility</p:attrName>
+                                        </p:attrNameLst>
+                                      </p:cBhvr>
+                                      <p:to>
+                                        <p:strVal val="visible"/>
+                                      </p:to>
+                                    </p:set>
+                                  </p:childTnLst>
+                                </p:cTn>
+                              </p:par>
+                            </p:childTnLst>
+                          </p:cTn>
+                        </p:par>
+                      </p:childTnLst>
+                    </p:cTn>
+                  </p:par>
+                  <p:par>
+                    <p:cTn id="15" fill="hold">
+                      <p:stCondLst>
+                        <p:cond delay="indefinite"/>
+                      </p:stCondLst>
+                      <p:childTnLst>
+                        <p:par>
+                          <p:cTn id="16" fill="hold">
+                            <p:stCondLst>
+                              <p:cond delay="0"/>
+                            </p:stCondLst>
+                            <p:childTnLst>
+                              <p:par>
+                                <p:cTn id="17" presetID="1" presetClass="entr" presetSubtype="0" fill="hold" grpId="0" nodeType="clickEffect">
+                                  <p:stCondLst>
+                                    <p:cond delay="0"/>
+                                  </p:stCondLst>
+                                  <p:childTnLst>
+                                    <p:set>
+                                      <p:cBhvr>
+                                        <p:cTn id="18" dur="1" fill="hold">
+                                          <p:stCondLst>
+                                            <p:cond delay="0"/>
+                                          </p:stCondLst>
+                                        </p:cTn>
+                                        <p:tgtEl>
+                                          <p:spTgt spid="5"/>
+                                        </p:tgtEl>
+                                        <p:attrNameLst>
+                                          <p:attrName>style.visibility</p:attrName>
+                                        </p:attrNameLst>
+                                      </p:cBhvr>
+                                      <p:to>
+                                        <p:strVal val="visible"/>
+                                      </p:to>
+                                    </p:set>
+                                  </p:childTnLst>
+                                </p:cTn>
+                              </p:par>
+                            </p:childTnLst>
+                          </p:cTn>
+                        </p:par>
+                      </p:childTnLst>
+                    </p:cTn>
+                  </p:par>
+                  <p:par>
+                    <p:cTn id="19" fill="hold">
+                      <p:stCondLst>
+                        <p:cond delay="indefinite"/>
+                      </p:stCondLst>
+                      <p:childTnLst>
+                        <p:par>
+                          <p:cTn id="20" fill="hold">
+                            <p:stCondLst>
+                              <p:cond delay="0"/>
+                            </p:stCondLst>
+                            <p:childTnLst>
+                              <p:par>
+                                <p:cTn id="21" presetID="1" presetClass="entr" presetSubtype="0" fill="hold" grpId="0" nodeType="clickEffect">
+                                  <p:stCondLst>
+                                    <p:cond delay="0"/>
+                                  </p:stCondLst>
+                                  <p:childTnLst>
+                                    <p:set>
+                                      <p:cBhvr>
+                                        <p:cTn id="22" dur="1" fill="hold">
+                                          <p:stCondLst>
+                                            <p:cond delay="0"/>
+                                          </p:stCondLst>
+                                        </p:cTn>
+                                        <p:tgtEl>
+                                          <p:spTgt spid="6"/>
+                                        </p:tgtEl>
+                                        <p:attrNameLst>
+                                          <p:attrName>style.visibility</p:attrName>
+                                        </p:attrNameLst>
+                                      </p:cBhvr>
+                                      <p:to>
+                                        <p:strVal val="visible"/>
+                                      </p:to>
+                                    </p:set>
+                                  </p:childTnLst>
+                                </p:cTn>
+                              </p:par>
+                            </p:childTnLst>
+                          </p:cTn>
+                        </p:par>
+                      </p:childTnLst>
+                    </p:cTn>
+                  </p:par>
+                  <p:par>
+                    <p:cTn id="23" fill="hold">
+                      <p:stCondLst>
+                        <p:cond delay="indefinite"/>
+                      </p:stCondLst>
+                      <p:childTnLst>
+                        <p:par>
+                          <p:cTn id="24" fill="hold">
+                            <p:stCondLst>
+                              <p:cond delay="0"/>
+                            </p:stCondLst>
+                            <p:childTnLst>
+                              <p:par>
+                                <p:cTn id="25" presetID="1" presetClass="entr" presetSubtype="0" fill="hold" grpId="0" nodeType="clickEffect">
+                                  <p:stCondLst>
+                                    <p:cond delay="0"/>
+                                  </p:stCondLst>
+                                  <p:childTnLst>
+                                    <p:set>
+                                      <p:cBhvr>
+                                        <p:cTn id="26" dur="1" fill="hold">
+                                          <p:stCondLst>
+                                            <p:cond delay="0"/>
+                                          </p:stCondLst>
+                                        </p:cTn>
+                                        <p:tgtEl>
+                                          <p:spTgt spid="7"/>
+                                        </p:tgtEl>
+                                        <p:attrNameLst>
+                                          <p:attrName>style.visibility</p:attrName>
+                                        </p:attrNameLst>
+                                      </p:cBhvr>
+                                      <p:to>
+                                        <p:strVal val="visible"/>
+                                      </p:to>
+                                    </p:set>
+                                  </p:childTnLst>
+                                </p:cTn>
+                              </p:par>
+                            </p:childTnLst>
+                          </p:cTn>
+                        </p:par>
+                      </p:childTnLst>
+                    </p:cTn>
+                  </p:par>
+                  <p:par>
+                    <p:cTn id="27" fill="hold">
+                      <p:stCondLst>
+                        <p:cond delay="indefinite"/>
+                      </p:stCondLst>
+                      <p:childTnLst>
+                        <p:par>
+                          <p:cTn id="28" fill="hold">
+                            <p:stCondLst>
+                              <p:cond delay="0"/>
+                            </p:stCondLst>
+                            <p:childTnLst>
+                              <p:par>
+                                <p:cTn id="29" presetID="1" presetClass="entr" presetSubtype="0" fill="hold" grpId="0" nodeType="clickEffect">
+                                  <p:stCondLst>
+                                    <p:cond delay="0"/>
+                                  </p:stCondLst>
+                                  <p:childTnLst>
+                                    <p:set>
+                                      <p:cBhvr>
+                                        <p:cTn id="30" dur="1" fill="hold">
+                                          <p:stCondLst>
+                                            <p:cond delay="0"/>
+                                          </p:stCondLst>
+                                        </p:cTn>
+                                        <p:tgtEl>
+                                          <p:spTgt spid="8"/>
+                                        </p:tgtEl>
+                                        <p:attrNameLst>
+                                          <p:attrName>style.visibility</p:attrName>
+                                        </p:attrNameLst>
+                                      </p:cBhvr>
+                                      <p:to>
+                                        <p:strVal val="visible"/>
+                                      </p:to>
+                                    </p:set>
+                                  </p:childTnLst>
+                                </p:cTn>
+                              </p:par>
+                            </p:childTnLst>
+                          </p:cTn>
+                        </p:par>
+                      </p:childTnLst>
+                    </p:cTn>
+                  </p:par>
+                </p:childTnLst>
+              </p:cTn>
+              <p:prevCondLst>
+                <p:cond evt="onPrev" delay="0">
+                  <p:tgtEl>
+                    <p:sldTgt/>
+                  </p:tgtEl>
+                </p:cond>
+              </p:prevCondLst>
+              <p:nextCondLst>
+                <p:cond evt="onNext" delay="0">
+                  <p:tgtEl>
+                    <p:sldTgt/>
+                  </p:tgtEl>
+                </p:cond>
+              </p:nextCondLst>
+            </p:seq>
+          </p:childTnLst>
+        </p:cTn>
       </p:par>
     </p:tnLst>
+    <p:bldLst>
+      <p:bldP spid="4" grpId="0" animBg="1"/>
+      <p:bldP spid="5" grpId="0" animBg="1"/>
+      <p:bldP spid="6" grpId="0" animBg="1"/>
+      <p:bldP spid="7" grpId="0" animBg="1"/>
+      <p:bldP spid="8" grpId="0" animBg="1"/>
+      <p:bldP spid="10" grpId="0" animBg="1"/>
+      <p:bldP spid="11" grpId="0" animBg="1"/>
+    </p:bldLst>
   </p:timing>
 </p:sld>
 </file>
@@ -22074,7 +22643,7 @@
 </file>
 
 <file path=ppt/slides/slide54.xml><?xml version="1.0" encoding="utf-8"?>
-<p:sld xmlns:a="http://schemas.openxmlformats.org/drawingml/2006/main" xmlns:r="http://schemas.openxmlformats.org/officeDocument/2006/relationships" xmlns:p="http://schemas.openxmlformats.org/presentationml/2006/main" show="0">
+<p:sld xmlns:a="http://schemas.openxmlformats.org/drawingml/2006/main" xmlns:r="http://schemas.openxmlformats.org/officeDocument/2006/relationships" xmlns:p="http://schemas.openxmlformats.org/presentationml/2006/main">
   <p:cSld>
     <p:spTree>
       <p:nvGrpSpPr>
@@ -22106,8 +22675,8 @@
           <a:lstStyle/>
           <a:p>
             <a:r>
-              <a:rPr lang="en-US" dirty="0" smtClean="0"/>
-              <a:t>Pattern matching</a:t>
+              <a:rPr lang="ru-RU" dirty="0" smtClean="0"/>
+              <a:t>Итог</a:t>
             </a:r>
             <a:endParaRPr lang="ru-RU" dirty="0"/>
           </a:p>
@@ -22133,101 +22702,49 @@
             </a:pPr>
             <a:r>
               <a:rPr lang="ru-RU" dirty="0" smtClean="0"/>
-              <a:t>Пример</a:t>
+              <a:t>Лямбды, ФВП (</a:t>
+            </a:r>
+            <a:r>
+              <a:rPr lang="en-US" dirty="0" smtClean="0"/>
+              <a:t>HOF)</a:t>
+            </a:r>
+            <a:r>
+              <a:rPr lang="ru-RU" dirty="0" smtClean="0"/>
+              <a:t>, замыкания</a:t>
             </a:r>
           </a:p>
           <a:p>
             <a:pPr marL="0" indent="0">
               <a:buNone/>
             </a:pPr>
+            <a:r>
+              <a:rPr lang="ru-RU" dirty="0" smtClean="0"/>
+              <a:t>«</a:t>
+            </a:r>
+            <a:r>
+              <a:rPr lang="en-US" dirty="0" smtClean="0"/>
+              <a:t>Immutability</a:t>
+            </a:r>
+            <a:r>
+              <a:rPr lang="ru-RU" dirty="0" smtClean="0"/>
+              <a:t> + </a:t>
+            </a:r>
+            <a:r>
+              <a:rPr lang="en-US" dirty="0" smtClean="0"/>
+              <a:t>Pure functions</a:t>
+            </a:r>
+            <a:r>
+              <a:rPr lang="ru-RU" dirty="0" smtClean="0"/>
+              <a:t>» — с ними корректнее :-)</a:t>
+            </a:r>
             <a:endParaRPr lang="en-US" dirty="0" smtClean="0"/>
           </a:p>
           <a:p>
-            <a:pPr marL="0" indent="0">
-              <a:buNone/>
+            <a:pPr>
+              <a:buFont typeface="Arial" charset="0"/>
+              <a:buChar char="•"/>
             </a:pPr>
-            <a:r>
-              <a:rPr lang="en-US" dirty="0" smtClean="0">
-                <a:hlinkClick r:id="rId2"/>
-              </a:rPr>
-              <a:t>http</a:t>
-            </a:r>
-            <a:r>
-              <a:rPr lang="en-US" dirty="0">
-                <a:hlinkClick r:id="rId2"/>
-              </a:rPr>
-              <a:t>://habrahabr.ru/post/222979</a:t>
-            </a:r>
-            <a:r>
-              <a:rPr lang="en-US" dirty="0" smtClean="0">
-                <a:hlinkClick r:id="rId2"/>
-              </a:rPr>
-              <a:t>/</a:t>
-            </a:r>
-            <a:endParaRPr lang="en-US" dirty="0">
-              <a:hlinkClick r:id="rId2"/>
-            </a:endParaRPr>
-          </a:p>
-          <a:p>
-            <a:pPr marL="0" indent="0">
-              <a:buNone/>
-            </a:pPr>
-            <a:r>
-              <a:rPr lang="ru-RU" dirty="0"/>
-              <a:t>Не </a:t>
-            </a:r>
-            <a:r>
-              <a:rPr lang="ru-RU" dirty="0" smtClean="0"/>
-              <a:t>совсем </a:t>
-            </a:r>
-            <a:r>
-              <a:rPr lang="ru-RU" i="1" dirty="0" err="1" smtClean="0"/>
-              <a:t>матчинг</a:t>
-            </a:r>
-            <a:endParaRPr lang="ru-RU" i="1" dirty="0" smtClean="0">
-              <a:hlinkClick r:id="rId2"/>
-            </a:endParaRPr>
-          </a:p>
-          <a:p>
-            <a:pPr marL="0" indent="0">
-              <a:buNone/>
-            </a:pPr>
-            <a:endParaRPr lang="en-US" dirty="0" smtClean="0">
-              <a:hlinkClick r:id="rId2"/>
-            </a:endParaRPr>
-          </a:p>
-          <a:p>
-            <a:pPr marL="0" indent="0">
-              <a:buNone/>
-            </a:pPr>
-            <a:r>
-              <a:rPr lang="en-US" dirty="0" smtClean="0">
-                <a:hlinkClick r:id="rId2"/>
-              </a:rPr>
-              <a:t>http</a:t>
-            </a:r>
-            <a:r>
-              <a:rPr lang="en-US" dirty="0">
-                <a:hlinkClick r:id="rId2"/>
-              </a:rPr>
-              <a:t>://</a:t>
-            </a:r>
-            <a:r>
-              <a:rPr lang="en-US" dirty="0" smtClean="0">
-                <a:hlinkClick r:id="rId2"/>
-              </a:rPr>
-              <a:t>roslyn.codeplex.com/discussions/543522</a:t>
-            </a:r>
             <a:endParaRPr lang="en-US" dirty="0" smtClean="0"/>
-          </a:p>
-          <a:p>
-            <a:pPr marL="0" indent="0">
-              <a:buNone/>
-            </a:pPr>
-            <a:r>
-              <a:rPr lang="en-US" dirty="0" smtClean="0"/>
-              <a:t>Future</a:t>
-            </a:r>
           </a:p>
           <a:p>
             <a:pPr marL="0" indent="0">
@@ -22240,21 +22757,13 @@
     </p:spTree>
     <p:extLst>
       <p:ext uri="{BB962C8B-B14F-4D97-AF65-F5344CB8AC3E}">
-        <p14:creationId xmlns:p14="http://schemas.microsoft.com/office/powerpoint/2010/main" val="627257549"/>
+        <p14:creationId xmlns:p14="http://schemas.microsoft.com/office/powerpoint/2010/main" val="1378098716"/>
       </p:ext>
     </p:extLst>
   </p:cSld>
   <p:clrMapOvr>
     <a:masterClrMapping/>
   </p:clrMapOvr>
-  <mc:AlternateContent xmlns:mc="http://schemas.openxmlformats.org/markup-compatibility/2006" xmlns:p14="http://schemas.microsoft.com/office/powerpoint/2010/main">
-    <mc:Choice Requires="p14">
-      <p:transition spd="slow" p14:dur="2000"/>
-    </mc:Choice>
-    <mc:Fallback xmlns="">
-      <p:transition spd="slow"/>
-    </mc:Fallback>
-  </mc:AlternateContent>
   <p:timing>
     <p:tnLst>
       <p:par>
@@ -22299,7 +22808,7 @@
           <a:p>
             <a:r>
               <a:rPr lang="en-US" dirty="0" smtClean="0"/>
-              <a:t>Type Classes</a:t>
+              <a:t>Pattern matching</a:t>
             </a:r>
             <a:endParaRPr lang="ru-RU" dirty="0"/>
           </a:p>
@@ -22320,217 +22829,44 @@
           <a:bodyPr/>
           <a:lstStyle/>
           <a:p>
-            <a:r>
-              <a:rPr lang="ru-RU" dirty="0" smtClean="0"/>
-              <a:t>Набор функций, которые могут быть реализованы по-разному для разных типов</a:t>
-            </a:r>
-          </a:p>
-          <a:p>
-            <a:r>
-              <a:rPr lang="ru-RU" dirty="0" smtClean="0"/>
-              <a:t>Например, сравнение:</a:t>
-            </a:r>
-          </a:p>
-          <a:p>
             <a:pPr marL="0" indent="0">
               <a:buNone/>
             </a:pPr>
-            <a:endParaRPr lang="ru-RU" sz="2800" b="1" dirty="0" smtClean="0">
-              <a:solidFill>
-                <a:srgbClr val="0066CC"/>
-              </a:solidFill>
-              <a:latin typeface="Consolas" pitchFamily="49" charset="0"/>
-              <a:cs typeface="Consolas" pitchFamily="49" charset="0"/>
-            </a:endParaRPr>
+            <a:r>
+              <a:rPr lang="ru-RU" dirty="0" smtClean="0"/>
+              <a:t>Пример</a:t>
+            </a:r>
           </a:p>
           <a:p>
             <a:pPr marL="0" indent="0">
               <a:buNone/>
             </a:pPr>
-            <a:r>
-              <a:rPr lang="en-US" sz="2800" b="1" dirty="0" smtClean="0">
-                <a:solidFill>
-                  <a:srgbClr val="0066CC"/>
-                </a:solidFill>
-                <a:latin typeface="Consolas" pitchFamily="49" charset="0"/>
-                <a:cs typeface="Consolas" pitchFamily="49" charset="0"/>
-              </a:rPr>
-              <a:t>class</a:t>
-            </a:r>
-            <a:r>
-              <a:rPr lang="en-US" sz="2800" dirty="0" smtClean="0">
-                <a:latin typeface="Consolas" pitchFamily="49" charset="0"/>
-                <a:cs typeface="Consolas" pitchFamily="49" charset="0"/>
-              </a:rPr>
-              <a:t> </a:t>
-            </a:r>
-            <a:r>
-              <a:rPr lang="en-US" sz="2800" b="1" dirty="0" err="1">
-                <a:solidFill>
-                  <a:srgbClr val="CCCC00"/>
-                </a:solidFill>
-                <a:latin typeface="Consolas" pitchFamily="49" charset="0"/>
-                <a:cs typeface="Consolas" pitchFamily="49" charset="0"/>
-              </a:rPr>
-              <a:t>Eq</a:t>
-            </a:r>
-            <a:r>
-              <a:rPr lang="en-US" sz="2800" dirty="0">
-                <a:latin typeface="Consolas" pitchFamily="49" charset="0"/>
-                <a:cs typeface="Consolas" pitchFamily="49" charset="0"/>
-              </a:rPr>
-              <a:t> a </a:t>
-            </a:r>
-            <a:r>
-              <a:rPr lang="en-US" sz="2800" b="1" dirty="0">
-                <a:solidFill>
-                  <a:srgbClr val="0066CC"/>
-                </a:solidFill>
-                <a:latin typeface="Consolas" pitchFamily="49" charset="0"/>
-                <a:cs typeface="Consolas" pitchFamily="49" charset="0"/>
-              </a:rPr>
-              <a:t>where</a:t>
-            </a:r>
-            <a:r>
-              <a:rPr lang="en-US" sz="2800" dirty="0">
-                <a:latin typeface="Consolas" pitchFamily="49" charset="0"/>
-                <a:cs typeface="Consolas" pitchFamily="49" charset="0"/>
-              </a:rPr>
-              <a:t> </a:t>
-            </a:r>
-            <a:endParaRPr lang="ru-RU" sz="2800" dirty="0" smtClean="0">
-              <a:latin typeface="Consolas" pitchFamily="49" charset="0"/>
-              <a:cs typeface="Consolas" pitchFamily="49" charset="0"/>
-            </a:endParaRPr>
+            <a:endParaRPr lang="en-US" dirty="0" smtClean="0"/>
           </a:p>
           <a:p>
             <a:pPr marL="0" indent="0">
               <a:buNone/>
             </a:pPr>
             <a:r>
-              <a:rPr lang="ru-RU" sz="2800" dirty="0">
-                <a:solidFill>
-                  <a:srgbClr val="008000"/>
-                </a:solidFill>
-                <a:latin typeface="Consolas" pitchFamily="49" charset="0"/>
-                <a:cs typeface="Consolas" pitchFamily="49" charset="0"/>
-              </a:rPr>
-              <a:t> </a:t>
-            </a:r>
-            <a:r>
-              <a:rPr lang="ru-RU" sz="2800" dirty="0" smtClean="0">
-                <a:solidFill>
-                  <a:srgbClr val="008000"/>
-                </a:solidFill>
-                <a:latin typeface="Consolas" pitchFamily="49" charset="0"/>
-                <a:cs typeface="Consolas" pitchFamily="49" charset="0"/>
-              </a:rPr>
-              <a:t> </a:t>
-            </a:r>
-            <a:r>
-              <a:rPr lang="en-US" sz="2800" dirty="0" smtClean="0">
-                <a:solidFill>
-                  <a:srgbClr val="008000"/>
-                </a:solidFill>
-                <a:latin typeface="Consolas" pitchFamily="49" charset="0"/>
-                <a:cs typeface="Consolas" pitchFamily="49" charset="0"/>
-              </a:rPr>
-              <a:t>(</a:t>
-            </a:r>
-            <a:r>
-              <a:rPr lang="en-US" sz="2800" b="1" dirty="0" smtClean="0">
-                <a:solidFill>
-                  <a:srgbClr val="339933"/>
-                </a:solidFill>
-                <a:latin typeface="Consolas" pitchFamily="49" charset="0"/>
-                <a:cs typeface="Consolas" pitchFamily="49" charset="0"/>
-              </a:rPr>
-              <a:t>==</a:t>
-            </a:r>
-            <a:r>
-              <a:rPr lang="en-US" sz="2800" dirty="0" smtClean="0">
-                <a:solidFill>
-                  <a:srgbClr val="008000"/>
-                </a:solidFill>
-                <a:latin typeface="Consolas" pitchFamily="49" charset="0"/>
-                <a:cs typeface="Consolas" pitchFamily="49" charset="0"/>
-              </a:rPr>
-              <a:t>)</a:t>
-            </a:r>
-            <a:r>
-              <a:rPr lang="en-US" sz="2800" dirty="0" smtClean="0">
-                <a:latin typeface="Consolas" pitchFamily="49" charset="0"/>
-                <a:cs typeface="Consolas" pitchFamily="49" charset="0"/>
-              </a:rPr>
-              <a:t> </a:t>
-            </a:r>
-            <a:r>
-              <a:rPr lang="en-US" sz="2800" b="1" dirty="0">
-                <a:solidFill>
-                  <a:srgbClr val="339933"/>
-                </a:solidFill>
-                <a:latin typeface="Consolas" pitchFamily="49" charset="0"/>
-                <a:cs typeface="Consolas" pitchFamily="49" charset="0"/>
-              </a:rPr>
-              <a:t>::</a:t>
-            </a:r>
-            <a:r>
-              <a:rPr lang="en-US" sz="2800" dirty="0">
-                <a:latin typeface="Consolas" pitchFamily="49" charset="0"/>
-                <a:cs typeface="Consolas" pitchFamily="49" charset="0"/>
-              </a:rPr>
-              <a:t> a </a:t>
-            </a:r>
-            <a:r>
-              <a:rPr lang="en-US" sz="2800" b="1" dirty="0">
-                <a:solidFill>
-                  <a:srgbClr val="339933"/>
-                </a:solidFill>
-                <a:latin typeface="Consolas" pitchFamily="49" charset="0"/>
-                <a:cs typeface="Consolas" pitchFamily="49" charset="0"/>
-              </a:rPr>
-              <a:t>-&gt;</a:t>
-            </a:r>
-            <a:r>
-              <a:rPr lang="en-US" sz="2800" dirty="0">
-                <a:latin typeface="Consolas" pitchFamily="49" charset="0"/>
-                <a:cs typeface="Consolas" pitchFamily="49" charset="0"/>
-              </a:rPr>
-              <a:t> a </a:t>
-            </a:r>
-            <a:r>
-              <a:rPr lang="en-US" sz="2800" b="1" dirty="0">
-                <a:solidFill>
-                  <a:srgbClr val="339933"/>
-                </a:solidFill>
-                <a:latin typeface="Consolas" pitchFamily="49" charset="0"/>
-                <a:cs typeface="Consolas" pitchFamily="49" charset="0"/>
-              </a:rPr>
-              <a:t>-&gt;</a:t>
-            </a:r>
-            <a:r>
-              <a:rPr lang="en-US" sz="2800" dirty="0">
-                <a:latin typeface="Consolas" pitchFamily="49" charset="0"/>
-                <a:cs typeface="Consolas" pitchFamily="49" charset="0"/>
-              </a:rPr>
-              <a:t> </a:t>
-            </a:r>
-            <a:r>
-              <a:rPr lang="en-US" sz="2800" b="1" dirty="0" err="1" smtClean="0">
-                <a:solidFill>
-                  <a:srgbClr val="CCCC00"/>
-                </a:solidFill>
-                <a:latin typeface="Consolas" pitchFamily="49" charset="0"/>
-                <a:cs typeface="Consolas" pitchFamily="49" charset="0"/>
-              </a:rPr>
-              <a:t>Bool</a:t>
-            </a:r>
-            <a:endParaRPr lang="ru-RU" sz="2800" b="1" dirty="0" smtClean="0">
-              <a:solidFill>
-                <a:srgbClr val="CCCC00"/>
-              </a:solidFill>
-              <a:latin typeface="Consolas" pitchFamily="49" charset="0"/>
-              <a:cs typeface="Consolas" pitchFamily="49" charset="0"/>
+              <a:rPr lang="en-US" dirty="0" smtClean="0">
+                <a:hlinkClick r:id="rId2"/>
+              </a:rPr>
+              <a:t>http</a:t>
+            </a:r>
+            <a:r>
+              <a:rPr lang="en-US" dirty="0">
+                <a:hlinkClick r:id="rId2"/>
+              </a:rPr>
+              <a:t>://habrahabr.ru/post/222979</a:t>
+            </a:r>
+            <a:r>
+              <a:rPr lang="en-US" dirty="0" smtClean="0">
+                <a:hlinkClick r:id="rId2"/>
+              </a:rPr>
+              <a:t>/</a:t>
+            </a:r>
+            <a:endParaRPr lang="en-US" dirty="0">
+              <a:hlinkClick r:id="rId2"/>
             </a:endParaRPr>
           </a:p>
           <a:p>
@@ -22538,128 +22874,74 @@
               <a:buNone/>
             </a:pPr>
             <a:r>
-              <a:rPr lang="en-US" sz="2800" dirty="0" smtClean="0">
-                <a:latin typeface="Consolas" pitchFamily="49" charset="0"/>
-                <a:cs typeface="Consolas" pitchFamily="49" charset="0"/>
-              </a:rPr>
-              <a:t> </a:t>
-            </a:r>
-            <a:r>
-              <a:rPr lang="ru-RU" sz="2800" dirty="0" smtClean="0">
-                <a:latin typeface="Consolas" pitchFamily="49" charset="0"/>
-                <a:cs typeface="Consolas" pitchFamily="49" charset="0"/>
-              </a:rPr>
-              <a:t> </a:t>
-            </a:r>
-            <a:r>
-              <a:rPr lang="en-US" sz="2800" dirty="0" smtClean="0">
-                <a:solidFill>
-                  <a:srgbClr val="008000"/>
-                </a:solidFill>
-                <a:latin typeface="Consolas" pitchFamily="49" charset="0"/>
-                <a:cs typeface="Consolas" pitchFamily="49" charset="0"/>
-              </a:rPr>
-              <a:t>(</a:t>
-            </a:r>
-            <a:r>
-              <a:rPr lang="en-US" sz="2800" b="1" dirty="0" smtClean="0">
-                <a:solidFill>
-                  <a:srgbClr val="339933"/>
-                </a:solidFill>
-                <a:latin typeface="Consolas" pitchFamily="49" charset="0"/>
-                <a:cs typeface="Consolas" pitchFamily="49" charset="0"/>
-              </a:rPr>
-              <a:t>/=</a:t>
-            </a:r>
-            <a:r>
-              <a:rPr lang="en-US" sz="2800" dirty="0" smtClean="0">
-                <a:solidFill>
-                  <a:srgbClr val="008000"/>
-                </a:solidFill>
-                <a:latin typeface="Consolas" pitchFamily="49" charset="0"/>
-                <a:cs typeface="Consolas" pitchFamily="49" charset="0"/>
-              </a:rPr>
-              <a:t>)</a:t>
-            </a:r>
-            <a:r>
-              <a:rPr lang="en-US" sz="2800" dirty="0" smtClean="0">
-                <a:latin typeface="Consolas" pitchFamily="49" charset="0"/>
-                <a:cs typeface="Consolas" pitchFamily="49" charset="0"/>
-              </a:rPr>
-              <a:t> </a:t>
-            </a:r>
-            <a:r>
-              <a:rPr lang="en-US" sz="2800" b="1" dirty="0">
-                <a:solidFill>
-                  <a:srgbClr val="339933"/>
-                </a:solidFill>
-                <a:latin typeface="Consolas" pitchFamily="49" charset="0"/>
-                <a:cs typeface="Consolas" pitchFamily="49" charset="0"/>
-              </a:rPr>
-              <a:t>::</a:t>
-            </a:r>
-            <a:r>
-              <a:rPr lang="en-US" sz="2800" dirty="0">
-                <a:latin typeface="Consolas" pitchFamily="49" charset="0"/>
-                <a:cs typeface="Consolas" pitchFamily="49" charset="0"/>
-              </a:rPr>
-              <a:t> a </a:t>
-            </a:r>
-            <a:r>
-              <a:rPr lang="en-US" sz="2800" b="1" dirty="0">
-                <a:solidFill>
-                  <a:srgbClr val="339933"/>
-                </a:solidFill>
-                <a:latin typeface="Consolas" pitchFamily="49" charset="0"/>
-                <a:cs typeface="Consolas" pitchFamily="49" charset="0"/>
-              </a:rPr>
-              <a:t>-&gt;</a:t>
-            </a:r>
-            <a:r>
-              <a:rPr lang="en-US" sz="2800" dirty="0">
-                <a:latin typeface="Consolas" pitchFamily="49" charset="0"/>
-                <a:cs typeface="Consolas" pitchFamily="49" charset="0"/>
-              </a:rPr>
-              <a:t> a </a:t>
-            </a:r>
-            <a:r>
-              <a:rPr lang="en-US" sz="2800" b="1" dirty="0">
-                <a:solidFill>
-                  <a:srgbClr val="339933"/>
-                </a:solidFill>
-                <a:latin typeface="Consolas" pitchFamily="49" charset="0"/>
-                <a:cs typeface="Consolas" pitchFamily="49" charset="0"/>
-              </a:rPr>
-              <a:t>-&gt;</a:t>
-            </a:r>
-            <a:r>
-              <a:rPr lang="en-US" sz="2800" dirty="0">
-                <a:latin typeface="Consolas" pitchFamily="49" charset="0"/>
-                <a:cs typeface="Consolas" pitchFamily="49" charset="0"/>
-              </a:rPr>
-              <a:t> </a:t>
-            </a:r>
-            <a:r>
-              <a:rPr lang="en-US" sz="2800" b="1" dirty="0" err="1">
-                <a:solidFill>
-                  <a:srgbClr val="CCCC00"/>
-                </a:solidFill>
-                <a:latin typeface="Consolas" pitchFamily="49" charset="0"/>
-                <a:cs typeface="Consolas" pitchFamily="49" charset="0"/>
-              </a:rPr>
-              <a:t>Bool</a:t>
-            </a:r>
-            <a:endParaRPr lang="ru-RU" sz="2800" dirty="0">
-              <a:latin typeface="Consolas" pitchFamily="49" charset="0"/>
-              <a:cs typeface="Consolas" pitchFamily="49" charset="0"/>
+              <a:rPr lang="ru-RU" dirty="0"/>
+              <a:t>Не </a:t>
+            </a:r>
+            <a:r>
+              <a:rPr lang="ru-RU" dirty="0" smtClean="0"/>
+              <a:t>совсем </a:t>
+            </a:r>
+            <a:r>
+              <a:rPr lang="ru-RU" i="1" dirty="0" err="1" smtClean="0"/>
+              <a:t>матчинг</a:t>
+            </a:r>
+            <a:endParaRPr lang="ru-RU" i="1" dirty="0" smtClean="0">
+              <a:hlinkClick r:id="rId2"/>
             </a:endParaRPr>
+          </a:p>
+          <a:p>
+            <a:pPr marL="0" indent="0">
+              <a:buNone/>
+            </a:pPr>
+            <a:endParaRPr lang="en-US" dirty="0" smtClean="0">
+              <a:hlinkClick r:id="rId2"/>
+            </a:endParaRPr>
+          </a:p>
+          <a:p>
+            <a:pPr marL="0" indent="0">
+              <a:buNone/>
+            </a:pPr>
+            <a:r>
+              <a:rPr lang="en-US" dirty="0" smtClean="0">
+                <a:hlinkClick r:id="rId2"/>
+              </a:rPr>
+              <a:t>http</a:t>
+            </a:r>
+            <a:r>
+              <a:rPr lang="en-US" dirty="0">
+                <a:hlinkClick r:id="rId2"/>
+              </a:rPr>
+              <a:t>://</a:t>
+            </a:r>
+            <a:r>
+              <a:rPr lang="en-US" dirty="0" smtClean="0">
+                <a:hlinkClick r:id="rId2"/>
+              </a:rPr>
+              <a:t>roslyn.codeplex.com/discussions/543522</a:t>
+            </a:r>
+            <a:endParaRPr lang="en-US" dirty="0" smtClean="0"/>
+          </a:p>
+          <a:p>
+            <a:pPr marL="0" indent="0">
+              <a:buNone/>
+            </a:pPr>
+            <a:r>
+              <a:rPr lang="en-US" dirty="0" smtClean="0"/>
+              <a:t>Future</a:t>
+            </a:r>
+          </a:p>
+          <a:p>
+            <a:pPr marL="0" indent="0">
+              <a:buNone/>
+            </a:pPr>
+            <a:endParaRPr lang="ru-RU" dirty="0"/>
           </a:p>
         </p:txBody>
       </p:sp>
     </p:spTree>
     <p:extLst>
       <p:ext uri="{BB962C8B-B14F-4D97-AF65-F5344CB8AC3E}">
-        <p14:creationId xmlns:p14="http://schemas.microsoft.com/office/powerpoint/2010/main" val="533138781"/>
+        <p14:creationId xmlns:p14="http://schemas.microsoft.com/office/powerpoint/2010/main" val="627257549"/>
       </p:ext>
     </p:extLst>
   </p:cSld>
@@ -22703,6 +22985,29 @@
       </p:grpSpPr>
       <p:sp>
         <p:nvSpPr>
+          <p:cNvPr id="2" name="Заголовок 1"/>
+          <p:cNvSpPr>
+            <a:spLocks noGrp="1"/>
+          </p:cNvSpPr>
+          <p:nvPr>
+            <p:ph type="title"/>
+          </p:nvPr>
+        </p:nvSpPr>
+        <p:spPr/>
+        <p:txBody>
+          <a:bodyPr/>
+          <a:lstStyle/>
+          <a:p>
+            <a:r>
+              <a:rPr lang="en-US" dirty="0" smtClean="0"/>
+              <a:t>Type Classes</a:t>
+            </a:r>
+            <a:endParaRPr lang="ru-RU" dirty="0"/>
+          </a:p>
+        </p:txBody>
+      </p:sp>
+      <p:sp>
+        <p:nvSpPr>
           <p:cNvPr id="3" name="Объект 2"/>
           <p:cNvSpPr>
             <a:spLocks noGrp="1"/>
@@ -22711,382 +23016,351 @@
             <p:ph idx="1"/>
           </p:nvPr>
         </p:nvSpPr>
-        <p:spPr>
-          <a:xfrm>
-            <a:off x="457200" y="533400"/>
-            <a:ext cx="8229600" cy="5592763"/>
-          </a:xfrm>
-        </p:spPr>
+        <p:spPr/>
         <p:txBody>
-          <a:bodyPr>
-            <a:normAutofit/>
-          </a:bodyPr>
+          <a:bodyPr/>
           <a:lstStyle/>
+          <a:p>
+            <a:r>
+              <a:rPr lang="ru-RU" dirty="0" smtClean="0"/>
+              <a:t>Набор функций, которые могут быть реализованы по-разному для разных типов</a:t>
+            </a:r>
+          </a:p>
+          <a:p>
+            <a:r>
+              <a:rPr lang="ru-RU" dirty="0" smtClean="0"/>
+              <a:t>Например, сравнение:</a:t>
+            </a:r>
+          </a:p>
           <a:p>
             <a:pPr marL="0" indent="0">
               <a:buNone/>
             </a:pPr>
-            <a:r>
-              <a:rPr lang="ru-RU" dirty="0" smtClean="0"/>
-              <a:t>Тогда можно определить реализации </a:t>
-            </a:r>
-            <a:r>
-              <a:rPr lang="en-US" dirty="0" smtClean="0"/>
-              <a:t>type </a:t>
-            </a:r>
-            <a:r>
-              <a:rPr lang="en-US" dirty="0" err="1" smtClean="0"/>
-              <a:t>class’a</a:t>
-            </a:r>
-            <a:r>
-              <a:rPr lang="ru-RU" dirty="0" smtClean="0"/>
-              <a:t> для разных типов, например, для </a:t>
-            </a:r>
-            <a:r>
-              <a:rPr lang="en-US" dirty="0" err="1" smtClean="0"/>
-              <a:t>bool</a:t>
-            </a:r>
-            <a:r>
-              <a:rPr lang="en-US" dirty="0" smtClean="0"/>
-              <a:t>:</a:t>
-            </a:r>
+            <a:endParaRPr lang="ru-RU" sz="2800" b="1" dirty="0" smtClean="0">
+              <a:solidFill>
+                <a:srgbClr val="0066CC"/>
+              </a:solidFill>
+              <a:latin typeface="Consolas" pitchFamily="49" charset="0"/>
+              <a:cs typeface="Consolas" pitchFamily="49" charset="0"/>
+            </a:endParaRPr>
           </a:p>
           <a:p>
             <a:pPr marL="0" indent="0">
               <a:buNone/>
             </a:pPr>
-            <a:endParaRPr lang="en-US" dirty="0"/>
-          </a:p>
-          <a:p>
-            <a:pPr marL="0" indent="0" fontAlgn="t">
-              <a:buNone/>
-            </a:pPr>
+            <a:r>
+              <a:rPr lang="en-US" sz="2800" b="1" dirty="0" smtClean="0">
+                <a:solidFill>
+                  <a:srgbClr val="0066CC"/>
+                </a:solidFill>
+                <a:latin typeface="Consolas" pitchFamily="49" charset="0"/>
+                <a:cs typeface="Consolas" pitchFamily="49" charset="0"/>
+              </a:rPr>
+              <a:t>class</a:t>
+            </a:r>
+            <a:r>
+              <a:rPr lang="en-US" sz="2800" dirty="0" smtClean="0">
+                <a:latin typeface="Consolas" pitchFamily="49" charset="0"/>
+                <a:cs typeface="Consolas" pitchFamily="49" charset="0"/>
+              </a:rPr>
+              <a:t> </a:t>
+            </a:r>
+            <a:r>
+              <a:rPr lang="en-US" sz="2800" b="1" dirty="0" err="1">
+                <a:solidFill>
+                  <a:srgbClr val="CCCC00"/>
+                </a:solidFill>
+                <a:latin typeface="Consolas" pitchFamily="49" charset="0"/>
+                <a:cs typeface="Consolas" pitchFamily="49" charset="0"/>
+              </a:rPr>
+              <a:t>Eq</a:t>
+            </a:r>
+            <a:r>
+              <a:rPr lang="en-US" sz="2800" dirty="0">
+                <a:latin typeface="Consolas" pitchFamily="49" charset="0"/>
+                <a:cs typeface="Consolas" pitchFamily="49" charset="0"/>
+              </a:rPr>
+              <a:t> a </a:t>
+            </a:r>
             <a:r>
               <a:rPr lang="en-US" sz="2800" b="1" dirty="0">
                 <a:solidFill>
                   <a:srgbClr val="0066CC"/>
                 </a:solidFill>
-                <a:latin typeface="Consolas"/>
-              </a:rPr>
-              <a:t>instance</a:t>
+                <a:latin typeface="Consolas" pitchFamily="49" charset="0"/>
+                <a:cs typeface="Consolas" pitchFamily="49" charset="0"/>
+              </a:rPr>
+              <a:t>where</a:t>
             </a:r>
             <a:r>
               <a:rPr lang="en-US" sz="2800" dirty="0">
-                <a:solidFill>
-                  <a:srgbClr val="000000"/>
-                </a:solidFill>
-                <a:latin typeface="Consolas"/>
-              </a:rPr>
-              <a:t> </a:t>
-            </a:r>
-            <a:r>
-              <a:rPr lang="en-US" sz="2800" b="1" dirty="0" err="1">
-                <a:solidFill>
-                  <a:srgbClr val="CCCC00"/>
-                </a:solidFill>
-                <a:latin typeface="Consolas"/>
-              </a:rPr>
-              <a:t>Eq</a:t>
-            </a:r>
-            <a:r>
-              <a:rPr lang="en-US" sz="2800" dirty="0">
-                <a:solidFill>
-                  <a:srgbClr val="000000"/>
-                </a:solidFill>
-                <a:latin typeface="Consolas"/>
-              </a:rPr>
-              <a:t> </a:t>
-            </a:r>
-            <a:r>
-              <a:rPr lang="en-US" sz="2800" b="1" dirty="0" err="1">
-                <a:solidFill>
-                  <a:srgbClr val="CCCC00"/>
-                </a:solidFill>
-                <a:latin typeface="Consolas"/>
-              </a:rPr>
-              <a:t>Bool</a:t>
-            </a:r>
-            <a:r>
-              <a:rPr lang="en-US" sz="2800" dirty="0">
-                <a:solidFill>
-                  <a:srgbClr val="000000"/>
-                </a:solidFill>
-                <a:latin typeface="Consolas"/>
-              </a:rPr>
-              <a:t> </a:t>
-            </a:r>
-            <a:r>
-              <a:rPr lang="en-US" sz="2800" b="1" dirty="0">
-                <a:solidFill>
-                  <a:srgbClr val="0066CC"/>
-                </a:solidFill>
-                <a:latin typeface="Consolas"/>
-              </a:rPr>
-              <a:t>where</a:t>
-            </a:r>
-            <a:endParaRPr lang="en-US" sz="2800" dirty="0">
-              <a:solidFill>
-                <a:srgbClr val="000000"/>
-              </a:solidFill>
-              <a:latin typeface="Consolas"/>
-            </a:endParaRPr>
-          </a:p>
-          <a:p>
-            <a:pPr marL="0" indent="0" fontAlgn="t">
-              <a:buNone/>
-            </a:pPr>
-            <a:r>
-              <a:rPr lang="en-US" sz="2800" dirty="0">
-                <a:solidFill>
-                  <a:srgbClr val="000000"/>
-                </a:solidFill>
-                <a:latin typeface="Consolas"/>
-              </a:rPr>
-              <a:t>  True </a:t>
-            </a:r>
-            <a:r>
-              <a:rPr lang="en-US" sz="2800" b="1" dirty="0">
-                <a:solidFill>
-                  <a:srgbClr val="339933"/>
-                </a:solidFill>
-                <a:latin typeface="Consolas"/>
-              </a:rPr>
-              <a:t>==</a:t>
-            </a:r>
-            <a:r>
-              <a:rPr lang="en-US" sz="2800" dirty="0">
-                <a:solidFill>
-                  <a:srgbClr val="000000"/>
-                </a:solidFill>
-                <a:latin typeface="Consolas"/>
-              </a:rPr>
-              <a:t> True </a:t>
-            </a:r>
-            <a:r>
-              <a:rPr lang="en-US" sz="2800" b="1" dirty="0">
-                <a:solidFill>
-                  <a:srgbClr val="339933"/>
-                </a:solidFill>
-                <a:latin typeface="Consolas"/>
-              </a:rPr>
-              <a:t>=</a:t>
-            </a:r>
-            <a:r>
-              <a:rPr lang="en-US" sz="2800" dirty="0">
-                <a:solidFill>
-                  <a:srgbClr val="000000"/>
-                </a:solidFill>
-                <a:latin typeface="Consolas"/>
-              </a:rPr>
-              <a:t> True</a:t>
-            </a:r>
-          </a:p>
-          <a:p>
-            <a:pPr marL="0" indent="0" fontAlgn="t">
-              <a:buNone/>
-            </a:pPr>
-            <a:r>
-              <a:rPr lang="en-US" sz="2800" dirty="0">
-                <a:solidFill>
-                  <a:srgbClr val="000000"/>
-                </a:solidFill>
-                <a:latin typeface="Consolas"/>
-              </a:rPr>
-              <a:t>  False </a:t>
-            </a:r>
-            <a:r>
-              <a:rPr lang="en-US" sz="2800" b="1" dirty="0">
-                <a:solidFill>
-                  <a:srgbClr val="339933"/>
-                </a:solidFill>
-                <a:latin typeface="Consolas"/>
-              </a:rPr>
-              <a:t>==</a:t>
-            </a:r>
-            <a:r>
-              <a:rPr lang="en-US" sz="2800" dirty="0">
-                <a:solidFill>
-                  <a:srgbClr val="000000"/>
-                </a:solidFill>
-                <a:latin typeface="Consolas"/>
-              </a:rPr>
-              <a:t> False </a:t>
-            </a:r>
-            <a:r>
-              <a:rPr lang="en-US" sz="2800" b="1" dirty="0">
-                <a:solidFill>
-                  <a:srgbClr val="339933"/>
-                </a:solidFill>
-                <a:latin typeface="Consolas"/>
-              </a:rPr>
-              <a:t>=</a:t>
-            </a:r>
-            <a:r>
-              <a:rPr lang="en-US" sz="2800" dirty="0">
-                <a:solidFill>
-                  <a:srgbClr val="000000"/>
-                </a:solidFill>
-                <a:latin typeface="Consolas"/>
-              </a:rPr>
-              <a:t> True</a:t>
-            </a:r>
-          </a:p>
-          <a:p>
-            <a:pPr marL="0" indent="0" fontAlgn="t">
-              <a:buNone/>
-            </a:pPr>
-            <a:r>
-              <a:rPr lang="en-US" sz="2800" dirty="0">
-                <a:solidFill>
-                  <a:srgbClr val="000000"/>
-                </a:solidFill>
-                <a:latin typeface="Consolas"/>
-              </a:rPr>
-              <a:t>  </a:t>
-            </a:r>
-            <a:r>
-              <a:rPr lang="en-US" sz="2800" b="1" dirty="0">
-                <a:solidFill>
-                  <a:srgbClr val="339933"/>
-                </a:solidFill>
-                <a:latin typeface="Consolas"/>
-              </a:rPr>
-              <a:t>_</a:t>
-            </a:r>
-            <a:r>
-              <a:rPr lang="en-US" sz="2800" dirty="0">
-                <a:solidFill>
-                  <a:srgbClr val="000000"/>
-                </a:solidFill>
-                <a:latin typeface="Consolas"/>
-              </a:rPr>
-              <a:t> </a:t>
-            </a:r>
-            <a:r>
-              <a:rPr lang="en-US" sz="2800" b="1" dirty="0">
-                <a:solidFill>
-                  <a:srgbClr val="339933"/>
-                </a:solidFill>
-                <a:latin typeface="Consolas"/>
-              </a:rPr>
-              <a:t>==</a:t>
-            </a:r>
-            <a:r>
-              <a:rPr lang="en-US" sz="2800" dirty="0">
-                <a:solidFill>
-                  <a:srgbClr val="000000"/>
-                </a:solidFill>
-                <a:latin typeface="Consolas"/>
-              </a:rPr>
-              <a:t> </a:t>
-            </a:r>
-            <a:r>
-              <a:rPr lang="en-US" sz="2800" b="1" dirty="0">
-                <a:solidFill>
-                  <a:srgbClr val="339933"/>
-                </a:solidFill>
-                <a:latin typeface="Consolas"/>
-              </a:rPr>
-              <a:t>_</a:t>
-            </a:r>
-            <a:r>
-              <a:rPr lang="en-US" sz="2800" dirty="0">
-                <a:solidFill>
-                  <a:srgbClr val="000000"/>
-                </a:solidFill>
-                <a:latin typeface="Consolas"/>
-              </a:rPr>
-              <a:t> </a:t>
-            </a:r>
-            <a:r>
-              <a:rPr lang="en-US" sz="2800" b="1" dirty="0">
-                <a:solidFill>
-                  <a:srgbClr val="339933"/>
-                </a:solidFill>
-                <a:latin typeface="Consolas"/>
-              </a:rPr>
-              <a:t>=</a:t>
-            </a:r>
-            <a:r>
-              <a:rPr lang="en-US" sz="2800" dirty="0">
-                <a:solidFill>
-                  <a:srgbClr val="000000"/>
-                </a:solidFill>
-                <a:latin typeface="Consolas"/>
-              </a:rPr>
-              <a:t> False</a:t>
-            </a:r>
-          </a:p>
-          <a:p>
-            <a:pPr marL="0" indent="0" fontAlgn="t">
-              <a:buNone/>
-            </a:pPr>
-            <a:r>
-              <a:rPr lang="en-US" sz="2800" dirty="0">
-                <a:solidFill>
-                  <a:srgbClr val="000000"/>
-                </a:solidFill>
-                <a:latin typeface="Consolas"/>
-              </a:rPr>
-              <a:t> </a:t>
-            </a:r>
-          </a:p>
-          <a:p>
-            <a:pPr marL="0" indent="0" fontAlgn="t">
-              <a:buNone/>
-            </a:pPr>
-            <a:r>
-              <a:rPr lang="en-US" sz="2800" dirty="0">
-                <a:solidFill>
-                  <a:srgbClr val="000000"/>
-                </a:solidFill>
-                <a:latin typeface="Consolas"/>
-              </a:rPr>
-              <a:t>  </a:t>
-            </a:r>
-            <a:r>
-              <a:rPr lang="en-US" sz="2800" i="1" dirty="0">
-                <a:solidFill>
-                  <a:srgbClr val="5D478B"/>
-                </a:solidFill>
-                <a:latin typeface="Consolas"/>
-              </a:rPr>
-              <a:t>-- </a:t>
-            </a:r>
-            <a:r>
-              <a:rPr lang="ru-RU" sz="2800" i="1" dirty="0">
-                <a:solidFill>
-                  <a:srgbClr val="5D478B"/>
-                </a:solidFill>
-                <a:latin typeface="Consolas"/>
-              </a:rPr>
-              <a:t>аналогично для /=</a:t>
-            </a:r>
-            <a:endParaRPr lang="ru-RU" sz="2800" dirty="0">
-              <a:solidFill>
-                <a:srgbClr val="000000"/>
-              </a:solidFill>
-              <a:latin typeface="Consolas"/>
+                <a:latin typeface="Consolas" pitchFamily="49" charset="0"/>
+                <a:cs typeface="Consolas" pitchFamily="49" charset="0"/>
+              </a:rPr>
+              <a:t> </a:t>
+            </a:r>
+            <a:endParaRPr lang="ru-RU" sz="2800" dirty="0" smtClean="0">
+              <a:latin typeface="Consolas" pitchFamily="49" charset="0"/>
+              <a:cs typeface="Consolas" pitchFamily="49" charset="0"/>
             </a:endParaRPr>
           </a:p>
           <a:p>
             <a:pPr marL="0" indent="0">
               <a:buNone/>
             </a:pPr>
-            <a:endParaRPr lang="en-US" dirty="0" smtClean="0"/>
+            <a:r>
+              <a:rPr lang="ru-RU" sz="2800" dirty="0">
+                <a:solidFill>
+                  <a:srgbClr val="008000"/>
+                </a:solidFill>
+                <a:latin typeface="Consolas" pitchFamily="49" charset="0"/>
+                <a:cs typeface="Consolas" pitchFamily="49" charset="0"/>
+              </a:rPr>
+              <a:t> </a:t>
+            </a:r>
+            <a:r>
+              <a:rPr lang="ru-RU" sz="2800" dirty="0" smtClean="0">
+                <a:solidFill>
+                  <a:srgbClr val="008000"/>
+                </a:solidFill>
+                <a:latin typeface="Consolas" pitchFamily="49" charset="0"/>
+                <a:cs typeface="Consolas" pitchFamily="49" charset="0"/>
+              </a:rPr>
+              <a:t> </a:t>
+            </a:r>
+            <a:r>
+              <a:rPr lang="en-US" sz="2800" dirty="0" smtClean="0">
+                <a:solidFill>
+                  <a:srgbClr val="008000"/>
+                </a:solidFill>
+                <a:latin typeface="Consolas" pitchFamily="49" charset="0"/>
+                <a:cs typeface="Consolas" pitchFamily="49" charset="0"/>
+              </a:rPr>
+              <a:t>(</a:t>
+            </a:r>
+            <a:r>
+              <a:rPr lang="en-US" sz="2800" b="1" dirty="0" smtClean="0">
+                <a:solidFill>
+                  <a:srgbClr val="339933"/>
+                </a:solidFill>
+                <a:latin typeface="Consolas" pitchFamily="49" charset="0"/>
+                <a:cs typeface="Consolas" pitchFamily="49" charset="0"/>
+              </a:rPr>
+              <a:t>==</a:t>
+            </a:r>
+            <a:r>
+              <a:rPr lang="en-US" sz="2800" dirty="0" smtClean="0">
+                <a:solidFill>
+                  <a:srgbClr val="008000"/>
+                </a:solidFill>
+                <a:latin typeface="Consolas" pitchFamily="49" charset="0"/>
+                <a:cs typeface="Consolas" pitchFamily="49" charset="0"/>
+              </a:rPr>
+              <a:t>)</a:t>
+            </a:r>
+            <a:r>
+              <a:rPr lang="en-US" sz="2800" dirty="0" smtClean="0">
+                <a:latin typeface="Consolas" pitchFamily="49" charset="0"/>
+                <a:cs typeface="Consolas" pitchFamily="49" charset="0"/>
+              </a:rPr>
+              <a:t> </a:t>
+            </a:r>
+            <a:r>
+              <a:rPr lang="en-US" sz="2800" b="1" dirty="0">
+                <a:solidFill>
+                  <a:srgbClr val="339933"/>
+                </a:solidFill>
+                <a:latin typeface="Consolas" pitchFamily="49" charset="0"/>
+                <a:cs typeface="Consolas" pitchFamily="49" charset="0"/>
+              </a:rPr>
+              <a:t>::</a:t>
+            </a:r>
+            <a:r>
+              <a:rPr lang="en-US" sz="2800" dirty="0">
+                <a:latin typeface="Consolas" pitchFamily="49" charset="0"/>
+                <a:cs typeface="Consolas" pitchFamily="49" charset="0"/>
+              </a:rPr>
+              <a:t> a </a:t>
+            </a:r>
+            <a:r>
+              <a:rPr lang="en-US" sz="2800" b="1" dirty="0">
+                <a:solidFill>
+                  <a:srgbClr val="339933"/>
+                </a:solidFill>
+                <a:latin typeface="Consolas" pitchFamily="49" charset="0"/>
+                <a:cs typeface="Consolas" pitchFamily="49" charset="0"/>
+              </a:rPr>
+              <a:t>-&gt;</a:t>
+            </a:r>
+            <a:r>
+              <a:rPr lang="en-US" sz="2800" dirty="0">
+                <a:latin typeface="Consolas" pitchFamily="49" charset="0"/>
+                <a:cs typeface="Consolas" pitchFamily="49" charset="0"/>
+              </a:rPr>
+              <a:t> a </a:t>
+            </a:r>
+            <a:r>
+              <a:rPr lang="en-US" sz="2800" b="1" dirty="0">
+                <a:solidFill>
+                  <a:srgbClr val="339933"/>
+                </a:solidFill>
+                <a:latin typeface="Consolas" pitchFamily="49" charset="0"/>
+                <a:cs typeface="Consolas" pitchFamily="49" charset="0"/>
+              </a:rPr>
+              <a:t>-&gt;</a:t>
+            </a:r>
+            <a:r>
+              <a:rPr lang="en-US" sz="2800" dirty="0">
+                <a:latin typeface="Consolas" pitchFamily="49" charset="0"/>
+                <a:cs typeface="Consolas" pitchFamily="49" charset="0"/>
+              </a:rPr>
+              <a:t> </a:t>
+            </a:r>
+            <a:r>
+              <a:rPr lang="en-US" sz="2800" b="1" dirty="0" err="1" smtClean="0">
+                <a:solidFill>
+                  <a:srgbClr val="CCCC00"/>
+                </a:solidFill>
+                <a:latin typeface="Consolas" pitchFamily="49" charset="0"/>
+                <a:cs typeface="Consolas" pitchFamily="49" charset="0"/>
+              </a:rPr>
+              <a:t>Bool</a:t>
+            </a:r>
+            <a:endParaRPr lang="ru-RU" sz="2800" b="1" dirty="0" smtClean="0">
+              <a:solidFill>
+                <a:srgbClr val="CCCC00"/>
+              </a:solidFill>
+              <a:latin typeface="Consolas" pitchFamily="49" charset="0"/>
+              <a:cs typeface="Consolas" pitchFamily="49" charset="0"/>
+            </a:endParaRPr>
           </a:p>
           <a:p>
             <a:pPr marL="0" indent="0">
               <a:buNone/>
             </a:pPr>
-            <a:endParaRPr lang="ru-RU" dirty="0"/>
+            <a:r>
+              <a:rPr lang="en-US" sz="2800" dirty="0" smtClean="0">
+                <a:latin typeface="Consolas" pitchFamily="49" charset="0"/>
+                <a:cs typeface="Consolas" pitchFamily="49" charset="0"/>
+              </a:rPr>
+              <a:t> </a:t>
+            </a:r>
+            <a:r>
+              <a:rPr lang="ru-RU" sz="2800" dirty="0" smtClean="0">
+                <a:latin typeface="Consolas" pitchFamily="49" charset="0"/>
+                <a:cs typeface="Consolas" pitchFamily="49" charset="0"/>
+              </a:rPr>
+              <a:t> </a:t>
+            </a:r>
+            <a:r>
+              <a:rPr lang="en-US" sz="2800" dirty="0" smtClean="0">
+                <a:solidFill>
+                  <a:srgbClr val="008000"/>
+                </a:solidFill>
+                <a:latin typeface="Consolas" pitchFamily="49" charset="0"/>
+                <a:cs typeface="Consolas" pitchFamily="49" charset="0"/>
+              </a:rPr>
+              <a:t>(</a:t>
+            </a:r>
+            <a:r>
+              <a:rPr lang="en-US" sz="2800" b="1" dirty="0" smtClean="0">
+                <a:solidFill>
+                  <a:srgbClr val="339933"/>
+                </a:solidFill>
+                <a:latin typeface="Consolas" pitchFamily="49" charset="0"/>
+                <a:cs typeface="Consolas" pitchFamily="49" charset="0"/>
+              </a:rPr>
+              <a:t>/=</a:t>
+            </a:r>
+            <a:r>
+              <a:rPr lang="en-US" sz="2800" dirty="0" smtClean="0">
+                <a:solidFill>
+                  <a:srgbClr val="008000"/>
+                </a:solidFill>
+                <a:latin typeface="Consolas" pitchFamily="49" charset="0"/>
+                <a:cs typeface="Consolas" pitchFamily="49" charset="0"/>
+              </a:rPr>
+              <a:t>)</a:t>
+            </a:r>
+            <a:r>
+              <a:rPr lang="en-US" sz="2800" dirty="0" smtClean="0">
+                <a:latin typeface="Consolas" pitchFamily="49" charset="0"/>
+                <a:cs typeface="Consolas" pitchFamily="49" charset="0"/>
+              </a:rPr>
+              <a:t> </a:t>
+            </a:r>
+            <a:r>
+              <a:rPr lang="en-US" sz="2800" b="1" dirty="0">
+                <a:solidFill>
+                  <a:srgbClr val="339933"/>
+                </a:solidFill>
+                <a:latin typeface="Consolas" pitchFamily="49" charset="0"/>
+                <a:cs typeface="Consolas" pitchFamily="49" charset="0"/>
+              </a:rPr>
+              <a:t>::</a:t>
+            </a:r>
+            <a:r>
+              <a:rPr lang="en-US" sz="2800" dirty="0">
+                <a:latin typeface="Consolas" pitchFamily="49" charset="0"/>
+                <a:cs typeface="Consolas" pitchFamily="49" charset="0"/>
+              </a:rPr>
+              <a:t> a </a:t>
+            </a:r>
+            <a:r>
+              <a:rPr lang="en-US" sz="2800" b="1" dirty="0">
+                <a:solidFill>
+                  <a:srgbClr val="339933"/>
+                </a:solidFill>
+                <a:latin typeface="Consolas" pitchFamily="49" charset="0"/>
+                <a:cs typeface="Consolas" pitchFamily="49" charset="0"/>
+              </a:rPr>
+              <a:t>-&gt;</a:t>
+            </a:r>
+            <a:r>
+              <a:rPr lang="en-US" sz="2800" dirty="0">
+                <a:latin typeface="Consolas" pitchFamily="49" charset="0"/>
+                <a:cs typeface="Consolas" pitchFamily="49" charset="0"/>
+              </a:rPr>
+              <a:t> a </a:t>
+            </a:r>
+            <a:r>
+              <a:rPr lang="en-US" sz="2800" b="1" dirty="0">
+                <a:solidFill>
+                  <a:srgbClr val="339933"/>
+                </a:solidFill>
+                <a:latin typeface="Consolas" pitchFamily="49" charset="0"/>
+                <a:cs typeface="Consolas" pitchFamily="49" charset="0"/>
+              </a:rPr>
+              <a:t>-&gt;</a:t>
+            </a:r>
+            <a:r>
+              <a:rPr lang="en-US" sz="2800" dirty="0">
+                <a:latin typeface="Consolas" pitchFamily="49" charset="0"/>
+                <a:cs typeface="Consolas" pitchFamily="49" charset="0"/>
+              </a:rPr>
+              <a:t> </a:t>
+            </a:r>
+            <a:r>
+              <a:rPr lang="en-US" sz="2800" b="1" dirty="0" err="1">
+                <a:solidFill>
+                  <a:srgbClr val="CCCC00"/>
+                </a:solidFill>
+                <a:latin typeface="Consolas" pitchFamily="49" charset="0"/>
+                <a:cs typeface="Consolas" pitchFamily="49" charset="0"/>
+              </a:rPr>
+              <a:t>Bool</a:t>
+            </a:r>
+            <a:endParaRPr lang="ru-RU" sz="2800" dirty="0">
+              <a:latin typeface="Consolas" pitchFamily="49" charset="0"/>
+              <a:cs typeface="Consolas" pitchFamily="49" charset="0"/>
+            </a:endParaRPr>
           </a:p>
         </p:txBody>
       </p:sp>
     </p:spTree>
     <p:extLst>
       <p:ext uri="{BB962C8B-B14F-4D97-AF65-F5344CB8AC3E}">
-        <p14:creationId xmlns:p14="http://schemas.microsoft.com/office/powerpoint/2010/main" val="1780287741"/>
+        <p14:creationId xmlns:p14="http://schemas.microsoft.com/office/powerpoint/2010/main" val="533138781"/>
       </p:ext>
     </p:extLst>
   </p:cSld>
@@ -23130,29 +23404,6 @@
       </p:grpSpPr>
       <p:sp>
         <p:nvSpPr>
-          <p:cNvPr id="2" name="Заголовок 1"/>
-          <p:cNvSpPr>
-            <a:spLocks noGrp="1"/>
-          </p:cNvSpPr>
-          <p:nvPr>
-            <p:ph type="title"/>
-          </p:nvPr>
-        </p:nvSpPr>
-        <p:spPr/>
-        <p:txBody>
-          <a:bodyPr/>
-          <a:lstStyle/>
-          <a:p>
-            <a:r>
-              <a:rPr lang="ru-RU" dirty="0" smtClean="0"/>
-              <a:t>Зачем?</a:t>
-            </a:r>
-            <a:endParaRPr lang="ru-RU" dirty="0"/>
-          </a:p>
-        </p:txBody>
-      </p:sp>
-      <p:sp>
-        <p:nvSpPr>
           <p:cNvPr id="3" name="Объект 2"/>
           <p:cNvSpPr>
             <a:spLocks noGrp="1"/>
@@ -23161,43 +23412,374 @@
             <p:ph idx="1"/>
           </p:nvPr>
         </p:nvSpPr>
-        <p:spPr/>
+        <p:spPr>
+          <a:xfrm>
+            <a:off x="457200" y="533400"/>
+            <a:ext cx="8229600" cy="5592763"/>
+          </a:xfrm>
+        </p:spPr>
         <p:txBody>
-          <a:bodyPr/>
+          <a:bodyPr>
+            <a:normAutofit/>
+          </a:bodyPr>
           <a:lstStyle/>
           <a:p>
+            <a:pPr marL="0" indent="0">
+              <a:buNone/>
+            </a:pPr>
             <a:r>
               <a:rPr lang="ru-RU" dirty="0" smtClean="0"/>
-              <a:t>Новый метод абстракции</a:t>
-            </a:r>
-          </a:p>
-          <a:p>
+              <a:t>Тогда можно определить реализации </a:t>
+            </a:r>
             <a:r>
               <a:rPr lang="en-US" dirty="0" smtClean="0"/>
-              <a:t>Ad-hoc polymorphism</a:t>
-            </a:r>
-          </a:p>
-          <a:p>
+              <a:t>type </a:t>
+            </a:r>
+            <a:r>
+              <a:rPr lang="en-US" dirty="0" err="1" smtClean="0"/>
+              <a:t>class’a</a:t>
+            </a:r>
+            <a:r>
+              <a:rPr lang="ru-RU" dirty="0" smtClean="0"/>
+              <a:t> для разных типов, например, для </a:t>
+            </a:r>
+            <a:r>
+              <a:rPr lang="en-US" dirty="0" err="1" smtClean="0"/>
+              <a:t>bool</a:t>
+            </a:r>
             <a:r>
               <a:rPr lang="en-US" dirty="0" smtClean="0"/>
-              <a:t>“Pimp my library”</a:t>
-            </a:r>
-          </a:p>
-          <a:p>
-            <a:r>
-              <a:rPr lang="ru-RU" dirty="0" smtClean="0"/>
-              <a:t>Многие </a:t>
-            </a:r>
-            <a:r>
-              <a:rPr lang="en-US" dirty="0" smtClean="0"/>
-              <a:t>type class’</a:t>
-            </a:r>
-            <a:r>
-              <a:rPr lang="ru-RU" dirty="0" smtClean="0"/>
-              <a:t>ы являются стандартными и для них есть специальный синтаксис в некоторых ЯП</a:t>
-            </a:r>
-          </a:p>
-          <a:p>
+              <a:t>:</a:t>
+            </a:r>
+          </a:p>
+          <a:p>
+            <a:pPr marL="0" indent="0">
+              <a:buNone/>
+            </a:pPr>
+            <a:endParaRPr lang="en-US" dirty="0"/>
+          </a:p>
+          <a:p>
+            <a:pPr marL="0" indent="0" fontAlgn="t">
+              <a:buNone/>
+            </a:pPr>
+            <a:r>
+              <a:rPr lang="en-US" sz="2800" b="1" dirty="0">
+                <a:solidFill>
+                  <a:srgbClr val="0066CC"/>
+                </a:solidFill>
+                <a:latin typeface="Consolas"/>
+              </a:rPr>
+              <a:t>instance</a:t>
+            </a:r>
+            <a:r>
+              <a:rPr lang="en-US" sz="2800" dirty="0">
+                <a:solidFill>
+                  <a:srgbClr val="000000"/>
+                </a:solidFill>
+                <a:latin typeface="Consolas"/>
+              </a:rPr>
+              <a:t> </a:t>
+            </a:r>
+            <a:r>
+              <a:rPr lang="en-US" sz="2800" b="1" dirty="0" err="1">
+                <a:solidFill>
+                  <a:srgbClr val="CCCC00"/>
+                </a:solidFill>
+                <a:latin typeface="Consolas"/>
+              </a:rPr>
+              <a:t>Eq</a:t>
+            </a:r>
+            <a:r>
+              <a:rPr lang="en-US" sz="2800" dirty="0">
+                <a:solidFill>
+                  <a:srgbClr val="000000"/>
+                </a:solidFill>
+                <a:latin typeface="Consolas"/>
+              </a:rPr>
+              <a:t> </a:t>
+            </a:r>
+            <a:r>
+              <a:rPr lang="en-US" sz="2800" b="1" dirty="0" err="1">
+                <a:solidFill>
+                  <a:srgbClr val="CCCC00"/>
+                </a:solidFill>
+                <a:latin typeface="Consolas"/>
+              </a:rPr>
+              <a:t>Bool</a:t>
+            </a:r>
+            <a:r>
+              <a:rPr lang="en-US" sz="2800" dirty="0">
+                <a:solidFill>
+                  <a:srgbClr val="000000"/>
+                </a:solidFill>
+                <a:latin typeface="Consolas"/>
+              </a:rPr>
+              <a:t> </a:t>
+            </a:r>
+            <a:r>
+              <a:rPr lang="en-US" sz="2800" b="1" dirty="0">
+                <a:solidFill>
+                  <a:srgbClr val="0066CC"/>
+                </a:solidFill>
+                <a:latin typeface="Consolas"/>
+              </a:rPr>
+              <a:t>where</a:t>
+            </a:r>
+            <a:endParaRPr lang="en-US" sz="2800" dirty="0">
+              <a:solidFill>
+                <a:srgbClr val="000000"/>
+              </a:solidFill>
+              <a:latin typeface="Consolas"/>
+            </a:endParaRPr>
+          </a:p>
+          <a:p>
+            <a:pPr marL="0" indent="0" fontAlgn="t">
+              <a:buNone/>
+            </a:pPr>
+            <a:r>
+              <a:rPr lang="en-US" sz="2800" dirty="0">
+                <a:solidFill>
+                  <a:srgbClr val="000000"/>
+                </a:solidFill>
+                <a:latin typeface="Consolas"/>
+              </a:rPr>
+              <a:t>  True </a:t>
+            </a:r>
+            <a:r>
+              <a:rPr lang="en-US" sz="2800" b="1" dirty="0">
+                <a:solidFill>
+                  <a:srgbClr val="339933"/>
+                </a:solidFill>
+                <a:latin typeface="Consolas"/>
+              </a:rPr>
+              <a:t>==</a:t>
+            </a:r>
+            <a:r>
+              <a:rPr lang="en-US" sz="2800" dirty="0">
+                <a:solidFill>
+                  <a:srgbClr val="000000"/>
+                </a:solidFill>
+                <a:latin typeface="Consolas"/>
+              </a:rPr>
+              <a:t> True </a:t>
+            </a:r>
+            <a:r>
+              <a:rPr lang="en-US" sz="2800" b="1" dirty="0">
+                <a:solidFill>
+                  <a:srgbClr val="339933"/>
+                </a:solidFill>
+                <a:latin typeface="Consolas"/>
+              </a:rPr>
+              <a:t>=</a:t>
+            </a:r>
+            <a:r>
+              <a:rPr lang="en-US" sz="2800" dirty="0">
+                <a:solidFill>
+                  <a:srgbClr val="000000"/>
+                </a:solidFill>
+                <a:latin typeface="Consolas"/>
+              </a:rPr>
+              <a:t> True</a:t>
+            </a:r>
+          </a:p>
+          <a:p>
+            <a:pPr marL="0" indent="0" fontAlgn="t">
+              <a:buNone/>
+            </a:pPr>
+            <a:r>
+              <a:rPr lang="en-US" sz="2800" dirty="0">
+                <a:solidFill>
+                  <a:srgbClr val="000000"/>
+                </a:solidFill>
+                <a:latin typeface="Consolas"/>
+              </a:rPr>
+              <a:t>  False </a:t>
+            </a:r>
+            <a:r>
+              <a:rPr lang="en-US" sz="2800" b="1" dirty="0">
+                <a:solidFill>
+                  <a:srgbClr val="339933"/>
+                </a:solidFill>
+                <a:latin typeface="Consolas"/>
+              </a:rPr>
+              <a:t>==</a:t>
+            </a:r>
+            <a:r>
+              <a:rPr lang="en-US" sz="2800" dirty="0">
+                <a:solidFill>
+                  <a:srgbClr val="000000"/>
+                </a:solidFill>
+                <a:latin typeface="Consolas"/>
+              </a:rPr>
+              <a:t> False </a:t>
+            </a:r>
+            <a:r>
+              <a:rPr lang="en-US" sz="2800" b="1" dirty="0">
+                <a:solidFill>
+                  <a:srgbClr val="339933"/>
+                </a:solidFill>
+                <a:latin typeface="Consolas"/>
+              </a:rPr>
+              <a:t>=</a:t>
+            </a:r>
+            <a:r>
+              <a:rPr lang="en-US" sz="2800" dirty="0">
+                <a:solidFill>
+                  <a:srgbClr val="000000"/>
+                </a:solidFill>
+                <a:latin typeface="Consolas"/>
+              </a:rPr>
+              <a:t> True</a:t>
+            </a:r>
+          </a:p>
+          <a:p>
+            <a:pPr marL="0" indent="0" fontAlgn="t">
+              <a:buNone/>
+            </a:pPr>
+            <a:r>
+              <a:rPr lang="en-US" sz="2800" dirty="0">
+                <a:solidFill>
+                  <a:srgbClr val="000000"/>
+                </a:solidFill>
+                <a:latin typeface="Consolas"/>
+              </a:rPr>
+              <a:t>  </a:t>
+            </a:r>
+            <a:r>
+              <a:rPr lang="en-US" sz="2800" b="1" dirty="0">
+                <a:solidFill>
+                  <a:srgbClr val="339933"/>
+                </a:solidFill>
+                <a:latin typeface="Consolas"/>
+              </a:rPr>
+              <a:t>_</a:t>
+            </a:r>
+            <a:r>
+              <a:rPr lang="en-US" sz="2800" dirty="0">
+                <a:solidFill>
+                  <a:srgbClr val="000000"/>
+                </a:solidFill>
+                <a:latin typeface="Consolas"/>
+              </a:rPr>
+              <a:t> </a:t>
+            </a:r>
+            <a:r>
+              <a:rPr lang="en-US" sz="2800" b="1" dirty="0">
+                <a:solidFill>
+                  <a:srgbClr val="339933"/>
+                </a:solidFill>
+                <a:latin typeface="Consolas"/>
+              </a:rPr>
+              <a:t>==</a:t>
+            </a:r>
+            <a:r>
+              <a:rPr lang="en-US" sz="2800" dirty="0">
+                <a:solidFill>
+                  <a:srgbClr val="000000"/>
+                </a:solidFill>
+                <a:latin typeface="Consolas"/>
+              </a:rPr>
+              <a:t> </a:t>
+            </a:r>
+            <a:r>
+              <a:rPr lang="en-US" sz="2800" b="1" dirty="0">
+                <a:solidFill>
+                  <a:srgbClr val="339933"/>
+                </a:solidFill>
+                <a:latin typeface="Consolas"/>
+              </a:rPr>
+              <a:t>_</a:t>
+            </a:r>
+            <a:r>
+              <a:rPr lang="en-US" sz="2800" dirty="0">
+                <a:solidFill>
+                  <a:srgbClr val="000000"/>
+                </a:solidFill>
+                <a:latin typeface="Consolas"/>
+              </a:rPr>
+              <a:t> </a:t>
+            </a:r>
+            <a:r>
+              <a:rPr lang="en-US" sz="2800" b="1" dirty="0">
+                <a:solidFill>
+                  <a:srgbClr val="339933"/>
+                </a:solidFill>
+                <a:latin typeface="Consolas"/>
+              </a:rPr>
+              <a:t>=</a:t>
+            </a:r>
+            <a:r>
+              <a:rPr lang="en-US" sz="2800" dirty="0">
+                <a:solidFill>
+                  <a:srgbClr val="000000"/>
+                </a:solidFill>
+                <a:latin typeface="Consolas"/>
+              </a:rPr>
+              <a:t> False</a:t>
+            </a:r>
+          </a:p>
+          <a:p>
+            <a:pPr marL="0" indent="0" fontAlgn="t">
+              <a:buNone/>
+            </a:pPr>
+            <a:r>
+              <a:rPr lang="en-US" sz="2800" dirty="0">
+                <a:solidFill>
+                  <a:srgbClr val="000000"/>
+                </a:solidFill>
+                <a:latin typeface="Consolas"/>
+              </a:rPr>
+              <a:t> </a:t>
+            </a:r>
+          </a:p>
+          <a:p>
+            <a:pPr marL="0" indent="0" fontAlgn="t">
+              <a:buNone/>
+            </a:pPr>
+            <a:r>
+              <a:rPr lang="en-US" sz="2800" dirty="0">
+                <a:solidFill>
+                  <a:srgbClr val="000000"/>
+                </a:solidFill>
+                <a:latin typeface="Consolas"/>
+              </a:rPr>
+              <a:t>  </a:t>
+            </a:r>
+            <a:r>
+              <a:rPr lang="en-US" sz="2800" i="1" dirty="0">
+                <a:solidFill>
+                  <a:srgbClr val="5D478B"/>
+                </a:solidFill>
+                <a:latin typeface="Consolas"/>
+              </a:rPr>
+              <a:t>-- </a:t>
+            </a:r>
+            <a:r>
+              <a:rPr lang="ru-RU" sz="2800" i="1" dirty="0">
+                <a:solidFill>
+                  <a:srgbClr val="5D478B"/>
+                </a:solidFill>
+                <a:latin typeface="Consolas"/>
+              </a:rPr>
+              <a:t>аналогично для /=</a:t>
+            </a:r>
+            <a:endParaRPr lang="ru-RU" sz="2800" dirty="0">
+              <a:solidFill>
+                <a:srgbClr val="000000"/>
+              </a:solidFill>
+              <a:latin typeface="Consolas"/>
+            </a:endParaRPr>
+          </a:p>
+          <a:p>
+            <a:pPr marL="0" indent="0">
+              <a:buNone/>
+            </a:pPr>
+            <a:endParaRPr lang="en-US" dirty="0" smtClean="0"/>
+          </a:p>
+          <a:p>
+            <a:pPr marL="0" indent="0">
+              <a:buNone/>
+            </a:pPr>
             <a:endParaRPr lang="ru-RU" dirty="0"/>
           </a:p>
         </p:txBody>
@@ -23205,7 +23787,7 @@
     </p:spTree>
     <p:extLst>
       <p:ext uri="{BB962C8B-B14F-4D97-AF65-F5344CB8AC3E}">
-        <p14:creationId xmlns:p14="http://schemas.microsoft.com/office/powerpoint/2010/main" val="4043500593"/>
+        <p14:creationId xmlns:p14="http://schemas.microsoft.com/office/powerpoint/2010/main" val="1780287741"/>
       </p:ext>
     </p:extLst>
   </p:cSld>
@@ -23264,11 +23846,7 @@
           <a:p>
             <a:r>
               <a:rPr lang="ru-RU" dirty="0" smtClean="0"/>
-              <a:t>Как сделать это в </a:t>
-            </a:r>
-            <a:r>
-              <a:rPr lang="en-US" dirty="0" smtClean="0"/>
-              <a:t>C#?</a:t>
+              <a:t>Зачем?</a:t>
             </a:r>
             <a:endParaRPr lang="ru-RU" dirty="0"/>
           </a:p>
@@ -23290,31 +23868,35 @@
           <a:lstStyle/>
           <a:p>
             <a:r>
-              <a:rPr lang="en-US" dirty="0"/>
-              <a:t>Lambda’s </a:t>
-            </a:r>
-            <a:r>
-              <a:rPr lang="en-US" dirty="0" err="1" smtClean="0"/>
-              <a:t>hashtable</a:t>
-            </a:r>
-            <a:endParaRPr lang="ru-RU" dirty="0" smtClean="0"/>
+              <a:rPr lang="ru-RU" dirty="0" smtClean="0"/>
+              <a:t>Новый метод абстракции</a:t>
+            </a:r>
           </a:p>
           <a:p>
             <a:r>
               <a:rPr lang="en-US" dirty="0" smtClean="0"/>
-              <a:t>Extensions + dynamic</a:t>
+              <a:t>Ad-hoc polymorphism</a:t>
+            </a:r>
+          </a:p>
+          <a:p>
+            <a:r>
+              <a:rPr lang="en-US" dirty="0" smtClean="0"/>
+              <a:t>“Pimp my library”</a:t>
             </a:r>
           </a:p>
           <a:p>
             <a:r>
               <a:rPr lang="ru-RU" dirty="0" smtClean="0"/>
-              <a:t>Перегрузка методов </a:t>
+              <a:t>Многие </a:t>
             </a:r>
             <a:r>
               <a:rPr lang="en-US" dirty="0" smtClean="0"/>
-              <a:t>LINQ</a:t>
-            </a:r>
-            <a:endParaRPr lang="ru-RU" dirty="0"/>
+              <a:t>type class’</a:t>
+            </a:r>
+            <a:r>
+              <a:rPr lang="ru-RU" dirty="0" smtClean="0"/>
+              <a:t>ы являются стандартными и для них есть специальный синтаксис в некоторых ЯП</a:t>
+            </a:r>
           </a:p>
           <a:p>
             <a:endParaRPr lang="ru-RU" dirty="0"/>
@@ -23324,7 +23906,7 @@
     </p:spTree>
     <p:extLst>
       <p:ext uri="{BB962C8B-B14F-4D97-AF65-F5344CB8AC3E}">
-        <p14:creationId xmlns:p14="http://schemas.microsoft.com/office/powerpoint/2010/main" val="3419333593"/>
+        <p14:creationId xmlns:p14="http://schemas.microsoft.com/office/powerpoint/2010/main" val="4043500593"/>
       </p:ext>
     </p:extLst>
   </p:cSld>
@@ -23382,14 +23964,14 @@
           <a:lstStyle/>
           <a:p>
             <a:r>
+              <a:rPr lang="ru-RU" dirty="0" smtClean="0"/>
+              <a:t>Как сделать это в </a:t>
+            </a:r>
+            <a:r>
               <a:rPr lang="en-US" dirty="0" smtClean="0"/>
-              <a:t>Lambda’s </a:t>
-            </a:r>
-            <a:r>
-              <a:rPr lang="en-US" dirty="0" err="1" smtClean="0"/>
-              <a:t>hashtable</a:t>
-            </a:r>
-            <a:endParaRPr lang="en-US" dirty="0"/>
+              <a:t>C#?</a:t>
+            </a:r>
+            <a:endParaRPr lang="ru-RU" dirty="0"/>
           </a:p>
         </p:txBody>
       </p:sp>
@@ -23409,36 +23991,41 @@
           <a:lstStyle/>
           <a:p>
             <a:r>
+              <a:rPr lang="en-US" dirty="0"/>
+              <a:t>Lambda’s </a:t>
+            </a:r>
+            <a:r>
+              <a:rPr lang="en-US" dirty="0" err="1" smtClean="0"/>
+              <a:t>hashtable</a:t>
+            </a:r>
+            <a:endParaRPr lang="ru-RU" dirty="0" smtClean="0"/>
+          </a:p>
+          <a:p>
+            <a:r>
+              <a:rPr lang="en-US" dirty="0" smtClean="0"/>
+              <a:t>Extensions + dynamic</a:t>
+            </a:r>
+          </a:p>
+          <a:p>
+            <a:r>
               <a:rPr lang="ru-RU" dirty="0" smtClean="0"/>
-              <a:t>Определяем методы – функции </a:t>
-            </a:r>
-            <a:r>
-              <a:rPr lang="en-US" dirty="0" err="1" smtClean="0"/>
-              <a:t>typeclass’a</a:t>
-            </a:r>
-            <a:endParaRPr lang="ru-RU" dirty="0" smtClean="0"/>
-          </a:p>
-          <a:p>
-            <a:r>
-              <a:rPr lang="ru-RU" dirty="0" smtClean="0"/>
-              <a:t>Определяем словарь, в котором ключ – это тип, а значение – это функция-реализация поведения </a:t>
-            </a:r>
-            <a:r>
-              <a:rPr lang="en-US" dirty="0" err="1" smtClean="0"/>
-              <a:t>typeclass’a</a:t>
-            </a:r>
-            <a:r>
-              <a:rPr lang="ru-RU" dirty="0" smtClean="0"/>
-              <a:t> для этого типа</a:t>
-            </a:r>
-            <a:endParaRPr lang="en-US" dirty="0"/>
+              <a:t>Перегрузка методов </a:t>
+            </a:r>
+            <a:r>
+              <a:rPr lang="en-US" dirty="0" smtClean="0"/>
+              <a:t>LINQ</a:t>
+            </a:r>
+            <a:endParaRPr lang="ru-RU" dirty="0"/>
+          </a:p>
+          <a:p>
+            <a:endParaRPr lang="ru-RU" dirty="0"/>
           </a:p>
         </p:txBody>
       </p:sp>
     </p:spTree>
     <p:extLst>
       <p:ext uri="{BB962C8B-B14F-4D97-AF65-F5344CB8AC3E}">
-        <p14:creationId xmlns:p14="http://schemas.microsoft.com/office/powerpoint/2010/main" val="1624771443"/>
+        <p14:creationId xmlns:p14="http://schemas.microsoft.com/office/powerpoint/2010/main" val="3419333593"/>
       </p:ext>
     </p:extLst>
   </p:cSld>
@@ -26206,23 +26793,60 @@
             <p:ph type="title"/>
           </p:nvPr>
         </p:nvSpPr>
-        <p:spPr>
-          <a:xfrm>
-            <a:off x="457200" y="2857500"/>
-            <a:ext cx="8229600" cy="1143000"/>
-          </a:xfrm>
-        </p:spPr>
+        <p:spPr/>
         <p:txBody>
           <a:bodyPr/>
           <a:lstStyle/>
           <a:p>
             <a:r>
+              <a:rPr lang="en-US" dirty="0" smtClean="0"/>
+              <a:t>Lambda’s </a:t>
+            </a:r>
+            <a:r>
+              <a:rPr lang="en-US" dirty="0" err="1" smtClean="0"/>
+              <a:t>hashtable</a:t>
+            </a:r>
+            <a:endParaRPr lang="en-US" dirty="0"/>
+          </a:p>
+        </p:txBody>
+      </p:sp>
+      <p:sp>
+        <p:nvSpPr>
+          <p:cNvPr id="3" name="Объект 2"/>
+          <p:cNvSpPr>
+            <a:spLocks noGrp="1"/>
+          </p:cNvSpPr>
+          <p:nvPr>
+            <p:ph idx="1"/>
+          </p:nvPr>
+        </p:nvSpPr>
+        <p:spPr/>
+        <p:txBody>
+          <a:bodyPr/>
+          <a:lstStyle/>
+          <a:p>
+            <a:r>
               <a:rPr lang="ru-RU" dirty="0" smtClean="0"/>
-              <a:t>Пример: </a:t>
-            </a:r>
-            <a:r>
-              <a:rPr lang="en-US" dirty="0" smtClean="0"/>
-              <a:t>Printable</a:t>
+              <a:t>Определяем методы – функции </a:t>
+            </a:r>
+            <a:r>
+              <a:rPr lang="en-US" dirty="0" err="1" smtClean="0"/>
+              <a:t>typeclass’a</a:t>
+            </a:r>
+            <a:endParaRPr lang="ru-RU" dirty="0" smtClean="0"/>
+          </a:p>
+          <a:p>
+            <a:r>
+              <a:rPr lang="ru-RU" dirty="0" smtClean="0"/>
+              <a:t>Определяем словарь, в котором ключ – это тип, а значение – это функция-реализация поведения </a:t>
+            </a:r>
+            <a:r>
+              <a:rPr lang="en-US" dirty="0" err="1" smtClean="0"/>
+              <a:t>typeclass’a</a:t>
+            </a:r>
+            <a:r>
+              <a:rPr lang="ru-RU" dirty="0" smtClean="0"/>
+              <a:t> для этого типа</a:t>
             </a:r>
             <a:endParaRPr lang="en-US" dirty="0"/>
           </a:p>
@@ -26231,7 +26855,7 @@
     </p:spTree>
     <p:extLst>
       <p:ext uri="{BB962C8B-B14F-4D97-AF65-F5344CB8AC3E}">
-        <p14:creationId xmlns:p14="http://schemas.microsoft.com/office/powerpoint/2010/main" val="2297466030"/>
+        <p14:creationId xmlns:p14="http://schemas.microsoft.com/office/powerpoint/2010/main" val="1624771443"/>
       </p:ext>
     </p:extLst>
   </p:cSld>
@@ -26283,7 +26907,12 @@
             <p:ph type="title"/>
           </p:nvPr>
         </p:nvSpPr>
-        <p:spPr/>
+        <p:spPr>
+          <a:xfrm>
+            <a:off x="457200" y="2857500"/>
+            <a:ext cx="8229600" cy="1143000"/>
+          </a:xfrm>
+        </p:spPr>
         <p:txBody>
           <a:bodyPr/>
           <a:lstStyle/>
@@ -26294,100 +26923,16 @@
             </a:r>
             <a:r>
               <a:rPr lang="en-US" dirty="0" smtClean="0"/>
-              <a:t>Addable</a:t>
+              <a:t>Printable</a:t>
             </a:r>
             <a:endParaRPr lang="en-US" dirty="0"/>
-          </a:p>
-        </p:txBody>
-      </p:sp>
-      <p:sp>
-        <p:nvSpPr>
-          <p:cNvPr id="3" name="Объект 2"/>
-          <p:cNvSpPr>
-            <a:spLocks noGrp="1"/>
-          </p:cNvSpPr>
-          <p:nvPr>
-            <p:ph idx="1"/>
-          </p:nvPr>
-        </p:nvSpPr>
-        <p:spPr/>
-        <p:txBody>
-          <a:bodyPr/>
-          <a:lstStyle/>
-          <a:p>
-            <a:pPr marL="0" indent="0">
-              <a:buNone/>
-            </a:pPr>
-            <a:r>
-              <a:rPr lang="ru-RU" dirty="0" smtClean="0"/>
-              <a:t>Реализовать «</a:t>
-            </a:r>
-            <a:r>
-              <a:rPr lang="en-US" dirty="0" err="1" smtClean="0"/>
-              <a:t>typeclass</a:t>
-            </a:r>
-            <a:r>
-              <a:rPr lang="ru-RU" dirty="0" smtClean="0"/>
-              <a:t>» с функцией </a:t>
-            </a:r>
-            <a:endParaRPr lang="en-US" dirty="0" smtClean="0"/>
-          </a:p>
-          <a:p>
-            <a:pPr marL="0" indent="0">
-              <a:buNone/>
-            </a:pPr>
-            <a:r>
-              <a:rPr lang="en-US" dirty="0" smtClean="0">
-                <a:latin typeface="Consolas" pitchFamily="49" charset="0"/>
-                <a:cs typeface="Consolas" pitchFamily="49" charset="0"/>
-              </a:rPr>
-              <a:t>T Add&lt;T&gt;(T x, T y)</a:t>
-            </a:r>
-          </a:p>
-          <a:p>
-            <a:pPr marL="0" indent="0">
-              <a:buNone/>
-            </a:pPr>
-            <a:r>
-              <a:rPr lang="ru-RU" dirty="0" smtClean="0">
-                <a:cs typeface="Consolas" pitchFamily="49" charset="0"/>
-              </a:rPr>
-              <a:t>Для типов </a:t>
-            </a:r>
-            <a:r>
-              <a:rPr lang="en-US" dirty="0" err="1" smtClean="0">
-                <a:cs typeface="Consolas" pitchFamily="49" charset="0"/>
-              </a:rPr>
-              <a:t>int</a:t>
-            </a:r>
-            <a:r>
-              <a:rPr lang="en-US" dirty="0" smtClean="0">
-                <a:cs typeface="Consolas" pitchFamily="49" charset="0"/>
-              </a:rPr>
-              <a:t>, double </a:t>
-            </a:r>
-            <a:r>
-              <a:rPr lang="ru-RU" dirty="0" smtClean="0">
-                <a:cs typeface="Consolas" pitchFamily="49" charset="0"/>
-              </a:rPr>
-              <a:t>и </a:t>
-            </a:r>
-            <a:r>
-              <a:rPr lang="en-US" dirty="0" smtClean="0">
-                <a:cs typeface="Consolas" pitchFamily="49" charset="0"/>
-              </a:rPr>
-              <a:t>Vector</a:t>
-            </a:r>
-            <a:endParaRPr lang="en-US" dirty="0">
-              <a:cs typeface="Consolas" pitchFamily="49" charset="0"/>
-            </a:endParaRPr>
           </a:p>
         </p:txBody>
       </p:sp>
     </p:spTree>
     <p:extLst>
       <p:ext uri="{BB962C8B-B14F-4D97-AF65-F5344CB8AC3E}">
-        <p14:creationId xmlns:p14="http://schemas.microsoft.com/office/powerpoint/2010/main" val="3602515121"/>
+        <p14:creationId xmlns:p14="http://schemas.microsoft.com/office/powerpoint/2010/main" val="2297466030"/>
       </p:ext>
     </p:extLst>
   </p:cSld>
@@ -26446,7 +26991,7 @@
           <a:p>
             <a:r>
               <a:rPr lang="ru-RU" dirty="0" smtClean="0"/>
-              <a:t>Решение: </a:t>
+              <a:t>Пример: </a:t>
             </a:r>
             <a:r>
               <a:rPr lang="en-US" dirty="0" smtClean="0"/>
@@ -26458,1223 +27003,84 @@
       </p:sp>
       <p:sp>
         <p:nvSpPr>
-          <p:cNvPr id="4" name="Прямоугольник 3"/>
-          <p:cNvSpPr/>
-          <p:nvPr/>
+          <p:cNvPr id="3" name="Объект 2"/>
+          <p:cNvSpPr>
+            <a:spLocks noGrp="1"/>
+          </p:cNvSpPr>
+          <p:nvPr>
+            <p:ph idx="1"/>
+          </p:nvPr>
         </p:nvSpPr>
-        <p:spPr>
-          <a:xfrm>
-            <a:off x="876300" y="1495485"/>
-            <a:ext cx="7391400" cy="4524315"/>
-          </a:xfrm>
-          <a:prstGeom prst="rect">
-            <a:avLst/>
-          </a:prstGeom>
-        </p:spPr>
+        <p:spPr/>
         <p:txBody>
-          <a:bodyPr wrap="square">
-            <a:spAutoFit/>
-          </a:bodyPr>
+          <a:bodyPr/>
           <a:lstStyle/>
           <a:p>
-            <a:pPr fontAlgn="t"/>
-            <a:r>
-              <a:rPr lang="en-US" b="1" dirty="0">
-                <a:solidFill>
-                  <a:srgbClr val="0600FF"/>
-                </a:solidFill>
-                <a:latin typeface="Consolas"/>
-              </a:rPr>
-              <a:t>private</a:t>
-            </a:r>
-            <a:r>
-              <a:rPr lang="en-US" dirty="0">
-                <a:solidFill>
-                  <a:srgbClr val="000000"/>
-                </a:solidFill>
-                <a:latin typeface="Consolas"/>
-              </a:rPr>
-              <a:t> </a:t>
-            </a:r>
-            <a:r>
-              <a:rPr lang="en-US" b="1" dirty="0">
-                <a:solidFill>
-                  <a:srgbClr val="0600FF"/>
-                </a:solidFill>
-                <a:latin typeface="Consolas"/>
-              </a:rPr>
-              <a:t>static</a:t>
-            </a:r>
-            <a:r>
-              <a:rPr lang="en-US" dirty="0">
-                <a:solidFill>
-                  <a:srgbClr val="000000"/>
-                </a:solidFill>
-                <a:latin typeface="Consolas"/>
-              </a:rPr>
-              <a:t> </a:t>
-            </a:r>
+            <a:pPr marL="0" indent="0">
+              <a:buNone/>
+            </a:pPr>
+            <a:r>
+              <a:rPr lang="ru-RU" dirty="0" smtClean="0"/>
+              <a:t>Реализовать «</a:t>
+            </a:r>
+            <a:r>
+              <a:rPr lang="en-US" dirty="0" err="1" smtClean="0"/>
+              <a:t>typeclass</a:t>
+            </a:r>
+            <a:r>
+              <a:rPr lang="ru-RU" dirty="0" smtClean="0"/>
+              <a:t>» с функцией </a:t>
+            </a:r>
+            <a:endParaRPr lang="en-US" dirty="0" smtClean="0"/>
+          </a:p>
+          <a:p>
+            <a:pPr marL="0" indent="0">
+              <a:buNone/>
+            </a:pPr>
             <a:r>
               <a:rPr lang="en-US" dirty="0" smtClean="0">
-                <a:solidFill>
-                  <a:srgbClr val="000000"/>
-                </a:solidFill>
-                <a:latin typeface="Consolas"/>
-              </a:rPr>
-              <a:t>Dictionary</a:t>
+                <a:latin typeface="Consolas" pitchFamily="49" charset="0"/>
+                <a:cs typeface="Consolas" pitchFamily="49" charset="0"/>
+              </a:rPr>
+              <a:t>T Add&lt;T&gt;(T x, T y)</a:t>
+            </a:r>
+          </a:p>
+          <a:p>
+            <a:pPr marL="0" indent="0">
+              <a:buNone/>
+            </a:pPr>
+            <a:r>
+              <a:rPr lang="ru-RU" dirty="0" smtClean="0">
+                <a:cs typeface="Consolas" pitchFamily="49" charset="0"/>
+              </a:rPr>
+              <a:t>Для типов </a:t>
+            </a:r>
+            <a:r>
+              <a:rPr lang="en-US" dirty="0" err="1" smtClean="0">
+                <a:cs typeface="Consolas" pitchFamily="49" charset="0"/>
+              </a:rPr>
+              <a:t>int</a:t>
             </a:r>
             <a:r>
               <a:rPr lang="en-US" dirty="0" smtClean="0">
-                <a:solidFill>
-                  <a:srgbClr val="008000"/>
-                </a:solidFill>
-                <a:latin typeface="Consolas"/>
-              </a:rPr>
-              <a:t>&lt;</a:t>
+                <a:cs typeface="Consolas" pitchFamily="49" charset="0"/>
+              </a:rPr>
+              <a:t>, double </a:t>
+            </a:r>
+            <a:r>
+              <a:rPr lang="ru-RU" dirty="0" smtClean="0">
+                <a:cs typeface="Consolas" pitchFamily="49" charset="0"/>
+              </a:rPr>
+              <a:t>и </a:t>
             </a:r>
             <a:r>
               <a:rPr lang="en-US" dirty="0" smtClean="0">
-                <a:solidFill>
-                  <a:srgbClr val="000000"/>
-                </a:solidFill>
-                <a:latin typeface="Consolas"/>
-              </a:rPr>
-              <a:t>Type,  </a:t>
-            </a:r>
-          </a:p>
-          <a:p>
-            <a:pPr fontAlgn="t"/>
-            <a:r>
-              <a:rPr lang="en-US" dirty="0">
-                <a:solidFill>
-                  <a:srgbClr val="000000"/>
-                </a:solidFill>
-                <a:latin typeface="Consolas"/>
-              </a:rPr>
-              <a:t> </a:t>
-            </a:r>
-            <a:r>
-              <a:rPr lang="en-US" dirty="0" smtClean="0">
-                <a:solidFill>
-                  <a:srgbClr val="000000"/>
-                </a:solidFill>
-                <a:latin typeface="Consolas"/>
-              </a:rPr>
-              <a:t> </a:t>
-            </a:r>
-            <a:r>
-              <a:rPr lang="en-US" dirty="0" err="1" smtClean="0">
-                <a:solidFill>
-                  <a:srgbClr val="000000"/>
-                </a:solidFill>
-                <a:latin typeface="Consolas"/>
-              </a:rPr>
-              <a:t>Func</a:t>
-            </a:r>
-            <a:r>
-              <a:rPr lang="en-US" dirty="0" smtClean="0">
-                <a:solidFill>
-                  <a:srgbClr val="008000"/>
-                </a:solidFill>
-                <a:latin typeface="Consolas"/>
-              </a:rPr>
-              <a:t>&lt;</a:t>
-            </a:r>
-            <a:r>
-              <a:rPr lang="en-US" b="1" dirty="0" smtClean="0">
-                <a:solidFill>
-                  <a:srgbClr val="6666CC"/>
-                </a:solidFill>
-                <a:latin typeface="Consolas"/>
-              </a:rPr>
-              <a:t>object</a:t>
-            </a:r>
-            <a:r>
-              <a:rPr lang="en-US" dirty="0">
-                <a:solidFill>
-                  <a:srgbClr val="000000"/>
-                </a:solidFill>
-                <a:latin typeface="Consolas"/>
-              </a:rPr>
-              <a:t>, </a:t>
-            </a:r>
-            <a:r>
-              <a:rPr lang="en-US" b="1" dirty="0">
-                <a:solidFill>
-                  <a:srgbClr val="6666CC"/>
-                </a:solidFill>
-                <a:latin typeface="Consolas"/>
-              </a:rPr>
-              <a:t>object</a:t>
-            </a:r>
-            <a:r>
-              <a:rPr lang="en-US" dirty="0">
-                <a:solidFill>
-                  <a:srgbClr val="000000"/>
-                </a:solidFill>
-                <a:latin typeface="Consolas"/>
-              </a:rPr>
-              <a:t>, </a:t>
-            </a:r>
-            <a:r>
-              <a:rPr lang="en-US" b="1" dirty="0">
-                <a:solidFill>
-                  <a:srgbClr val="6666CC"/>
-                </a:solidFill>
-                <a:latin typeface="Consolas"/>
-              </a:rPr>
-              <a:t>object</a:t>
-            </a:r>
-            <a:r>
-              <a:rPr lang="en-US" dirty="0">
-                <a:solidFill>
-                  <a:srgbClr val="008000"/>
-                </a:solidFill>
-                <a:latin typeface="Consolas"/>
-              </a:rPr>
-              <a:t>&gt;&gt;</a:t>
-            </a:r>
-            <a:r>
-              <a:rPr lang="en-US" dirty="0">
-                <a:solidFill>
-                  <a:srgbClr val="000000"/>
-                </a:solidFill>
-                <a:latin typeface="Consolas"/>
-              </a:rPr>
-              <a:t> Addable </a:t>
-            </a:r>
-            <a:r>
-              <a:rPr lang="en-US" dirty="0">
-                <a:solidFill>
-                  <a:srgbClr val="008000"/>
-                </a:solidFill>
-                <a:latin typeface="Consolas"/>
-              </a:rPr>
-              <a:t>=</a:t>
+                <a:cs typeface="Consolas" pitchFamily="49" charset="0"/>
+              </a:rPr>
+              <a:t>Vector</a:t>
             </a:r>
             <a:endParaRPr lang="en-US" dirty="0">
-              <a:solidFill>
-                <a:srgbClr val="000000"/>
-              </a:solidFill>
-              <a:latin typeface="Consolas"/>
-            </a:endParaRPr>
-          </a:p>
-          <a:p>
-            <a:pPr fontAlgn="t"/>
-            <a:r>
-              <a:rPr lang="en-US" dirty="0" smtClean="0">
-                <a:solidFill>
-                  <a:srgbClr val="000000"/>
-                </a:solidFill>
-                <a:latin typeface="Consolas"/>
-              </a:rPr>
-              <a:t>  </a:t>
-            </a:r>
-            <a:r>
-              <a:rPr lang="en-US" dirty="0" smtClean="0">
-                <a:solidFill>
-                  <a:srgbClr val="008000"/>
-                </a:solidFill>
-                <a:latin typeface="Consolas"/>
-              </a:rPr>
-              <a:t>new</a:t>
-            </a:r>
-            <a:r>
-              <a:rPr lang="en-US" dirty="0">
-                <a:solidFill>
-                  <a:srgbClr val="000000"/>
-                </a:solidFill>
-                <a:latin typeface="Consolas"/>
-              </a:rPr>
-              <a:t> Dictionary</a:t>
-            </a:r>
-            <a:r>
-              <a:rPr lang="en-US" dirty="0">
-                <a:solidFill>
-                  <a:srgbClr val="008000"/>
-                </a:solidFill>
-                <a:latin typeface="Consolas"/>
-              </a:rPr>
-              <a:t>&lt;</a:t>
-            </a:r>
-            <a:r>
-              <a:rPr lang="en-US" dirty="0">
-                <a:solidFill>
-                  <a:srgbClr val="000000"/>
-                </a:solidFill>
-                <a:latin typeface="Consolas"/>
-              </a:rPr>
-              <a:t>Type, </a:t>
-            </a:r>
-            <a:r>
-              <a:rPr lang="en-US" dirty="0" err="1">
-                <a:solidFill>
-                  <a:srgbClr val="000000"/>
-                </a:solidFill>
-                <a:latin typeface="Consolas"/>
-              </a:rPr>
-              <a:t>Func</a:t>
-            </a:r>
-            <a:r>
-              <a:rPr lang="en-US" dirty="0">
-                <a:solidFill>
-                  <a:srgbClr val="008000"/>
-                </a:solidFill>
-                <a:latin typeface="Consolas"/>
-              </a:rPr>
-              <a:t>&lt;</a:t>
-            </a:r>
-            <a:r>
-              <a:rPr lang="en-US" b="1" dirty="0">
-                <a:solidFill>
-                  <a:srgbClr val="6666CC"/>
-                </a:solidFill>
-                <a:latin typeface="Consolas"/>
-              </a:rPr>
-              <a:t>object</a:t>
-            </a:r>
-            <a:r>
-              <a:rPr lang="en-US" dirty="0">
-                <a:solidFill>
-                  <a:srgbClr val="000000"/>
-                </a:solidFill>
-                <a:latin typeface="Consolas"/>
-              </a:rPr>
-              <a:t>, </a:t>
-            </a:r>
-            <a:r>
-              <a:rPr lang="en-US" b="1" dirty="0">
-                <a:solidFill>
-                  <a:srgbClr val="6666CC"/>
-                </a:solidFill>
-                <a:latin typeface="Consolas"/>
-              </a:rPr>
-              <a:t>object</a:t>
-            </a:r>
-            <a:r>
-              <a:rPr lang="en-US" dirty="0">
-                <a:solidFill>
-                  <a:srgbClr val="000000"/>
-                </a:solidFill>
-                <a:latin typeface="Consolas"/>
-              </a:rPr>
-              <a:t>, </a:t>
-            </a:r>
-            <a:r>
-              <a:rPr lang="en-US" b="1" dirty="0">
-                <a:solidFill>
-                  <a:srgbClr val="6666CC"/>
-                </a:solidFill>
-                <a:latin typeface="Consolas"/>
-              </a:rPr>
-              <a:t>object</a:t>
-            </a:r>
-            <a:r>
-              <a:rPr lang="en-US" dirty="0">
-                <a:solidFill>
-                  <a:srgbClr val="008000"/>
-                </a:solidFill>
-                <a:latin typeface="Consolas"/>
-              </a:rPr>
-              <a:t>&gt;&gt;</a:t>
-            </a:r>
-            <a:endParaRPr lang="en-US" dirty="0">
-              <a:solidFill>
-                <a:srgbClr val="000000"/>
-              </a:solidFill>
-              <a:latin typeface="Consolas"/>
-            </a:endParaRPr>
-          </a:p>
-          <a:p>
-            <a:pPr fontAlgn="t"/>
-            <a:r>
-              <a:rPr lang="en-US" dirty="0">
-                <a:solidFill>
-                  <a:srgbClr val="000000"/>
-                </a:solidFill>
-                <a:latin typeface="Consolas"/>
-              </a:rPr>
-              <a:t>  </a:t>
-            </a:r>
-            <a:r>
-              <a:rPr lang="en-US" dirty="0" smtClean="0">
-                <a:solidFill>
-                  <a:srgbClr val="000000"/>
-                </a:solidFill>
-                <a:latin typeface="Consolas"/>
-              </a:rPr>
-              <a:t>  </a:t>
-            </a:r>
-            <a:r>
-              <a:rPr lang="en-US" dirty="0" smtClean="0">
-                <a:solidFill>
-                  <a:srgbClr val="008000"/>
-                </a:solidFill>
-                <a:latin typeface="Consolas"/>
-              </a:rPr>
-              <a:t>{</a:t>
-            </a:r>
-            <a:endParaRPr lang="en-US" dirty="0">
-              <a:solidFill>
-                <a:srgbClr val="000000"/>
-              </a:solidFill>
-              <a:latin typeface="Consolas"/>
-            </a:endParaRPr>
-          </a:p>
-          <a:p>
-            <a:pPr fontAlgn="t"/>
-            <a:r>
-              <a:rPr lang="en-US" dirty="0">
-                <a:solidFill>
-                  <a:srgbClr val="000000"/>
-                </a:solidFill>
-                <a:latin typeface="Consolas"/>
-              </a:rPr>
-              <a:t>    </a:t>
-            </a:r>
-            <a:r>
-              <a:rPr lang="en-US" dirty="0" smtClean="0">
-                <a:solidFill>
-                  <a:srgbClr val="000000"/>
-                </a:solidFill>
-                <a:latin typeface="Consolas"/>
-              </a:rPr>
-              <a:t>  </a:t>
-            </a:r>
-            <a:r>
-              <a:rPr lang="en-US" dirty="0" smtClean="0">
-                <a:solidFill>
-                  <a:srgbClr val="008000"/>
-                </a:solidFill>
-                <a:latin typeface="Consolas"/>
-              </a:rPr>
-              <a:t>{</a:t>
-            </a:r>
-            <a:r>
-              <a:rPr lang="en-US" dirty="0" smtClean="0">
-                <a:solidFill>
-                  <a:srgbClr val="000000"/>
-                </a:solidFill>
-                <a:latin typeface="Consolas"/>
-              </a:rPr>
-              <a:t> </a:t>
-            </a:r>
-            <a:r>
-              <a:rPr lang="en-US" dirty="0" err="1" smtClean="0">
-                <a:solidFill>
-                  <a:srgbClr val="008000"/>
-                </a:solidFill>
-                <a:latin typeface="Consolas"/>
-              </a:rPr>
-              <a:t>typeof</a:t>
-            </a:r>
-            <a:r>
-              <a:rPr lang="en-US" dirty="0">
-                <a:solidFill>
-                  <a:srgbClr val="000000"/>
-                </a:solidFill>
-                <a:latin typeface="Consolas"/>
-              </a:rPr>
-              <a:t> </a:t>
-            </a:r>
-            <a:r>
-              <a:rPr lang="en-US" dirty="0">
-                <a:solidFill>
-                  <a:srgbClr val="008000"/>
-                </a:solidFill>
-                <a:latin typeface="Consolas"/>
-              </a:rPr>
-              <a:t>(</a:t>
-            </a:r>
-            <a:r>
-              <a:rPr lang="en-US" dirty="0">
-                <a:solidFill>
-                  <a:srgbClr val="000000"/>
-                </a:solidFill>
-                <a:latin typeface="Consolas"/>
-              </a:rPr>
-              <a:t>Vector</a:t>
-            </a:r>
-            <a:r>
-              <a:rPr lang="en-US" dirty="0">
-                <a:solidFill>
-                  <a:srgbClr val="008000"/>
-                </a:solidFill>
-                <a:latin typeface="Consolas"/>
-              </a:rPr>
-              <a:t>)</a:t>
-            </a:r>
-            <a:r>
-              <a:rPr lang="en-US" dirty="0">
-                <a:solidFill>
-                  <a:srgbClr val="000000"/>
-                </a:solidFill>
-                <a:latin typeface="Consolas"/>
-              </a:rPr>
-              <a:t>, </a:t>
-            </a:r>
-            <a:endParaRPr lang="en-US" dirty="0" smtClean="0">
-              <a:solidFill>
-                <a:srgbClr val="000000"/>
-              </a:solidFill>
-              <a:latin typeface="Consolas"/>
-            </a:endParaRPr>
-          </a:p>
-          <a:p>
-            <a:pPr fontAlgn="t"/>
-            <a:r>
-              <a:rPr lang="en-US" dirty="0">
-                <a:solidFill>
-                  <a:srgbClr val="000000"/>
-                </a:solidFill>
-                <a:latin typeface="Consolas"/>
-              </a:rPr>
-              <a:t> </a:t>
-            </a:r>
-            <a:r>
-              <a:rPr lang="en-US" dirty="0" smtClean="0">
-                <a:solidFill>
-                  <a:srgbClr val="000000"/>
-                </a:solidFill>
-                <a:latin typeface="Consolas"/>
-              </a:rPr>
-              <a:t>       </a:t>
-            </a:r>
-            <a:r>
-              <a:rPr lang="en-US" dirty="0" smtClean="0">
-                <a:solidFill>
-                  <a:srgbClr val="008000"/>
-                </a:solidFill>
-                <a:latin typeface="Consolas"/>
-              </a:rPr>
-              <a:t>(</a:t>
-            </a:r>
-            <a:r>
-              <a:rPr lang="en-US" dirty="0">
-                <a:solidFill>
-                  <a:srgbClr val="000000"/>
-                </a:solidFill>
-                <a:latin typeface="Consolas"/>
-              </a:rPr>
-              <a:t>x, y</a:t>
-            </a:r>
-            <a:r>
-              <a:rPr lang="en-US" dirty="0">
-                <a:solidFill>
-                  <a:srgbClr val="008000"/>
-                </a:solidFill>
-                <a:latin typeface="Consolas"/>
-              </a:rPr>
-              <a:t>)</a:t>
-            </a:r>
-            <a:r>
-              <a:rPr lang="en-US" dirty="0">
-                <a:solidFill>
-                  <a:srgbClr val="000000"/>
-                </a:solidFill>
-                <a:latin typeface="Consolas"/>
-              </a:rPr>
-              <a:t> </a:t>
-            </a:r>
-            <a:r>
-              <a:rPr lang="en-US" dirty="0" smtClean="0">
-                <a:solidFill>
-                  <a:srgbClr val="008000"/>
-                </a:solidFill>
-                <a:latin typeface="Consolas"/>
-              </a:rPr>
-              <a:t>=&gt;</a:t>
-            </a:r>
-          </a:p>
-          <a:p>
-            <a:pPr fontAlgn="t"/>
-            <a:r>
-              <a:rPr lang="en-US" dirty="0">
-                <a:solidFill>
-                  <a:srgbClr val="008000"/>
-                </a:solidFill>
-                <a:latin typeface="Consolas"/>
-              </a:rPr>
-              <a:t> </a:t>
-            </a:r>
-            <a:r>
-              <a:rPr lang="en-US" dirty="0" smtClean="0">
-                <a:solidFill>
-                  <a:srgbClr val="008000"/>
-                </a:solidFill>
-                <a:latin typeface="Consolas"/>
-              </a:rPr>
-              <a:t>         </a:t>
-            </a:r>
-            <a:r>
-              <a:rPr lang="en-US" dirty="0" smtClean="0">
-                <a:solidFill>
-                  <a:srgbClr val="000000"/>
-                </a:solidFill>
-                <a:latin typeface="Consolas"/>
-              </a:rPr>
-              <a:t> </a:t>
-            </a:r>
-            <a:r>
-              <a:rPr lang="en-US" dirty="0" smtClean="0">
-                <a:solidFill>
-                  <a:srgbClr val="008000"/>
-                </a:solidFill>
-                <a:latin typeface="Consolas"/>
-              </a:rPr>
-              <a:t>{</a:t>
-            </a:r>
-          </a:p>
-          <a:p>
-            <a:pPr fontAlgn="t"/>
-            <a:r>
-              <a:rPr lang="en-US" b="1" dirty="0">
-                <a:solidFill>
-                  <a:srgbClr val="008000"/>
-                </a:solidFill>
-                <a:latin typeface="Consolas"/>
-              </a:rPr>
-              <a:t> </a:t>
-            </a:r>
-            <a:r>
-              <a:rPr lang="en-US" b="1" dirty="0" smtClean="0">
-                <a:solidFill>
-                  <a:srgbClr val="008000"/>
-                </a:solidFill>
-                <a:latin typeface="Consolas"/>
-              </a:rPr>
-              <a:t>             </a:t>
-            </a:r>
-            <a:r>
-              <a:rPr lang="en-US" b="1" dirty="0" err="1" smtClean="0">
-                <a:solidFill>
-                  <a:srgbClr val="0600FF"/>
-                </a:solidFill>
-                <a:latin typeface="Consolas"/>
-              </a:rPr>
-              <a:t>var</a:t>
-            </a:r>
-            <a:r>
-              <a:rPr lang="en-US" dirty="0">
-                <a:solidFill>
-                  <a:srgbClr val="000000"/>
-                </a:solidFill>
-                <a:latin typeface="Consolas"/>
-              </a:rPr>
-              <a:t> v1 </a:t>
-            </a:r>
-            <a:r>
-              <a:rPr lang="en-US" dirty="0">
-                <a:solidFill>
-                  <a:srgbClr val="008000"/>
-                </a:solidFill>
-                <a:latin typeface="Consolas"/>
-              </a:rPr>
-              <a:t>=</a:t>
-            </a:r>
-            <a:r>
-              <a:rPr lang="en-US" dirty="0">
-                <a:solidFill>
-                  <a:srgbClr val="000000"/>
-                </a:solidFill>
-                <a:latin typeface="Consolas"/>
-              </a:rPr>
-              <a:t> </a:t>
-            </a:r>
-            <a:r>
-              <a:rPr lang="en-US" dirty="0">
-                <a:solidFill>
-                  <a:srgbClr val="008000"/>
-                </a:solidFill>
-                <a:latin typeface="Consolas"/>
-              </a:rPr>
-              <a:t>(</a:t>
-            </a:r>
-            <a:r>
-              <a:rPr lang="en-US" dirty="0">
-                <a:solidFill>
-                  <a:srgbClr val="000000"/>
-                </a:solidFill>
-                <a:latin typeface="Consolas"/>
-              </a:rPr>
-              <a:t>Vector</a:t>
-            </a:r>
-            <a:r>
-              <a:rPr lang="en-US" dirty="0">
-                <a:solidFill>
-                  <a:srgbClr val="008000"/>
-                </a:solidFill>
-                <a:latin typeface="Consolas"/>
-              </a:rPr>
-              <a:t>)</a:t>
-            </a:r>
-            <a:r>
-              <a:rPr lang="en-US" dirty="0">
-                <a:solidFill>
-                  <a:srgbClr val="000000"/>
-                </a:solidFill>
-                <a:latin typeface="Consolas"/>
-              </a:rPr>
-              <a:t> x</a:t>
-            </a:r>
-            <a:r>
-              <a:rPr lang="en-US" dirty="0" smtClean="0">
-                <a:solidFill>
-                  <a:srgbClr val="008000"/>
-                </a:solidFill>
-                <a:latin typeface="Consolas"/>
-              </a:rPr>
-              <a:t>;</a:t>
-            </a:r>
-          </a:p>
-          <a:p>
-            <a:pPr fontAlgn="t"/>
-            <a:r>
-              <a:rPr lang="en-US" dirty="0">
-                <a:solidFill>
-                  <a:srgbClr val="008000"/>
-                </a:solidFill>
-                <a:latin typeface="Consolas"/>
-              </a:rPr>
-              <a:t> </a:t>
-            </a:r>
-            <a:r>
-              <a:rPr lang="en-US" dirty="0" smtClean="0">
-                <a:solidFill>
-                  <a:srgbClr val="008000"/>
-                </a:solidFill>
-                <a:latin typeface="Consolas"/>
-              </a:rPr>
-              <a:t>            </a:t>
-            </a:r>
-            <a:r>
-              <a:rPr lang="en-US" dirty="0" smtClean="0">
-                <a:solidFill>
-                  <a:srgbClr val="000000"/>
-                </a:solidFill>
-                <a:latin typeface="Consolas"/>
-              </a:rPr>
-              <a:t> </a:t>
-            </a:r>
-            <a:r>
-              <a:rPr lang="en-US" b="1" dirty="0" err="1" smtClean="0">
-                <a:solidFill>
-                  <a:srgbClr val="0600FF"/>
-                </a:solidFill>
-                <a:latin typeface="Consolas"/>
-              </a:rPr>
-              <a:t>var</a:t>
-            </a:r>
-            <a:r>
-              <a:rPr lang="en-US" dirty="0">
-                <a:solidFill>
-                  <a:srgbClr val="000000"/>
-                </a:solidFill>
-                <a:latin typeface="Consolas"/>
-              </a:rPr>
-              <a:t> v2 </a:t>
-            </a:r>
-            <a:r>
-              <a:rPr lang="en-US" dirty="0">
-                <a:solidFill>
-                  <a:srgbClr val="008000"/>
-                </a:solidFill>
-                <a:latin typeface="Consolas"/>
-              </a:rPr>
-              <a:t>=</a:t>
-            </a:r>
-            <a:r>
-              <a:rPr lang="en-US" dirty="0">
-                <a:solidFill>
-                  <a:srgbClr val="000000"/>
-                </a:solidFill>
-                <a:latin typeface="Consolas"/>
-              </a:rPr>
-              <a:t> </a:t>
-            </a:r>
-            <a:r>
-              <a:rPr lang="en-US" dirty="0">
-                <a:solidFill>
-                  <a:srgbClr val="008000"/>
-                </a:solidFill>
-                <a:latin typeface="Consolas"/>
-              </a:rPr>
-              <a:t>(</a:t>
-            </a:r>
-            <a:r>
-              <a:rPr lang="en-US" dirty="0">
-                <a:solidFill>
-                  <a:srgbClr val="000000"/>
-                </a:solidFill>
-                <a:latin typeface="Consolas"/>
-              </a:rPr>
-              <a:t>Vector</a:t>
-            </a:r>
-            <a:r>
-              <a:rPr lang="en-US" dirty="0">
-                <a:solidFill>
-                  <a:srgbClr val="008000"/>
-                </a:solidFill>
-                <a:latin typeface="Consolas"/>
-              </a:rPr>
-              <a:t>)</a:t>
-            </a:r>
-            <a:r>
-              <a:rPr lang="en-US" dirty="0">
-                <a:solidFill>
-                  <a:srgbClr val="000000"/>
-                </a:solidFill>
-                <a:latin typeface="Consolas"/>
-              </a:rPr>
-              <a:t> y</a:t>
-            </a:r>
-            <a:r>
-              <a:rPr lang="en-US" dirty="0" smtClean="0">
-                <a:solidFill>
-                  <a:srgbClr val="008000"/>
-                </a:solidFill>
-                <a:latin typeface="Consolas"/>
-              </a:rPr>
-              <a:t>;</a:t>
-            </a:r>
-          </a:p>
-          <a:p>
-            <a:pPr fontAlgn="t"/>
-            <a:r>
-              <a:rPr lang="en-US" dirty="0">
-                <a:solidFill>
-                  <a:srgbClr val="008000"/>
-                </a:solidFill>
-                <a:latin typeface="Consolas"/>
-              </a:rPr>
-              <a:t> </a:t>
-            </a:r>
-            <a:r>
-              <a:rPr lang="en-US" dirty="0" smtClean="0">
-                <a:solidFill>
-                  <a:srgbClr val="008000"/>
-                </a:solidFill>
-                <a:latin typeface="Consolas"/>
-              </a:rPr>
-              <a:t>            </a:t>
-            </a:r>
-            <a:r>
-              <a:rPr lang="en-US" dirty="0" smtClean="0">
-                <a:solidFill>
-                  <a:srgbClr val="000000"/>
-                </a:solidFill>
-                <a:latin typeface="Consolas"/>
-              </a:rPr>
-              <a:t> </a:t>
-            </a:r>
-            <a:r>
-              <a:rPr lang="en-US" b="1" dirty="0" smtClean="0">
-                <a:solidFill>
-                  <a:srgbClr val="0600FF"/>
-                </a:solidFill>
-                <a:latin typeface="Consolas"/>
-              </a:rPr>
-              <a:t>return</a:t>
-            </a:r>
-            <a:r>
-              <a:rPr lang="en-US" dirty="0">
-                <a:solidFill>
-                  <a:srgbClr val="000000"/>
-                </a:solidFill>
-                <a:latin typeface="Consolas"/>
-              </a:rPr>
-              <a:t> </a:t>
-            </a:r>
-            <a:r>
-              <a:rPr lang="en-US" dirty="0">
-                <a:solidFill>
-                  <a:srgbClr val="008000"/>
-                </a:solidFill>
-                <a:latin typeface="Consolas"/>
-              </a:rPr>
-              <a:t>new</a:t>
-            </a:r>
-            <a:r>
-              <a:rPr lang="en-US" dirty="0">
-                <a:solidFill>
-                  <a:srgbClr val="000000"/>
-                </a:solidFill>
-                <a:latin typeface="Consolas"/>
-              </a:rPr>
-              <a:t> Vector </a:t>
-            </a:r>
-            <a:r>
-              <a:rPr lang="en-US" dirty="0" smtClean="0">
-                <a:solidFill>
-                  <a:srgbClr val="008000"/>
-                </a:solidFill>
-                <a:latin typeface="Consolas"/>
-              </a:rPr>
-              <a:t>{</a:t>
-            </a:r>
-          </a:p>
-          <a:p>
-            <a:pPr fontAlgn="t"/>
-            <a:r>
-              <a:rPr lang="en-US" dirty="0">
-                <a:solidFill>
-                  <a:srgbClr val="008000"/>
-                </a:solidFill>
-                <a:latin typeface="Consolas"/>
-              </a:rPr>
-              <a:t> </a:t>
-            </a:r>
-            <a:r>
-              <a:rPr lang="en-US" dirty="0" smtClean="0">
-                <a:solidFill>
-                  <a:srgbClr val="008000"/>
-                </a:solidFill>
-                <a:latin typeface="Consolas"/>
-              </a:rPr>
-              <a:t>                </a:t>
-            </a:r>
-            <a:r>
-              <a:rPr lang="en-US" dirty="0" smtClean="0">
-                <a:solidFill>
-                  <a:srgbClr val="000000"/>
-                </a:solidFill>
-                <a:latin typeface="Consolas"/>
-              </a:rPr>
-              <a:t>X</a:t>
-            </a:r>
-            <a:r>
-              <a:rPr lang="en-US" dirty="0">
-                <a:solidFill>
-                  <a:srgbClr val="000000"/>
-                </a:solidFill>
-                <a:latin typeface="Consolas"/>
-              </a:rPr>
-              <a:t> </a:t>
-            </a:r>
-            <a:r>
-              <a:rPr lang="en-US" dirty="0">
-                <a:solidFill>
-                  <a:srgbClr val="008000"/>
-                </a:solidFill>
-                <a:latin typeface="Consolas"/>
-              </a:rPr>
-              <a:t>=</a:t>
-            </a:r>
-            <a:r>
-              <a:rPr lang="en-US" dirty="0">
-                <a:solidFill>
-                  <a:srgbClr val="000000"/>
-                </a:solidFill>
-                <a:latin typeface="Consolas"/>
-              </a:rPr>
-              <a:t> v1</a:t>
-            </a:r>
-            <a:r>
-              <a:rPr lang="en-US" dirty="0">
-                <a:solidFill>
-                  <a:srgbClr val="008000"/>
-                </a:solidFill>
-                <a:latin typeface="Consolas"/>
-              </a:rPr>
-              <a:t>.</a:t>
-            </a:r>
-            <a:r>
-              <a:rPr lang="en-US" dirty="0">
-                <a:solidFill>
-                  <a:srgbClr val="0000FF"/>
-                </a:solidFill>
-                <a:latin typeface="Consolas"/>
-              </a:rPr>
-              <a:t>X</a:t>
-            </a:r>
-            <a:r>
-              <a:rPr lang="en-US" dirty="0">
-                <a:solidFill>
-                  <a:srgbClr val="000000"/>
-                </a:solidFill>
-                <a:latin typeface="Consolas"/>
-              </a:rPr>
-              <a:t> </a:t>
-            </a:r>
-            <a:r>
-              <a:rPr lang="en-US" dirty="0">
-                <a:solidFill>
-                  <a:srgbClr val="008000"/>
-                </a:solidFill>
-                <a:latin typeface="Consolas"/>
-              </a:rPr>
-              <a:t>+</a:t>
-            </a:r>
-            <a:r>
-              <a:rPr lang="en-US" dirty="0">
-                <a:solidFill>
-                  <a:srgbClr val="000000"/>
-                </a:solidFill>
-                <a:latin typeface="Consolas"/>
-              </a:rPr>
-              <a:t> v2</a:t>
-            </a:r>
-            <a:r>
-              <a:rPr lang="en-US" dirty="0">
-                <a:solidFill>
-                  <a:srgbClr val="008000"/>
-                </a:solidFill>
-                <a:latin typeface="Consolas"/>
-              </a:rPr>
-              <a:t>.</a:t>
-            </a:r>
-            <a:r>
-              <a:rPr lang="en-US" dirty="0">
-                <a:solidFill>
-                  <a:srgbClr val="0000FF"/>
-                </a:solidFill>
-                <a:latin typeface="Consolas"/>
-              </a:rPr>
-              <a:t>X</a:t>
-            </a:r>
-            <a:r>
-              <a:rPr lang="en-US" dirty="0" smtClean="0">
-                <a:solidFill>
-                  <a:srgbClr val="000000"/>
-                </a:solidFill>
-                <a:latin typeface="Consolas"/>
-              </a:rPr>
-              <a:t>,</a:t>
-            </a:r>
-          </a:p>
-          <a:p>
-            <a:pPr fontAlgn="t"/>
-            <a:r>
-              <a:rPr lang="en-US" dirty="0">
-                <a:solidFill>
-                  <a:srgbClr val="000000"/>
-                </a:solidFill>
-                <a:latin typeface="Consolas"/>
-              </a:rPr>
-              <a:t> </a:t>
-            </a:r>
-            <a:r>
-              <a:rPr lang="en-US" dirty="0" smtClean="0">
-                <a:solidFill>
-                  <a:srgbClr val="000000"/>
-                </a:solidFill>
-                <a:latin typeface="Consolas"/>
-              </a:rPr>
-              <a:t>                </a:t>
-            </a:r>
-            <a:r>
-              <a:rPr lang="en-US" dirty="0">
-                <a:solidFill>
-                  <a:srgbClr val="000000"/>
-                </a:solidFill>
-                <a:latin typeface="Consolas"/>
-              </a:rPr>
-              <a:t>Y </a:t>
-            </a:r>
-            <a:r>
-              <a:rPr lang="en-US" dirty="0">
-                <a:solidFill>
-                  <a:srgbClr val="008000"/>
-                </a:solidFill>
-                <a:latin typeface="Consolas"/>
-              </a:rPr>
-              <a:t>=</a:t>
-            </a:r>
-            <a:r>
-              <a:rPr lang="en-US" dirty="0">
-                <a:solidFill>
-                  <a:srgbClr val="000000"/>
-                </a:solidFill>
-                <a:latin typeface="Consolas"/>
-              </a:rPr>
-              <a:t> v1</a:t>
-            </a:r>
-            <a:r>
-              <a:rPr lang="en-US" dirty="0">
-                <a:solidFill>
-                  <a:srgbClr val="008000"/>
-                </a:solidFill>
-                <a:latin typeface="Consolas"/>
-              </a:rPr>
-              <a:t>.</a:t>
-            </a:r>
-            <a:r>
-              <a:rPr lang="en-US" dirty="0">
-                <a:solidFill>
-                  <a:srgbClr val="0000FF"/>
-                </a:solidFill>
-                <a:latin typeface="Consolas"/>
-              </a:rPr>
-              <a:t>Y</a:t>
-            </a:r>
-            <a:r>
-              <a:rPr lang="en-US" dirty="0">
-                <a:solidFill>
-                  <a:srgbClr val="000000"/>
-                </a:solidFill>
-                <a:latin typeface="Consolas"/>
-              </a:rPr>
-              <a:t> </a:t>
-            </a:r>
-            <a:r>
-              <a:rPr lang="en-US" dirty="0">
-                <a:solidFill>
-                  <a:srgbClr val="008000"/>
-                </a:solidFill>
-                <a:latin typeface="Consolas"/>
-              </a:rPr>
-              <a:t>+</a:t>
-            </a:r>
-            <a:r>
-              <a:rPr lang="en-US" dirty="0">
-                <a:solidFill>
-                  <a:srgbClr val="000000"/>
-                </a:solidFill>
-                <a:latin typeface="Consolas"/>
-              </a:rPr>
-              <a:t> v2</a:t>
-            </a:r>
-            <a:r>
-              <a:rPr lang="en-US" dirty="0">
-                <a:solidFill>
-                  <a:srgbClr val="008000"/>
-                </a:solidFill>
-                <a:latin typeface="Consolas"/>
-              </a:rPr>
-              <a:t>.</a:t>
-            </a:r>
-            <a:r>
-              <a:rPr lang="en-US" dirty="0">
-                <a:solidFill>
-                  <a:srgbClr val="0000FF"/>
-                </a:solidFill>
-                <a:latin typeface="Consolas"/>
-              </a:rPr>
-              <a:t>Y</a:t>
-            </a:r>
-            <a:r>
-              <a:rPr lang="en-US" dirty="0" smtClean="0">
-                <a:solidFill>
-                  <a:srgbClr val="008000"/>
-                </a:solidFill>
-                <a:latin typeface="Consolas"/>
-              </a:rPr>
-              <a:t>};</a:t>
-            </a:r>
-          </a:p>
-          <a:p>
-            <a:pPr fontAlgn="t"/>
-            <a:r>
-              <a:rPr lang="en-US" dirty="0">
-                <a:solidFill>
-                  <a:srgbClr val="008000"/>
-                </a:solidFill>
-                <a:latin typeface="Consolas"/>
-              </a:rPr>
-              <a:t> </a:t>
-            </a:r>
-            <a:r>
-              <a:rPr lang="en-US" dirty="0" smtClean="0">
-                <a:solidFill>
-                  <a:srgbClr val="008000"/>
-                </a:solidFill>
-                <a:latin typeface="Consolas"/>
-              </a:rPr>
-              <a:t>          }</a:t>
-            </a:r>
-            <a:endParaRPr lang="en-US" dirty="0">
-              <a:solidFill>
-                <a:srgbClr val="000000"/>
-              </a:solidFill>
-              <a:latin typeface="Consolas"/>
-            </a:endParaRPr>
-          </a:p>
-          <a:p>
-            <a:pPr fontAlgn="t"/>
-            <a:r>
-              <a:rPr lang="en-US" dirty="0">
-                <a:solidFill>
-                  <a:srgbClr val="000000"/>
-                </a:solidFill>
-                <a:latin typeface="Consolas"/>
-              </a:rPr>
-              <a:t>     </a:t>
-            </a:r>
-            <a:r>
-              <a:rPr lang="en-US" dirty="0" smtClean="0">
-                <a:solidFill>
-                  <a:srgbClr val="000000"/>
-                </a:solidFill>
-                <a:latin typeface="Consolas"/>
-              </a:rPr>
-              <a:t> </a:t>
-            </a:r>
-            <a:r>
-              <a:rPr lang="en-US" dirty="0" smtClean="0">
-                <a:solidFill>
-                  <a:srgbClr val="008000"/>
-                </a:solidFill>
-                <a:latin typeface="Consolas"/>
-              </a:rPr>
-              <a:t>}</a:t>
-            </a:r>
-            <a:r>
-              <a:rPr lang="en-US" dirty="0" smtClean="0">
-                <a:solidFill>
-                  <a:srgbClr val="000000"/>
-                </a:solidFill>
-                <a:latin typeface="Consolas"/>
-              </a:rPr>
-              <a:t>,</a:t>
-            </a:r>
-          </a:p>
-          <a:p>
-            <a:pPr fontAlgn="t"/>
-            <a:r>
-              <a:rPr lang="en-US" dirty="0">
-                <a:solidFill>
-                  <a:srgbClr val="000000"/>
-                </a:solidFill>
-                <a:latin typeface="Consolas"/>
-              </a:rPr>
-              <a:t> </a:t>
-            </a:r>
-            <a:r>
-              <a:rPr lang="en-US" dirty="0" smtClean="0">
-                <a:solidFill>
-                  <a:srgbClr val="000000"/>
-                </a:solidFill>
-                <a:latin typeface="Consolas"/>
-              </a:rPr>
-              <a:t>     </a:t>
-            </a:r>
-            <a:r>
-              <a:rPr lang="en-US" dirty="0" smtClean="0">
-                <a:solidFill>
-                  <a:srgbClr val="008000"/>
-                </a:solidFill>
-                <a:latin typeface="Consolas"/>
-              </a:rPr>
-              <a:t>...</a:t>
-            </a:r>
-          </a:p>
-          <a:p>
-            <a:pPr fontAlgn="t"/>
-            <a:r>
-              <a:rPr lang="en-US" dirty="0" smtClean="0">
-                <a:solidFill>
-                  <a:srgbClr val="008000"/>
-                </a:solidFill>
-                <a:latin typeface="Consolas"/>
-              </a:rPr>
-              <a:t>};</a:t>
-            </a:r>
-            <a:endParaRPr lang="en-US" b="0" i="0" dirty="0">
-              <a:solidFill>
-                <a:srgbClr val="000000"/>
-              </a:solidFill>
-              <a:effectLst/>
-              <a:latin typeface="Consolas"/>
+              <a:cs typeface="Consolas" pitchFamily="49" charset="0"/>
             </a:endParaRPr>
           </a:p>
         </p:txBody>
@@ -27682,7 +27088,7 @@
     </p:spTree>
     <p:extLst>
       <p:ext uri="{BB962C8B-B14F-4D97-AF65-F5344CB8AC3E}">
-        <p14:creationId xmlns:p14="http://schemas.microsoft.com/office/powerpoint/2010/main" val="4067688543"/>
+        <p14:creationId xmlns:p14="http://schemas.microsoft.com/office/powerpoint/2010/main" val="3602515121"/>
       </p:ext>
     </p:extLst>
   </p:cSld>
@@ -27759,8 +27165,8 @@
         </p:nvSpPr>
         <p:spPr>
           <a:xfrm>
-            <a:off x="495300" y="2413338"/>
-            <a:ext cx="8153400" cy="2031325"/>
+            <a:off x="876300" y="1495485"/>
+            <a:ext cx="7391400" cy="4524315"/>
           </a:xfrm>
           <a:prstGeom prst="rect">
             <a:avLst/>
@@ -27780,7 +27186,7 @@
                 </a:solidFill>
                 <a:latin typeface="Consolas"/>
               </a:rPr>
-              <a:t>public</a:t>
+              <a:t>private</a:t>
             </a:r>
             <a:r>
               <a:rPr lang="en-US" dirty="0">
@@ -27807,61 +27213,145 @@
                 </a:solidFill>
                 <a:latin typeface="Consolas"/>
               </a:rPr>
-              <a:t> T </a:t>
+              <a:t> </a:t>
+            </a:r>
+            <a:r>
+              <a:rPr lang="en-US" dirty="0" smtClean="0">
+                <a:solidFill>
+                  <a:srgbClr val="000000"/>
+                </a:solidFill>
+                <a:latin typeface="Consolas"/>
+              </a:rPr>
+              <a:t>Dictionary</a:t>
+            </a:r>
+            <a:r>
+              <a:rPr lang="en-US" dirty="0" smtClean="0">
+                <a:solidFill>
+                  <a:srgbClr val="008000"/>
+                </a:solidFill>
+                <a:latin typeface="Consolas"/>
+              </a:rPr>
+              <a:t>&lt;</a:t>
+            </a:r>
+            <a:r>
+              <a:rPr lang="en-US" dirty="0" smtClean="0">
+                <a:solidFill>
+                  <a:srgbClr val="000000"/>
+                </a:solidFill>
+                <a:latin typeface="Consolas"/>
+              </a:rPr>
+              <a:t>Type,  </a:t>
+            </a:r>
+          </a:p>
+          <a:p>
+            <a:pPr fontAlgn="t"/>
+            <a:r>
+              <a:rPr lang="en-US" dirty="0">
+                <a:solidFill>
+                  <a:srgbClr val="000000"/>
+                </a:solidFill>
+                <a:latin typeface="Consolas"/>
+              </a:rPr>
+              <a:t> </a:t>
+            </a:r>
+            <a:r>
+              <a:rPr lang="en-US" dirty="0" smtClean="0">
+                <a:solidFill>
+                  <a:srgbClr val="000000"/>
+                </a:solidFill>
+                <a:latin typeface="Consolas"/>
+              </a:rPr>
+              <a:t> </a:t>
+            </a:r>
+            <a:r>
+              <a:rPr lang="en-US" dirty="0" err="1" smtClean="0">
+                <a:solidFill>
+                  <a:srgbClr val="000000"/>
+                </a:solidFill>
+                <a:latin typeface="Consolas"/>
+              </a:rPr>
+              <a:t>Func</a:t>
+            </a:r>
+            <a:r>
+              <a:rPr lang="en-US" dirty="0" smtClean="0">
+                <a:solidFill>
+                  <a:srgbClr val="008000"/>
+                </a:solidFill>
+                <a:latin typeface="Consolas"/>
+              </a:rPr>
+              <a:t>&lt;</a:t>
+            </a:r>
+            <a:r>
+              <a:rPr lang="en-US" b="1" dirty="0" smtClean="0">
+                <a:solidFill>
+                  <a:srgbClr val="6666CC"/>
+                </a:solidFill>
+                <a:latin typeface="Consolas"/>
+              </a:rPr>
+              <a:t>object</a:t>
+            </a:r>
+            <a:r>
+              <a:rPr lang="en-US" dirty="0">
+                <a:solidFill>
+                  <a:srgbClr val="000000"/>
+                </a:solidFill>
+                <a:latin typeface="Consolas"/>
+              </a:rPr>
+              <a:t>, </a:t>
             </a:r>
             <a:r>
               <a:rPr lang="en-US" b="1" dirty="0">
                 <a:solidFill>
-                  <a:srgbClr val="0600FF"/>
-                </a:solidFill>
-                <a:latin typeface="Consolas"/>
-              </a:rPr>
-              <a:t>Add</a:t>
-            </a:r>
-            <a:r>
-              <a:rPr lang="en-US" dirty="0">
-                <a:solidFill>
-                  <a:srgbClr val="008000"/>
-                </a:solidFill>
-                <a:latin typeface="Consolas"/>
-              </a:rPr>
-              <a:t>&lt;</a:t>
-            </a:r>
-            <a:r>
-              <a:rPr lang="en-US" dirty="0">
-                <a:solidFill>
-                  <a:srgbClr val="000000"/>
-                </a:solidFill>
-                <a:latin typeface="Consolas"/>
-              </a:rPr>
-              <a:t>T</a:t>
-            </a:r>
-            <a:r>
-              <a:rPr lang="en-US" dirty="0">
-                <a:solidFill>
-                  <a:srgbClr val="008000"/>
-                </a:solidFill>
-                <a:latin typeface="Consolas"/>
-              </a:rPr>
-              <a:t>&gt;(</a:t>
-            </a:r>
-            <a:r>
-              <a:rPr lang="en-US" dirty="0">
-                <a:solidFill>
-                  <a:srgbClr val="000000"/>
-                </a:solidFill>
-                <a:latin typeface="Consolas"/>
-              </a:rPr>
-              <a:t>T x, T y</a:t>
-            </a:r>
-            <a:r>
-              <a:rPr lang="en-US" dirty="0">
-                <a:solidFill>
-                  <a:srgbClr val="008000"/>
-                </a:solidFill>
-                <a:latin typeface="Consolas"/>
-              </a:rPr>
-              <a:t>)</a:t>
+                  <a:srgbClr val="6666CC"/>
+                </a:solidFill>
+                <a:latin typeface="Consolas"/>
+              </a:rPr>
+              <a:t>object</a:t>
+            </a:r>
+            <a:r>
+              <a:rPr lang="en-US" dirty="0">
+                <a:solidFill>
+                  <a:srgbClr val="000000"/>
+                </a:solidFill>
+                <a:latin typeface="Consolas"/>
+              </a:rPr>
+              <a:t>, </a:t>
+            </a:r>
+            <a:r>
+              <a:rPr lang="en-US" b="1" dirty="0">
+                <a:solidFill>
+                  <a:srgbClr val="6666CC"/>
+                </a:solidFill>
+                <a:latin typeface="Consolas"/>
+              </a:rPr>
+              <a:t>object</a:t>
+            </a:r>
+            <a:r>
+              <a:rPr lang="en-US" dirty="0">
+                <a:solidFill>
+                  <a:srgbClr val="008000"/>
+                </a:solidFill>
+                <a:latin typeface="Consolas"/>
+              </a:rPr>
+              <a:t>&gt;&gt;</a:t>
+            </a:r>
+            <a:r>
+              <a:rPr lang="en-US" dirty="0">
+                <a:solidFill>
+                  <a:srgbClr val="000000"/>
+                </a:solidFill>
+                <a:latin typeface="Consolas"/>
+              </a:rPr>
+              <a:t> Addable </a:t>
+            </a:r>
+            <a:r>
+              <a:rPr lang="en-US" dirty="0">
+                <a:solidFill>
+                  <a:srgbClr val="008000"/>
+                </a:solidFill>
+                <a:latin typeface="Consolas"/>
+              </a:rPr>
+              <a:t>=</a:t>
             </a:r>
             <a:endParaRPr lang="en-US" dirty="0">
               <a:solidFill>
@@ -27873,22 +27363,121 @@
           <a:p>
             <a:pPr fontAlgn="t"/>
             <a:r>
-              <a:rPr lang="en-US" dirty="0">
-                <a:solidFill>
-                  <a:srgbClr val="000000"/>
-                </a:solidFill>
-                <a:latin typeface="Consolas"/>
-              </a:rPr>
-              <a:t>        </a:t>
-            </a:r>
-            <a:r>
-              <a:rPr lang="en-US" dirty="0">
-                <a:solidFill>
-                  <a:srgbClr val="008000"/>
-                </a:solidFill>
-                <a:latin typeface="Consolas"/>
-              </a:rPr>
-              <a:t>{</a:t>
+              <a:rPr lang="en-US" dirty="0" smtClean="0">
+                <a:solidFill>
+                  <a:srgbClr val="000000"/>
+                </a:solidFill>
+                <a:latin typeface="Consolas"/>
+              </a:rPr>
+              <a:t>  </a:t>
+            </a:r>
+            <a:r>
+              <a:rPr lang="en-US" dirty="0" smtClean="0">
+                <a:solidFill>
+                  <a:srgbClr val="008000"/>
+                </a:solidFill>
+                <a:latin typeface="Consolas"/>
+              </a:rPr>
+              <a:t>new</a:t>
+            </a:r>
+            <a:r>
+              <a:rPr lang="en-US" dirty="0">
+                <a:solidFill>
+                  <a:srgbClr val="000000"/>
+                </a:solidFill>
+                <a:latin typeface="Consolas"/>
+              </a:rPr>
+              <a:t> Dictionary</a:t>
+            </a:r>
+            <a:r>
+              <a:rPr lang="en-US" dirty="0">
+                <a:solidFill>
+                  <a:srgbClr val="008000"/>
+                </a:solidFill>
+                <a:latin typeface="Consolas"/>
+              </a:rPr>
+              <a:t>&lt;</a:t>
+            </a:r>
+            <a:r>
+              <a:rPr lang="en-US" dirty="0">
+                <a:solidFill>
+                  <a:srgbClr val="000000"/>
+                </a:solidFill>
+                <a:latin typeface="Consolas"/>
+              </a:rPr>
+              <a:t>Type, </a:t>
+            </a:r>
+            <a:r>
+              <a:rPr lang="en-US" dirty="0" err="1">
+                <a:solidFill>
+                  <a:srgbClr val="000000"/>
+                </a:solidFill>
+                <a:latin typeface="Consolas"/>
+              </a:rPr>
+              <a:t>Func</a:t>
+            </a:r>
+            <a:r>
+              <a:rPr lang="en-US" dirty="0">
+                <a:solidFill>
+                  <a:srgbClr val="008000"/>
+                </a:solidFill>
+                <a:latin typeface="Consolas"/>
+              </a:rPr>
+              <a:t>&lt;</a:t>
+            </a:r>
+            <a:r>
+              <a:rPr lang="en-US" b="1" dirty="0">
+                <a:solidFill>
+                  <a:srgbClr val="6666CC"/>
+                </a:solidFill>
+                <a:latin typeface="Consolas"/>
+              </a:rPr>
+              <a:t>object</a:t>
+            </a:r>
+            <a:r>
+              <a:rPr lang="en-US" dirty="0">
+                <a:solidFill>
+                  <a:srgbClr val="000000"/>
+                </a:solidFill>
+                <a:latin typeface="Consolas"/>
+              </a:rPr>
+              <a:t>, </a:t>
+            </a:r>
+            <a:r>
+              <a:rPr lang="en-US" b="1" dirty="0">
+                <a:solidFill>
+                  <a:srgbClr val="6666CC"/>
+                </a:solidFill>
+                <a:latin typeface="Consolas"/>
+              </a:rPr>
+              <a:t>object</a:t>
+            </a:r>
+            <a:r>
+              <a:rPr lang="en-US" dirty="0">
+                <a:solidFill>
+                  <a:srgbClr val="000000"/>
+                </a:solidFill>
+                <a:latin typeface="Consolas"/>
+              </a:rPr>
+              <a:t>, </a:t>
+            </a:r>
+            <a:r>
+              <a:rPr lang="en-US" b="1" dirty="0">
+                <a:solidFill>
+                  <a:srgbClr val="6666CC"/>
+                </a:solidFill>
+                <a:latin typeface="Consolas"/>
+              </a:rPr>
+              <a:t>object</a:t>
+            </a:r>
+            <a:r>
+              <a:rPr lang="en-US" dirty="0">
+                <a:solidFill>
+                  <a:srgbClr val="008000"/>
+                </a:solidFill>
+                <a:latin typeface="Consolas"/>
+              </a:rPr>
+              <a:t>&gt;&gt;</a:t>
             </a:r>
             <a:endParaRPr lang="en-US" dirty="0">
               <a:solidFill>
@@ -27906,88 +27495,25 @@
                 </a:solidFill>
                 <a:latin typeface="Consolas"/>
               </a:rPr>
-              <a:t>            </a:t>
-            </a:r>
-            <a:r>
-              <a:rPr lang="en-US" b="1" dirty="0" err="1">
-                <a:solidFill>
-                  <a:srgbClr val="0600FF"/>
-                </a:solidFill>
-                <a:latin typeface="Consolas"/>
-              </a:rPr>
-              <a:t>var</a:t>
-            </a:r>
-            <a:r>
-              <a:rPr lang="en-US" dirty="0">
-                <a:solidFill>
-                  <a:srgbClr val="000000"/>
-                </a:solidFill>
-                <a:latin typeface="Consolas"/>
-              </a:rPr>
-              <a:t> type </a:t>
-            </a:r>
-            <a:r>
-              <a:rPr lang="en-US" dirty="0">
-                <a:solidFill>
-                  <a:srgbClr val="008000"/>
-                </a:solidFill>
-                <a:latin typeface="Consolas"/>
-              </a:rPr>
-              <a:t>=</a:t>
-            </a:r>
-            <a:r>
-              <a:rPr lang="en-US" dirty="0">
-                <a:solidFill>
-                  <a:srgbClr val="000000"/>
-                </a:solidFill>
-                <a:latin typeface="Consolas"/>
-              </a:rPr>
-              <a:t> </a:t>
-            </a:r>
-            <a:r>
-              <a:rPr lang="en-US" dirty="0" err="1">
-                <a:solidFill>
-                  <a:srgbClr val="008000"/>
-                </a:solidFill>
-                <a:latin typeface="Consolas"/>
-              </a:rPr>
-              <a:t>typeof</a:t>
-            </a:r>
-            <a:r>
-              <a:rPr lang="en-US" dirty="0">
-                <a:solidFill>
-                  <a:srgbClr val="000000"/>
-                </a:solidFill>
-                <a:latin typeface="Consolas"/>
-              </a:rPr>
-              <a:t> </a:t>
-            </a:r>
-            <a:r>
-              <a:rPr lang="en-US" dirty="0">
-                <a:solidFill>
-                  <a:srgbClr val="008000"/>
-                </a:solidFill>
-                <a:latin typeface="Consolas"/>
-              </a:rPr>
-              <a:t>(</a:t>
-            </a:r>
-            <a:r>
-              <a:rPr lang="en-US" dirty="0">
-                <a:solidFill>
-                  <a:srgbClr val="000000"/>
-                </a:solidFill>
-                <a:latin typeface="Consolas"/>
-              </a:rPr>
-              <a:t>T</a:t>
-            </a:r>
-            <a:r>
-              <a:rPr lang="en-US" dirty="0">
-                <a:solidFill>
-                  <a:srgbClr val="008000"/>
-                </a:solidFill>
-                <a:latin typeface="Consolas"/>
-              </a:rPr>
-              <a:t>);</a:t>
+              <a:t>  </a:t>
+            </a:r>
+            <a:r>
+              <a:rPr lang="en-US" dirty="0" smtClean="0">
+                <a:solidFill>
+                  <a:srgbClr val="000000"/>
+                </a:solidFill>
+                <a:latin typeface="Consolas"/>
+              </a:rPr>
+              <a:t>  </a:t>
+            </a:r>
+            <a:r>
+              <a:rPr lang="en-US" dirty="0" smtClean="0">
+                <a:solidFill>
+                  <a:srgbClr val="008000"/>
+                </a:solidFill>
+                <a:latin typeface="Consolas"/>
+              </a:rPr>
+              <a:t>{</a:t>
             </a:r>
             <a:endParaRPr lang="en-US" dirty="0">
               <a:solidFill>
@@ -28005,16 +27531,247 @@
                 </a:solidFill>
                 <a:latin typeface="Consolas"/>
               </a:rPr>
-              <a:t>            </a:t>
-            </a:r>
+              <a:t>    </a:t>
+            </a:r>
+            <a:r>
+              <a:rPr lang="en-US" dirty="0" smtClean="0">
+                <a:solidFill>
+                  <a:srgbClr val="000000"/>
+                </a:solidFill>
+                <a:latin typeface="Consolas"/>
+              </a:rPr>
+              <a:t>  </a:t>
+            </a:r>
+            <a:r>
+              <a:rPr lang="en-US" dirty="0" smtClean="0">
+                <a:solidFill>
+                  <a:srgbClr val="008000"/>
+                </a:solidFill>
+                <a:latin typeface="Consolas"/>
+              </a:rPr>
+              <a:t>{</a:t>
+            </a:r>
+            <a:r>
+              <a:rPr lang="en-US" dirty="0" smtClean="0">
+                <a:solidFill>
+                  <a:srgbClr val="000000"/>
+                </a:solidFill>
+                <a:latin typeface="Consolas"/>
+              </a:rPr>
+              <a:t> </a:t>
+            </a:r>
+            <a:r>
+              <a:rPr lang="en-US" dirty="0" err="1" smtClean="0">
+                <a:solidFill>
+                  <a:srgbClr val="008000"/>
+                </a:solidFill>
+                <a:latin typeface="Consolas"/>
+              </a:rPr>
+              <a:t>typeof</a:t>
+            </a:r>
+            <a:r>
+              <a:rPr lang="en-US" dirty="0">
+                <a:solidFill>
+                  <a:srgbClr val="000000"/>
+                </a:solidFill>
+                <a:latin typeface="Consolas"/>
+              </a:rPr>
+              <a:t> </a:t>
+            </a:r>
+            <a:r>
+              <a:rPr lang="en-US" dirty="0">
+                <a:solidFill>
+                  <a:srgbClr val="008000"/>
+                </a:solidFill>
+                <a:latin typeface="Consolas"/>
+              </a:rPr>
+              <a:t>(</a:t>
+            </a:r>
+            <a:r>
+              <a:rPr lang="en-US" dirty="0">
+                <a:solidFill>
+                  <a:srgbClr val="000000"/>
+                </a:solidFill>
+                <a:latin typeface="Consolas"/>
+              </a:rPr>
+              <a:t>Vector</a:t>
+            </a:r>
+            <a:r>
+              <a:rPr lang="en-US" dirty="0">
+                <a:solidFill>
+                  <a:srgbClr val="008000"/>
+                </a:solidFill>
+                <a:latin typeface="Consolas"/>
+              </a:rPr>
+              <a:t>)</a:t>
+            </a:r>
+            <a:r>
+              <a:rPr lang="en-US" dirty="0">
+                <a:solidFill>
+                  <a:srgbClr val="000000"/>
+                </a:solidFill>
+                <a:latin typeface="Consolas"/>
+              </a:rPr>
+              <a:t>, </a:t>
+            </a:r>
+            <a:endParaRPr lang="en-US" dirty="0" smtClean="0">
+              <a:solidFill>
+                <a:srgbClr val="000000"/>
+              </a:solidFill>
+              <a:latin typeface="Consolas"/>
+            </a:endParaRPr>
+          </a:p>
+          <a:p>
+            <a:pPr fontAlgn="t"/>
+            <a:r>
+              <a:rPr lang="en-US" dirty="0">
+                <a:solidFill>
+                  <a:srgbClr val="000000"/>
+                </a:solidFill>
+                <a:latin typeface="Consolas"/>
+              </a:rPr>
+              <a:t> </a:t>
+            </a:r>
+            <a:r>
+              <a:rPr lang="en-US" dirty="0" smtClean="0">
+                <a:solidFill>
+                  <a:srgbClr val="000000"/>
+                </a:solidFill>
+                <a:latin typeface="Consolas"/>
+              </a:rPr>
+              <a:t>       </a:t>
+            </a:r>
+            <a:r>
+              <a:rPr lang="en-US" dirty="0" smtClean="0">
+                <a:solidFill>
+                  <a:srgbClr val="008000"/>
+                </a:solidFill>
+                <a:latin typeface="Consolas"/>
+              </a:rPr>
+              <a:t>(</a:t>
+            </a:r>
+            <a:r>
+              <a:rPr lang="en-US" dirty="0">
+                <a:solidFill>
+                  <a:srgbClr val="000000"/>
+                </a:solidFill>
+                <a:latin typeface="Consolas"/>
+              </a:rPr>
+              <a:t>x, y</a:t>
+            </a:r>
+            <a:r>
+              <a:rPr lang="en-US" dirty="0">
+                <a:solidFill>
+                  <a:srgbClr val="008000"/>
+                </a:solidFill>
+                <a:latin typeface="Consolas"/>
+              </a:rPr>
+              <a:t>)</a:t>
+            </a:r>
+            <a:r>
+              <a:rPr lang="en-US" dirty="0">
+                <a:solidFill>
+                  <a:srgbClr val="000000"/>
+                </a:solidFill>
+                <a:latin typeface="Consolas"/>
+              </a:rPr>
+              <a:t> </a:t>
+            </a:r>
+            <a:r>
+              <a:rPr lang="en-US" dirty="0" smtClean="0">
+                <a:solidFill>
+                  <a:srgbClr val="008000"/>
+                </a:solidFill>
+                <a:latin typeface="Consolas"/>
+              </a:rPr>
+              <a:t>=&gt;</a:t>
+            </a:r>
+          </a:p>
+          <a:p>
+            <a:pPr fontAlgn="t"/>
+            <a:r>
+              <a:rPr lang="en-US" dirty="0">
+                <a:solidFill>
+                  <a:srgbClr val="008000"/>
+                </a:solidFill>
+                <a:latin typeface="Consolas"/>
+              </a:rPr>
+              <a:t> </a:t>
+            </a:r>
+            <a:r>
+              <a:rPr lang="en-US" dirty="0" smtClean="0">
+                <a:solidFill>
+                  <a:srgbClr val="008000"/>
+                </a:solidFill>
+                <a:latin typeface="Consolas"/>
+              </a:rPr>
+              <a:t>         </a:t>
+            </a:r>
+            <a:r>
+              <a:rPr lang="en-US" dirty="0" smtClean="0">
+                <a:solidFill>
+                  <a:srgbClr val="000000"/>
+                </a:solidFill>
+                <a:latin typeface="Consolas"/>
+              </a:rPr>
+              <a:t> </a:t>
+            </a:r>
+            <a:r>
+              <a:rPr lang="en-US" dirty="0" smtClean="0">
+                <a:solidFill>
+                  <a:srgbClr val="008000"/>
+                </a:solidFill>
+                <a:latin typeface="Consolas"/>
+              </a:rPr>
+              <a:t>{</a:t>
+            </a:r>
+          </a:p>
+          <a:p>
+            <a:pPr fontAlgn="t"/>
             <a:r>
               <a:rPr lang="en-US" b="1" dirty="0">
                 <a:solidFill>
+                  <a:srgbClr val="008000"/>
+                </a:solidFill>
+                <a:latin typeface="Consolas"/>
+              </a:rPr>
+              <a:t> </a:t>
+            </a:r>
+            <a:r>
+              <a:rPr lang="en-US" b="1" dirty="0" smtClean="0">
+                <a:solidFill>
+                  <a:srgbClr val="008000"/>
+                </a:solidFill>
+                <a:latin typeface="Consolas"/>
+              </a:rPr>
+              <a:t>             </a:t>
+            </a:r>
+            <a:r>
+              <a:rPr lang="en-US" b="1" dirty="0" err="1" smtClean="0">
+                <a:solidFill>
                   <a:srgbClr val="0600FF"/>
                 </a:solidFill>
                 <a:latin typeface="Consolas"/>
               </a:rPr>
-              <a:t>if</a:t>
+              <a:t>var</a:t>
+            </a:r>
+            <a:r>
+              <a:rPr lang="en-US" dirty="0">
+                <a:solidFill>
+                  <a:srgbClr val="000000"/>
+                </a:solidFill>
+                <a:latin typeface="Consolas"/>
+              </a:rPr>
+              <a:t> v1 </a:t>
+            </a:r>
+            <a:r>
+              <a:rPr lang="en-US" dirty="0">
+                <a:solidFill>
+                  <a:srgbClr val="008000"/>
+                </a:solidFill>
+                <a:latin typeface="Consolas"/>
+              </a:rPr>
+              <a:t>=</a:t>
             </a:r>
             <a:r>
               <a:rPr lang="en-US" dirty="0">
@@ -28035,16 +27792,286 @@
               <a:t>(</a:t>
             </a:r>
             <a:r>
-              <a:rPr lang="en-US" dirty="0" err="1">
-                <a:solidFill>
-                  <a:srgbClr val="000000"/>
-                </a:solidFill>
-                <a:latin typeface="Consolas"/>
-              </a:rPr>
-              <a:t>Addable</a:t>
-            </a:r>
-            <a:r>
-              <a:rPr lang="en-US" dirty="0" err="1">
+              <a:rPr lang="en-US" dirty="0">
+                <a:solidFill>
+                  <a:srgbClr val="000000"/>
+                </a:solidFill>
+                <a:latin typeface="Consolas"/>
+              </a:rPr>
+              <a:t>Vector</a:t>
+            </a:r>
+            <a:r>
+              <a:rPr lang="en-US" dirty="0">
+                <a:solidFill>
+                  <a:srgbClr val="008000"/>
+                </a:solidFill>
+                <a:latin typeface="Consolas"/>
+              </a:rPr>
+              <a:t>)</a:t>
+            </a:r>
+            <a:r>
+              <a:rPr lang="en-US" dirty="0">
+                <a:solidFill>
+                  <a:srgbClr val="000000"/>
+                </a:solidFill>
+                <a:latin typeface="Consolas"/>
+              </a:rPr>
+              <a:t> x</a:t>
+            </a:r>
+            <a:r>
+              <a:rPr lang="en-US" dirty="0" smtClean="0">
+                <a:solidFill>
+                  <a:srgbClr val="008000"/>
+                </a:solidFill>
+                <a:latin typeface="Consolas"/>
+              </a:rPr>
+              <a:t>;</a:t>
+            </a:r>
+          </a:p>
+          <a:p>
+            <a:pPr fontAlgn="t"/>
+            <a:r>
+              <a:rPr lang="en-US" dirty="0">
+                <a:solidFill>
+                  <a:srgbClr val="008000"/>
+                </a:solidFill>
+                <a:latin typeface="Consolas"/>
+              </a:rPr>
+              <a:t> </a:t>
+            </a:r>
+            <a:r>
+              <a:rPr lang="en-US" dirty="0" smtClean="0">
+                <a:solidFill>
+                  <a:srgbClr val="008000"/>
+                </a:solidFill>
+                <a:latin typeface="Consolas"/>
+              </a:rPr>
+              <a:t>            </a:t>
+            </a:r>
+            <a:r>
+              <a:rPr lang="en-US" dirty="0" smtClean="0">
+                <a:solidFill>
+                  <a:srgbClr val="000000"/>
+                </a:solidFill>
+                <a:latin typeface="Consolas"/>
+              </a:rPr>
+              <a:t> </a:t>
+            </a:r>
+            <a:r>
+              <a:rPr lang="en-US" b="1" dirty="0" err="1" smtClean="0">
+                <a:solidFill>
+                  <a:srgbClr val="0600FF"/>
+                </a:solidFill>
+                <a:latin typeface="Consolas"/>
+              </a:rPr>
+              <a:t>var</a:t>
+            </a:r>
+            <a:r>
+              <a:rPr lang="en-US" dirty="0">
+                <a:solidFill>
+                  <a:srgbClr val="000000"/>
+                </a:solidFill>
+                <a:latin typeface="Consolas"/>
+              </a:rPr>
+              <a:t> v2 </a:t>
+            </a:r>
+            <a:r>
+              <a:rPr lang="en-US" dirty="0">
+                <a:solidFill>
+                  <a:srgbClr val="008000"/>
+                </a:solidFill>
+                <a:latin typeface="Consolas"/>
+              </a:rPr>
+              <a:t>=</a:t>
+            </a:r>
+            <a:r>
+              <a:rPr lang="en-US" dirty="0">
+                <a:solidFill>
+                  <a:srgbClr val="000000"/>
+                </a:solidFill>
+                <a:latin typeface="Consolas"/>
+              </a:rPr>
+              <a:t> </a:t>
+            </a:r>
+            <a:r>
+              <a:rPr lang="en-US" dirty="0">
+                <a:solidFill>
+                  <a:srgbClr val="008000"/>
+                </a:solidFill>
+                <a:latin typeface="Consolas"/>
+              </a:rPr>
+              <a:t>(</a:t>
+            </a:r>
+            <a:r>
+              <a:rPr lang="en-US" dirty="0">
+                <a:solidFill>
+                  <a:srgbClr val="000000"/>
+                </a:solidFill>
+                <a:latin typeface="Consolas"/>
+              </a:rPr>
+              <a:t>Vector</a:t>
+            </a:r>
+            <a:r>
+              <a:rPr lang="en-US" dirty="0">
+                <a:solidFill>
+                  <a:srgbClr val="008000"/>
+                </a:solidFill>
+                <a:latin typeface="Consolas"/>
+              </a:rPr>
+              <a:t>)</a:t>
+            </a:r>
+            <a:r>
+              <a:rPr lang="en-US" dirty="0">
+                <a:solidFill>
+                  <a:srgbClr val="000000"/>
+                </a:solidFill>
+                <a:latin typeface="Consolas"/>
+              </a:rPr>
+              <a:t> y</a:t>
+            </a:r>
+            <a:r>
+              <a:rPr lang="en-US" dirty="0" smtClean="0">
+                <a:solidFill>
+                  <a:srgbClr val="008000"/>
+                </a:solidFill>
+                <a:latin typeface="Consolas"/>
+              </a:rPr>
+              <a:t>;</a:t>
+            </a:r>
+          </a:p>
+          <a:p>
+            <a:pPr fontAlgn="t"/>
+            <a:r>
+              <a:rPr lang="en-US" dirty="0">
+                <a:solidFill>
+                  <a:srgbClr val="008000"/>
+                </a:solidFill>
+                <a:latin typeface="Consolas"/>
+              </a:rPr>
+              <a:t> </a:t>
+            </a:r>
+            <a:r>
+              <a:rPr lang="en-US" dirty="0" smtClean="0">
+                <a:solidFill>
+                  <a:srgbClr val="008000"/>
+                </a:solidFill>
+                <a:latin typeface="Consolas"/>
+              </a:rPr>
+              <a:t>            </a:t>
+            </a:r>
+            <a:r>
+              <a:rPr lang="en-US" dirty="0" smtClean="0">
+                <a:solidFill>
+                  <a:srgbClr val="000000"/>
+                </a:solidFill>
+                <a:latin typeface="Consolas"/>
+              </a:rPr>
+              <a:t> </a:t>
+            </a:r>
+            <a:r>
+              <a:rPr lang="en-US" b="1" dirty="0" smtClean="0">
+                <a:solidFill>
+                  <a:srgbClr val="0600FF"/>
+                </a:solidFill>
+                <a:latin typeface="Consolas"/>
+              </a:rPr>
+              <a:t>return</a:t>
+            </a:r>
+            <a:r>
+              <a:rPr lang="en-US" dirty="0">
+                <a:solidFill>
+                  <a:srgbClr val="000000"/>
+                </a:solidFill>
+                <a:latin typeface="Consolas"/>
+              </a:rPr>
+              <a:t> </a:t>
+            </a:r>
+            <a:r>
+              <a:rPr lang="en-US" dirty="0">
+                <a:solidFill>
+                  <a:srgbClr val="008000"/>
+                </a:solidFill>
+                <a:latin typeface="Consolas"/>
+              </a:rPr>
+              <a:t>new</a:t>
+            </a:r>
+            <a:r>
+              <a:rPr lang="en-US" dirty="0">
+                <a:solidFill>
+                  <a:srgbClr val="000000"/>
+                </a:solidFill>
+                <a:latin typeface="Consolas"/>
+              </a:rPr>
+              <a:t> Vector </a:t>
+            </a:r>
+            <a:r>
+              <a:rPr lang="en-US" dirty="0" smtClean="0">
+                <a:solidFill>
+                  <a:srgbClr val="008000"/>
+                </a:solidFill>
+                <a:latin typeface="Consolas"/>
+              </a:rPr>
+              <a:t>{</a:t>
+            </a:r>
+          </a:p>
+          <a:p>
+            <a:pPr fontAlgn="t"/>
+            <a:r>
+              <a:rPr lang="en-US" dirty="0">
+                <a:solidFill>
+                  <a:srgbClr val="008000"/>
+                </a:solidFill>
+                <a:latin typeface="Consolas"/>
+              </a:rPr>
+              <a:t> </a:t>
+            </a:r>
+            <a:r>
+              <a:rPr lang="en-US" dirty="0" smtClean="0">
+                <a:solidFill>
+                  <a:srgbClr val="008000"/>
+                </a:solidFill>
+                <a:latin typeface="Consolas"/>
+              </a:rPr>
+              <a:t>                </a:t>
+            </a:r>
+            <a:r>
+              <a:rPr lang="en-US" dirty="0" smtClean="0">
+                <a:solidFill>
+                  <a:srgbClr val="000000"/>
+                </a:solidFill>
+                <a:latin typeface="Consolas"/>
+              </a:rPr>
+              <a:t>X</a:t>
+            </a:r>
+            <a:r>
+              <a:rPr lang="en-US" dirty="0">
+                <a:solidFill>
+                  <a:srgbClr val="000000"/>
+                </a:solidFill>
+                <a:latin typeface="Consolas"/>
+              </a:rPr>
+              <a:t> </a:t>
+            </a:r>
+            <a:r>
+              <a:rPr lang="en-US" dirty="0">
+                <a:solidFill>
+                  <a:srgbClr val="008000"/>
+                </a:solidFill>
+                <a:latin typeface="Consolas"/>
+              </a:rPr>
+              <a:t>=</a:t>
+            </a:r>
+            <a:r>
+              <a:rPr lang="en-US" dirty="0">
+                <a:solidFill>
+                  <a:srgbClr val="000000"/>
+                </a:solidFill>
+                <a:latin typeface="Consolas"/>
+              </a:rPr>
+              <a:t> v1</a:t>
+            </a:r>
+            <a:r>
+              <a:rPr lang="en-US" dirty="0">
                 <a:solidFill>
                   <a:srgbClr val="008000"/>
                 </a:solidFill>
@@ -28053,40 +28080,208 @@
               <a:t>.</a:t>
             </a:r>
             <a:r>
-              <a:rPr lang="en-US" dirty="0" err="1">
+              <a:rPr lang="en-US" dirty="0">
                 <a:solidFill>
                   <a:srgbClr val="0000FF"/>
                 </a:solidFill>
                 <a:latin typeface="Consolas"/>
               </a:rPr>
-              <a:t>ContainsKey</a:t>
-            </a:r>
-            <a:r>
-              <a:rPr lang="en-US" dirty="0">
-                <a:solidFill>
-                  <a:srgbClr val="008000"/>
-                </a:solidFill>
-                <a:latin typeface="Consolas"/>
-              </a:rPr>
-              <a:t>(</a:t>
-            </a:r>
-            <a:r>
-              <a:rPr lang="en-US" dirty="0">
-                <a:solidFill>
-                  <a:srgbClr val="000000"/>
-                </a:solidFill>
-                <a:latin typeface="Consolas"/>
-              </a:rPr>
-              <a:t>type</a:t>
-            </a:r>
-            <a:r>
-              <a:rPr lang="en-US" dirty="0">
-                <a:solidFill>
-                  <a:srgbClr val="008000"/>
-                </a:solidFill>
-                <a:latin typeface="Consolas"/>
-              </a:rPr>
-              <a:t>))</a:t>
+              <a:t>X</a:t>
+            </a:r>
+            <a:r>
+              <a:rPr lang="en-US" dirty="0">
+                <a:solidFill>
+                  <a:srgbClr val="000000"/>
+                </a:solidFill>
+                <a:latin typeface="Consolas"/>
+              </a:rPr>
+              <a:t> </a:t>
+            </a:r>
+            <a:r>
+              <a:rPr lang="en-US" dirty="0">
+                <a:solidFill>
+                  <a:srgbClr val="008000"/>
+                </a:solidFill>
+                <a:latin typeface="Consolas"/>
+              </a:rPr>
+              <a:t>+</a:t>
+            </a:r>
+            <a:r>
+              <a:rPr lang="en-US" dirty="0">
+                <a:solidFill>
+                  <a:srgbClr val="000000"/>
+                </a:solidFill>
+                <a:latin typeface="Consolas"/>
+              </a:rPr>
+              <a:t> v2</a:t>
+            </a:r>
+            <a:r>
+              <a:rPr lang="en-US" dirty="0">
+                <a:solidFill>
+                  <a:srgbClr val="008000"/>
+                </a:solidFill>
+                <a:latin typeface="Consolas"/>
+              </a:rPr>
+              <a:t>.</a:t>
+            </a:r>
+            <a:r>
+              <a:rPr lang="en-US" dirty="0">
+                <a:solidFill>
+                  <a:srgbClr val="0000FF"/>
+                </a:solidFill>
+                <a:latin typeface="Consolas"/>
+              </a:rPr>
+              <a:t>X</a:t>
+            </a:r>
+            <a:r>
+              <a:rPr lang="en-US" dirty="0" smtClean="0">
+                <a:solidFill>
+                  <a:srgbClr val="000000"/>
+                </a:solidFill>
+                <a:latin typeface="Consolas"/>
+              </a:rPr>
+              <a:t>,</a:t>
+            </a:r>
+          </a:p>
+          <a:p>
+            <a:pPr fontAlgn="t"/>
+            <a:r>
+              <a:rPr lang="en-US" dirty="0">
+                <a:solidFill>
+                  <a:srgbClr val="000000"/>
+                </a:solidFill>
+                <a:latin typeface="Consolas"/>
+              </a:rPr>
+              <a:t> </a:t>
+            </a:r>
+            <a:r>
+              <a:rPr lang="en-US" dirty="0" smtClean="0">
+                <a:solidFill>
+                  <a:srgbClr val="000000"/>
+                </a:solidFill>
+                <a:latin typeface="Consolas"/>
+              </a:rPr>
+              <a:t>                </a:t>
+            </a:r>
+            <a:r>
+              <a:rPr lang="en-US" dirty="0">
+                <a:solidFill>
+                  <a:srgbClr val="000000"/>
+                </a:solidFill>
+                <a:latin typeface="Consolas"/>
+              </a:rPr>
+              <a:t>Y </a:t>
+            </a:r>
+            <a:r>
+              <a:rPr lang="en-US" dirty="0">
+                <a:solidFill>
+                  <a:srgbClr val="008000"/>
+                </a:solidFill>
+                <a:latin typeface="Consolas"/>
+              </a:rPr>
+              <a:t>=</a:t>
+            </a:r>
+            <a:r>
+              <a:rPr lang="en-US" dirty="0">
+                <a:solidFill>
+                  <a:srgbClr val="000000"/>
+                </a:solidFill>
+                <a:latin typeface="Consolas"/>
+              </a:rPr>
+              <a:t> v1</a:t>
+            </a:r>
+            <a:r>
+              <a:rPr lang="en-US" dirty="0">
+                <a:solidFill>
+                  <a:srgbClr val="008000"/>
+                </a:solidFill>
+                <a:latin typeface="Consolas"/>
+              </a:rPr>
+              <a:t>.</a:t>
+            </a:r>
+            <a:r>
+              <a:rPr lang="en-US" dirty="0">
+                <a:solidFill>
+                  <a:srgbClr val="0000FF"/>
+                </a:solidFill>
+                <a:latin typeface="Consolas"/>
+              </a:rPr>
+              <a:t>Y</a:t>
+            </a:r>
+            <a:r>
+              <a:rPr lang="en-US" dirty="0">
+                <a:solidFill>
+                  <a:srgbClr val="000000"/>
+                </a:solidFill>
+                <a:latin typeface="Consolas"/>
+              </a:rPr>
+              <a:t> </a:t>
+            </a:r>
+            <a:r>
+              <a:rPr lang="en-US" dirty="0">
+                <a:solidFill>
+                  <a:srgbClr val="008000"/>
+                </a:solidFill>
+                <a:latin typeface="Consolas"/>
+              </a:rPr>
+              <a:t>+</a:t>
+            </a:r>
+            <a:r>
+              <a:rPr lang="en-US" dirty="0">
+                <a:solidFill>
+                  <a:srgbClr val="000000"/>
+                </a:solidFill>
+                <a:latin typeface="Consolas"/>
+              </a:rPr>
+              <a:t> v2</a:t>
+            </a:r>
+            <a:r>
+              <a:rPr lang="en-US" dirty="0">
+                <a:solidFill>
+                  <a:srgbClr val="008000"/>
+                </a:solidFill>
+                <a:latin typeface="Consolas"/>
+              </a:rPr>
+              <a:t>.</a:t>
+            </a:r>
+            <a:r>
+              <a:rPr lang="en-US" dirty="0">
+                <a:solidFill>
+                  <a:srgbClr val="0000FF"/>
+                </a:solidFill>
+                <a:latin typeface="Consolas"/>
+              </a:rPr>
+              <a:t>Y</a:t>
+            </a:r>
+            <a:r>
+              <a:rPr lang="en-US" dirty="0" smtClean="0">
+                <a:solidFill>
+                  <a:srgbClr val="008000"/>
+                </a:solidFill>
+                <a:latin typeface="Consolas"/>
+              </a:rPr>
+              <a:t>};</a:t>
+            </a:r>
+          </a:p>
+          <a:p>
+            <a:pPr fontAlgn="t"/>
+            <a:r>
+              <a:rPr lang="en-US" dirty="0">
+                <a:solidFill>
+                  <a:srgbClr val="008000"/>
+                </a:solidFill>
+                <a:latin typeface="Consolas"/>
+              </a:rPr>
+              <a:t> </a:t>
+            </a:r>
+            <a:r>
+              <a:rPr lang="en-US" dirty="0" smtClean="0">
+                <a:solidFill>
+                  <a:srgbClr val="008000"/>
+                </a:solidFill>
+                <a:latin typeface="Consolas"/>
+              </a:rPr>
+              <a:t>          }</a:t>
             </a:r>
             <a:endParaRPr lang="en-US" dirty="0">
               <a:solidFill>
@@ -28104,113 +28299,35 @@
                 </a:solidFill>
                 <a:latin typeface="Consolas"/>
               </a:rPr>
-              <a:t>                </a:t>
-            </a:r>
-            <a:r>
-              <a:rPr lang="en-US" b="1" dirty="0">
-                <a:solidFill>
-                  <a:srgbClr val="0600FF"/>
-                </a:solidFill>
-                <a:latin typeface="Consolas"/>
-              </a:rPr>
-              <a:t>return</a:t>
-            </a:r>
-            <a:r>
-              <a:rPr lang="en-US" dirty="0">
-                <a:solidFill>
-                  <a:srgbClr val="000000"/>
-                </a:solidFill>
-                <a:latin typeface="Consolas"/>
-              </a:rPr>
-              <a:t> </a:t>
-            </a:r>
-            <a:r>
-              <a:rPr lang="en-US" dirty="0">
-                <a:solidFill>
-                  <a:srgbClr val="008000"/>
-                </a:solidFill>
-                <a:latin typeface="Consolas"/>
-              </a:rPr>
-              <a:t>(</a:t>
-            </a:r>
-            <a:r>
-              <a:rPr lang="en-US" dirty="0">
-                <a:solidFill>
-                  <a:srgbClr val="000000"/>
-                </a:solidFill>
-                <a:latin typeface="Consolas"/>
-              </a:rPr>
-              <a:t>T</a:t>
-            </a:r>
-            <a:r>
-              <a:rPr lang="en-US" dirty="0">
-                <a:solidFill>
-                  <a:srgbClr val="008000"/>
-                </a:solidFill>
-                <a:latin typeface="Consolas"/>
-              </a:rPr>
-              <a:t>)</a:t>
-            </a:r>
-            <a:r>
-              <a:rPr lang="en-US" dirty="0">
-                <a:solidFill>
-                  <a:srgbClr val="000000"/>
-                </a:solidFill>
-                <a:latin typeface="Consolas"/>
-              </a:rPr>
-              <a:t> Addable</a:t>
-            </a:r>
-            <a:r>
-              <a:rPr lang="en-US" dirty="0">
-                <a:solidFill>
-                  <a:srgbClr val="008000"/>
-                </a:solidFill>
-                <a:latin typeface="Consolas"/>
-              </a:rPr>
-              <a:t>[</a:t>
-            </a:r>
-            <a:r>
-              <a:rPr lang="en-US" dirty="0">
-                <a:solidFill>
-                  <a:srgbClr val="000000"/>
-                </a:solidFill>
-                <a:latin typeface="Consolas"/>
-              </a:rPr>
-              <a:t>type</a:t>
-            </a:r>
-            <a:r>
-              <a:rPr lang="en-US" dirty="0">
-                <a:solidFill>
-                  <a:srgbClr val="008000"/>
-                </a:solidFill>
-                <a:latin typeface="Consolas"/>
-              </a:rPr>
-              <a:t>](</a:t>
-            </a:r>
-            <a:r>
-              <a:rPr lang="en-US" dirty="0">
-                <a:solidFill>
-                  <a:srgbClr val="000000"/>
-                </a:solidFill>
-                <a:latin typeface="Consolas"/>
-              </a:rPr>
-              <a:t>x, y</a:t>
-            </a:r>
-            <a:r>
-              <a:rPr lang="en-US" dirty="0">
-                <a:solidFill>
-                  <a:srgbClr val="008000"/>
-                </a:solidFill>
-                <a:latin typeface="Consolas"/>
-              </a:rPr>
-              <a:t>);</a:t>
-            </a:r>
-            <a:endParaRPr lang="en-US" dirty="0">
-              <a:solidFill>
-                <a:srgbClr val="000000"/>
-              </a:solidFill>
-              <a:latin typeface="Consolas"/>
-            </a:endParaRPr>
+              <a:t>     </a:t>
+            </a:r>
+            <a:r>
+              <a:rPr lang="en-US" dirty="0" smtClean="0">
+                <a:solidFill>
+                  <a:srgbClr val="000000"/>
+                </a:solidFill>
+                <a:latin typeface="Consolas"/>
+              </a:rPr>
+              <a:t> </a:t>
+            </a:r>
+            <a:r>
+              <a:rPr lang="en-US" dirty="0" smtClean="0">
+                <a:solidFill>
+                  <a:srgbClr val="008000"/>
+                </a:solidFill>
+                <a:latin typeface="Consolas"/>
+              </a:rPr>
+              <a:t>}</a:t>
+            </a:r>
+            <a:r>
+              <a:rPr lang="en-US" dirty="0" smtClean="0">
+                <a:solidFill>
+                  <a:srgbClr val="000000"/>
+                </a:solidFill>
+                <a:latin typeface="Consolas"/>
+              </a:rPr>
+              <a:t>,</a:t>
+            </a:r>
           </a:p>
           <a:p>
             <a:pPr fontAlgn="t"/>
@@ -28221,88 +28338,37 @@
                 </a:solidFill>
                 <a:latin typeface="Consolas"/>
               </a:rPr>
-              <a:t>            </a:t>
-            </a:r>
-            <a:r>
-              <a:rPr lang="en-US" b="1" dirty="0">
-                <a:solidFill>
-                  <a:srgbClr val="0600FF"/>
-                </a:solidFill>
-                <a:latin typeface="Consolas"/>
-              </a:rPr>
-              <a:t>throw</a:t>
-            </a:r>
-            <a:r>
-              <a:rPr lang="en-US" dirty="0">
-                <a:solidFill>
-                  <a:srgbClr val="000000"/>
-                </a:solidFill>
-                <a:latin typeface="Consolas"/>
-              </a:rPr>
-              <a:t> </a:t>
-            </a:r>
-            <a:r>
-              <a:rPr lang="en-US" dirty="0">
-                <a:solidFill>
-                  <a:srgbClr val="008000"/>
-                </a:solidFill>
-                <a:latin typeface="Consolas"/>
-              </a:rPr>
-              <a:t>new</a:t>
-            </a:r>
-            <a:r>
-              <a:rPr lang="en-US" dirty="0">
-                <a:solidFill>
-                  <a:srgbClr val="000000"/>
-                </a:solidFill>
-                <a:latin typeface="Consolas"/>
-              </a:rPr>
-              <a:t> </a:t>
-            </a:r>
-            <a:r>
-              <a:rPr lang="en-US" dirty="0" err="1">
-                <a:solidFill>
-                  <a:srgbClr val="000000"/>
-                </a:solidFill>
-                <a:latin typeface="Consolas"/>
-              </a:rPr>
-              <a:t>ArgumentException</a:t>
+              <a:t> </a:t>
             </a:r>
             <a:r>
               <a:rPr lang="en-US" dirty="0" smtClean="0">
                 <a:solidFill>
-                  <a:srgbClr val="008000"/>
-                </a:solidFill>
-                <a:latin typeface="Consolas"/>
-              </a:rPr>
-              <a:t>(...);</a:t>
-            </a:r>
-            <a:endParaRPr lang="en-US" dirty="0">
-              <a:solidFill>
-                <a:srgbClr val="000000"/>
-              </a:solidFill>
-              <a:latin typeface="Consolas"/>
-            </a:endParaRPr>
+                  <a:srgbClr val="000000"/>
+                </a:solidFill>
+                <a:latin typeface="Consolas"/>
+              </a:rPr>
+              <a:t>     </a:t>
+            </a:r>
+            <a:r>
+              <a:rPr lang="en-US" dirty="0" smtClean="0">
+                <a:solidFill>
+                  <a:srgbClr val="008000"/>
+                </a:solidFill>
+                <a:latin typeface="Consolas"/>
+              </a:rPr>
+              <a:t>...</a:t>
+            </a:r>
           </a:p>
           <a:p>
             <a:pPr fontAlgn="t"/>
             <a:r>
-              <a:rPr lang="en-US" dirty="0">
-                <a:solidFill>
-                  <a:srgbClr val="000000"/>
-                </a:solidFill>
-                <a:latin typeface="Consolas"/>
-              </a:rPr>
-              <a:t>        </a:t>
-            </a:r>
-            <a:r>
-              <a:rPr lang="en-US" dirty="0">
-                <a:solidFill>
-                  <a:srgbClr val="008000"/>
-                </a:solidFill>
-                <a:latin typeface="Consolas"/>
-              </a:rPr>
-              <a:t>}</a:t>
+              <a:rPr lang="en-US" dirty="0" smtClean="0">
+                <a:solidFill>
+                  <a:srgbClr val="008000"/>
+                </a:solidFill>
+                <a:latin typeface="Consolas"/>
+              </a:rPr>
+              <a:t>};</a:t>
             </a:r>
             <a:endParaRPr lang="en-US" b="0" i="0" dirty="0">
               <a:solidFill>
@@ -28317,7 +28383,7 @@
     </p:spTree>
     <p:extLst>
       <p:ext uri="{BB962C8B-B14F-4D97-AF65-F5344CB8AC3E}">
-        <p14:creationId xmlns:p14="http://schemas.microsoft.com/office/powerpoint/2010/main" val="2877060180"/>
+        <p14:creationId xmlns:p14="http://schemas.microsoft.com/office/powerpoint/2010/main" val="4067688543"/>
       </p:ext>
     </p:extLst>
   </p:cSld>
@@ -28376,7 +28442,11 @@
           <a:p>
             <a:r>
               <a:rPr lang="ru-RU" dirty="0" smtClean="0"/>
-              <a:t>Минусы</a:t>
+              <a:t>Решение: </a:t>
+            </a:r>
+            <a:r>
+              <a:rPr lang="en-US" dirty="0" smtClean="0"/>
+              <a:t>Addable</a:t>
             </a:r>
             <a:endParaRPr lang="en-US" dirty="0"/>
           </a:p>
@@ -28384,47 +28454,571 @@
       </p:sp>
       <p:sp>
         <p:nvSpPr>
-          <p:cNvPr id="3" name="Объект 2"/>
-          <p:cNvSpPr>
-            <a:spLocks noGrp="1"/>
-          </p:cNvSpPr>
-          <p:nvPr>
-            <p:ph idx="1"/>
-          </p:nvPr>
+          <p:cNvPr id="4" name="Прямоугольник 3"/>
+          <p:cNvSpPr/>
+          <p:nvPr/>
         </p:nvSpPr>
-        <p:spPr/>
+        <p:spPr>
+          <a:xfrm>
+            <a:off x="495300" y="2413338"/>
+            <a:ext cx="8153400" cy="2031325"/>
+          </a:xfrm>
+          <a:prstGeom prst="rect">
+            <a:avLst/>
+          </a:prstGeom>
+        </p:spPr>
         <p:txBody>
-          <a:bodyPr/>
+          <a:bodyPr wrap="square">
+            <a:spAutoFit/>
+          </a:bodyPr>
           <a:lstStyle/>
           <a:p>
-            <a:r>
-              <a:rPr lang="ru-RU" dirty="0" smtClean="0"/>
-              <a:t>Не </a:t>
-            </a:r>
-            <a:r>
-              <a:rPr lang="en-US" dirty="0" smtClean="0"/>
-              <a:t>type-safe</a:t>
-            </a:r>
-          </a:p>
-          <a:p>
-            <a:r>
-              <a:rPr lang="ru-RU" dirty="0" smtClean="0"/>
-              <a:t>Одна глобальная переменная, которая хранит всю информацию об экземплярах</a:t>
-            </a:r>
-          </a:p>
-          <a:p>
-            <a:r>
-              <a:rPr lang="ru-RU" dirty="0" smtClean="0"/>
-              <a:t>Довольно некрасиво выглядит</a:t>
-            </a:r>
-            <a:endParaRPr lang="en-US" dirty="0"/>
+            <a:pPr fontAlgn="t"/>
+            <a:r>
+              <a:rPr lang="en-US" b="1" dirty="0">
+                <a:solidFill>
+                  <a:srgbClr val="0600FF"/>
+                </a:solidFill>
+                <a:latin typeface="Consolas"/>
+              </a:rPr>
+              <a:t>public</a:t>
+            </a:r>
+            <a:r>
+              <a:rPr lang="en-US" dirty="0">
+                <a:solidFill>
+                  <a:srgbClr val="000000"/>
+                </a:solidFill>
+                <a:latin typeface="Consolas"/>
+              </a:rPr>
+              <a:t> </a:t>
+            </a:r>
+            <a:r>
+              <a:rPr lang="en-US" b="1" dirty="0">
+                <a:solidFill>
+                  <a:srgbClr val="0600FF"/>
+                </a:solidFill>
+                <a:latin typeface="Consolas"/>
+              </a:rPr>
+              <a:t>static</a:t>
+            </a:r>
+            <a:r>
+              <a:rPr lang="en-US" dirty="0">
+                <a:solidFill>
+                  <a:srgbClr val="000000"/>
+                </a:solidFill>
+                <a:latin typeface="Consolas"/>
+              </a:rPr>
+              <a:t> T </a:t>
+            </a:r>
+            <a:r>
+              <a:rPr lang="en-US" b="1" dirty="0">
+                <a:solidFill>
+                  <a:srgbClr val="0600FF"/>
+                </a:solidFill>
+                <a:latin typeface="Consolas"/>
+              </a:rPr>
+              <a:t>Add</a:t>
+            </a:r>
+            <a:r>
+              <a:rPr lang="en-US" dirty="0">
+                <a:solidFill>
+                  <a:srgbClr val="008000"/>
+                </a:solidFill>
+                <a:latin typeface="Consolas"/>
+              </a:rPr>
+              <a:t>&lt;</a:t>
+            </a:r>
+            <a:r>
+              <a:rPr lang="en-US" dirty="0">
+                <a:solidFill>
+                  <a:srgbClr val="000000"/>
+                </a:solidFill>
+                <a:latin typeface="Consolas"/>
+              </a:rPr>
+              <a:t>T</a:t>
+            </a:r>
+            <a:r>
+              <a:rPr lang="en-US" dirty="0">
+                <a:solidFill>
+                  <a:srgbClr val="008000"/>
+                </a:solidFill>
+                <a:latin typeface="Consolas"/>
+              </a:rPr>
+              <a:t>&gt;(</a:t>
+            </a:r>
+            <a:r>
+              <a:rPr lang="en-US" dirty="0">
+                <a:solidFill>
+                  <a:srgbClr val="000000"/>
+                </a:solidFill>
+                <a:latin typeface="Consolas"/>
+              </a:rPr>
+              <a:t>T x, T y</a:t>
+            </a:r>
+            <a:r>
+              <a:rPr lang="en-US" dirty="0">
+                <a:solidFill>
+                  <a:srgbClr val="008000"/>
+                </a:solidFill>
+                <a:latin typeface="Consolas"/>
+              </a:rPr>
+              <a:t>)</a:t>
+            </a:r>
+            <a:endParaRPr lang="en-US" dirty="0">
+              <a:solidFill>
+                <a:srgbClr val="000000"/>
+              </a:solidFill>
+              <a:latin typeface="Consolas"/>
+            </a:endParaRPr>
+          </a:p>
+          <a:p>
+            <a:pPr fontAlgn="t"/>
+            <a:r>
+              <a:rPr lang="en-US" dirty="0">
+                <a:solidFill>
+                  <a:srgbClr val="000000"/>
+                </a:solidFill>
+                <a:latin typeface="Consolas"/>
+              </a:rPr>
+              <a:t>        </a:t>
+            </a:r>
+            <a:r>
+              <a:rPr lang="en-US" dirty="0">
+                <a:solidFill>
+                  <a:srgbClr val="008000"/>
+                </a:solidFill>
+                <a:latin typeface="Consolas"/>
+              </a:rPr>
+              <a:t>{</a:t>
+            </a:r>
+            <a:endParaRPr lang="en-US" dirty="0">
+              <a:solidFill>
+                <a:srgbClr val="000000"/>
+              </a:solidFill>
+              <a:latin typeface="Consolas"/>
+            </a:endParaRPr>
+          </a:p>
+          <a:p>
+            <a:pPr fontAlgn="t"/>
+            <a:r>
+              <a:rPr lang="en-US" dirty="0">
+                <a:solidFill>
+                  <a:srgbClr val="000000"/>
+                </a:solidFill>
+                <a:latin typeface="Consolas"/>
+              </a:rPr>
+              <a:t>            </a:t>
+            </a:r>
+            <a:r>
+              <a:rPr lang="en-US" b="1" dirty="0" err="1">
+                <a:solidFill>
+                  <a:srgbClr val="0600FF"/>
+                </a:solidFill>
+                <a:latin typeface="Consolas"/>
+              </a:rPr>
+              <a:t>var</a:t>
+            </a:r>
+            <a:r>
+              <a:rPr lang="en-US" dirty="0">
+                <a:solidFill>
+                  <a:srgbClr val="000000"/>
+                </a:solidFill>
+                <a:latin typeface="Consolas"/>
+              </a:rPr>
+              <a:t> type </a:t>
+            </a:r>
+            <a:r>
+              <a:rPr lang="en-US" dirty="0">
+                <a:solidFill>
+                  <a:srgbClr val="008000"/>
+                </a:solidFill>
+                <a:latin typeface="Consolas"/>
+              </a:rPr>
+              <a:t>=</a:t>
+            </a:r>
+            <a:r>
+              <a:rPr lang="en-US" dirty="0">
+                <a:solidFill>
+                  <a:srgbClr val="000000"/>
+                </a:solidFill>
+                <a:latin typeface="Consolas"/>
+              </a:rPr>
+              <a:t> </a:t>
+            </a:r>
+            <a:r>
+              <a:rPr lang="en-US" dirty="0" err="1">
+                <a:solidFill>
+                  <a:srgbClr val="008000"/>
+                </a:solidFill>
+                <a:latin typeface="Consolas"/>
+              </a:rPr>
+              <a:t>typeof</a:t>
+            </a:r>
+            <a:r>
+              <a:rPr lang="en-US" dirty="0">
+                <a:solidFill>
+                  <a:srgbClr val="000000"/>
+                </a:solidFill>
+                <a:latin typeface="Consolas"/>
+              </a:rPr>
+              <a:t> </a:t>
+            </a:r>
+            <a:r>
+              <a:rPr lang="en-US" dirty="0">
+                <a:solidFill>
+                  <a:srgbClr val="008000"/>
+                </a:solidFill>
+                <a:latin typeface="Consolas"/>
+              </a:rPr>
+              <a:t>(</a:t>
+            </a:r>
+            <a:r>
+              <a:rPr lang="en-US" dirty="0">
+                <a:solidFill>
+                  <a:srgbClr val="000000"/>
+                </a:solidFill>
+                <a:latin typeface="Consolas"/>
+              </a:rPr>
+              <a:t>T</a:t>
+            </a:r>
+            <a:r>
+              <a:rPr lang="en-US" dirty="0">
+                <a:solidFill>
+                  <a:srgbClr val="008000"/>
+                </a:solidFill>
+                <a:latin typeface="Consolas"/>
+              </a:rPr>
+              <a:t>);</a:t>
+            </a:r>
+            <a:endParaRPr lang="en-US" dirty="0">
+              <a:solidFill>
+                <a:srgbClr val="000000"/>
+              </a:solidFill>
+              <a:latin typeface="Consolas"/>
+            </a:endParaRPr>
+          </a:p>
+          <a:p>
+            <a:pPr fontAlgn="t"/>
+            <a:r>
+              <a:rPr lang="en-US" dirty="0">
+                <a:solidFill>
+                  <a:srgbClr val="000000"/>
+                </a:solidFill>
+                <a:latin typeface="Consolas"/>
+              </a:rPr>
+              <a:t>            </a:t>
+            </a:r>
+            <a:r>
+              <a:rPr lang="en-US" b="1" dirty="0">
+                <a:solidFill>
+                  <a:srgbClr val="0600FF"/>
+                </a:solidFill>
+                <a:latin typeface="Consolas"/>
+              </a:rPr>
+              <a:t>if</a:t>
+            </a:r>
+            <a:r>
+              <a:rPr lang="en-US" dirty="0">
+                <a:solidFill>
+                  <a:srgbClr val="000000"/>
+                </a:solidFill>
+                <a:latin typeface="Consolas"/>
+              </a:rPr>
+              <a:t> </a:t>
+            </a:r>
+            <a:r>
+              <a:rPr lang="en-US" dirty="0">
+                <a:solidFill>
+                  <a:srgbClr val="008000"/>
+                </a:solidFill>
+                <a:latin typeface="Consolas"/>
+              </a:rPr>
+              <a:t>(</a:t>
+            </a:r>
+            <a:r>
+              <a:rPr lang="en-US" dirty="0" err="1">
+                <a:solidFill>
+                  <a:srgbClr val="000000"/>
+                </a:solidFill>
+                <a:latin typeface="Consolas"/>
+              </a:rPr>
+              <a:t>Addable</a:t>
+            </a:r>
+            <a:r>
+              <a:rPr lang="en-US" dirty="0" err="1">
+                <a:solidFill>
+                  <a:srgbClr val="008000"/>
+                </a:solidFill>
+                <a:latin typeface="Consolas"/>
+              </a:rPr>
+              <a:t>.</a:t>
+            </a:r>
+            <a:r>
+              <a:rPr lang="en-US" dirty="0" err="1">
+                <a:solidFill>
+                  <a:srgbClr val="0000FF"/>
+                </a:solidFill>
+                <a:latin typeface="Consolas"/>
+              </a:rPr>
+              <a:t>ContainsKey</a:t>
+            </a:r>
+            <a:r>
+              <a:rPr lang="en-US" dirty="0">
+                <a:solidFill>
+                  <a:srgbClr val="008000"/>
+                </a:solidFill>
+                <a:latin typeface="Consolas"/>
+              </a:rPr>
+              <a:t>(</a:t>
+            </a:r>
+            <a:r>
+              <a:rPr lang="en-US" dirty="0">
+                <a:solidFill>
+                  <a:srgbClr val="000000"/>
+                </a:solidFill>
+                <a:latin typeface="Consolas"/>
+              </a:rPr>
+              <a:t>type</a:t>
+            </a:r>
+            <a:r>
+              <a:rPr lang="en-US" dirty="0">
+                <a:solidFill>
+                  <a:srgbClr val="008000"/>
+                </a:solidFill>
+                <a:latin typeface="Consolas"/>
+              </a:rPr>
+              <a:t>))</a:t>
+            </a:r>
+            <a:endParaRPr lang="en-US" dirty="0">
+              <a:solidFill>
+                <a:srgbClr val="000000"/>
+              </a:solidFill>
+              <a:latin typeface="Consolas"/>
+            </a:endParaRPr>
+          </a:p>
+          <a:p>
+            <a:pPr fontAlgn="t"/>
+            <a:r>
+              <a:rPr lang="en-US" dirty="0">
+                <a:solidFill>
+                  <a:srgbClr val="000000"/>
+                </a:solidFill>
+                <a:latin typeface="Consolas"/>
+              </a:rPr>
+              <a:t>                </a:t>
+            </a:r>
+            <a:r>
+              <a:rPr lang="en-US" b="1" dirty="0">
+                <a:solidFill>
+                  <a:srgbClr val="0600FF"/>
+                </a:solidFill>
+                <a:latin typeface="Consolas"/>
+              </a:rPr>
+              <a:t>return</a:t>
+            </a:r>
+            <a:r>
+              <a:rPr lang="en-US" dirty="0">
+                <a:solidFill>
+                  <a:srgbClr val="000000"/>
+                </a:solidFill>
+                <a:latin typeface="Consolas"/>
+              </a:rPr>
+              <a:t> </a:t>
+            </a:r>
+            <a:r>
+              <a:rPr lang="en-US" dirty="0">
+                <a:solidFill>
+                  <a:srgbClr val="008000"/>
+                </a:solidFill>
+                <a:latin typeface="Consolas"/>
+              </a:rPr>
+              <a:t>(</a:t>
+            </a:r>
+            <a:r>
+              <a:rPr lang="en-US" dirty="0">
+                <a:solidFill>
+                  <a:srgbClr val="000000"/>
+                </a:solidFill>
+                <a:latin typeface="Consolas"/>
+              </a:rPr>
+              <a:t>T</a:t>
+            </a:r>
+            <a:r>
+              <a:rPr lang="en-US" dirty="0">
+                <a:solidFill>
+                  <a:srgbClr val="008000"/>
+                </a:solidFill>
+                <a:latin typeface="Consolas"/>
+              </a:rPr>
+              <a:t>)</a:t>
+            </a:r>
+            <a:r>
+              <a:rPr lang="en-US" dirty="0">
+                <a:solidFill>
+                  <a:srgbClr val="000000"/>
+                </a:solidFill>
+                <a:latin typeface="Consolas"/>
+              </a:rPr>
+              <a:t> Addable</a:t>
+            </a:r>
+            <a:r>
+              <a:rPr lang="en-US" dirty="0">
+                <a:solidFill>
+                  <a:srgbClr val="008000"/>
+                </a:solidFill>
+                <a:latin typeface="Consolas"/>
+              </a:rPr>
+              <a:t>[</a:t>
+            </a:r>
+            <a:r>
+              <a:rPr lang="en-US" dirty="0">
+                <a:solidFill>
+                  <a:srgbClr val="000000"/>
+                </a:solidFill>
+                <a:latin typeface="Consolas"/>
+              </a:rPr>
+              <a:t>type</a:t>
+            </a:r>
+            <a:r>
+              <a:rPr lang="en-US" dirty="0">
+                <a:solidFill>
+                  <a:srgbClr val="008000"/>
+                </a:solidFill>
+                <a:latin typeface="Consolas"/>
+              </a:rPr>
+              <a:t>](</a:t>
+            </a:r>
+            <a:r>
+              <a:rPr lang="en-US" dirty="0">
+                <a:solidFill>
+                  <a:srgbClr val="000000"/>
+                </a:solidFill>
+                <a:latin typeface="Consolas"/>
+              </a:rPr>
+              <a:t>x, y</a:t>
+            </a:r>
+            <a:r>
+              <a:rPr lang="en-US" dirty="0">
+                <a:solidFill>
+                  <a:srgbClr val="008000"/>
+                </a:solidFill>
+                <a:latin typeface="Consolas"/>
+              </a:rPr>
+              <a:t>);</a:t>
+            </a:r>
+            <a:endParaRPr lang="en-US" dirty="0">
+              <a:solidFill>
+                <a:srgbClr val="000000"/>
+              </a:solidFill>
+              <a:latin typeface="Consolas"/>
+            </a:endParaRPr>
+          </a:p>
+          <a:p>
+            <a:pPr fontAlgn="t"/>
+            <a:r>
+              <a:rPr lang="en-US" dirty="0">
+                <a:solidFill>
+                  <a:srgbClr val="000000"/>
+                </a:solidFill>
+                <a:latin typeface="Consolas"/>
+              </a:rPr>
+              <a:t>            </a:t>
+            </a:r>
+            <a:r>
+              <a:rPr lang="en-US" b="1" dirty="0">
+                <a:solidFill>
+                  <a:srgbClr val="0600FF"/>
+                </a:solidFill>
+                <a:latin typeface="Consolas"/>
+              </a:rPr>
+              <a:t>throw</a:t>
+            </a:r>
+            <a:r>
+              <a:rPr lang="en-US" dirty="0">
+                <a:solidFill>
+                  <a:srgbClr val="000000"/>
+                </a:solidFill>
+                <a:latin typeface="Consolas"/>
+              </a:rPr>
+              <a:t> </a:t>
+            </a:r>
+            <a:r>
+              <a:rPr lang="en-US" dirty="0">
+                <a:solidFill>
+                  <a:srgbClr val="008000"/>
+                </a:solidFill>
+                <a:latin typeface="Consolas"/>
+              </a:rPr>
+              <a:t>new</a:t>
+            </a:r>
+            <a:r>
+              <a:rPr lang="en-US" dirty="0">
+                <a:solidFill>
+                  <a:srgbClr val="000000"/>
+                </a:solidFill>
+                <a:latin typeface="Consolas"/>
+              </a:rPr>
+              <a:t> </a:t>
+            </a:r>
+            <a:r>
+              <a:rPr lang="en-US" dirty="0" err="1">
+                <a:solidFill>
+                  <a:srgbClr val="000000"/>
+                </a:solidFill>
+                <a:latin typeface="Consolas"/>
+              </a:rPr>
+              <a:t>ArgumentException</a:t>
+            </a:r>
+            <a:r>
+              <a:rPr lang="en-US" dirty="0" smtClean="0">
+                <a:solidFill>
+                  <a:srgbClr val="008000"/>
+                </a:solidFill>
+                <a:latin typeface="Consolas"/>
+              </a:rPr>
+              <a:t>(...);</a:t>
+            </a:r>
+            <a:endParaRPr lang="en-US" dirty="0">
+              <a:solidFill>
+                <a:srgbClr val="000000"/>
+              </a:solidFill>
+              <a:latin typeface="Consolas"/>
+            </a:endParaRPr>
+          </a:p>
+          <a:p>
+            <a:pPr fontAlgn="t"/>
+            <a:r>
+              <a:rPr lang="en-US" dirty="0">
+                <a:solidFill>
+                  <a:srgbClr val="000000"/>
+                </a:solidFill>
+                <a:latin typeface="Consolas"/>
+              </a:rPr>
+              <a:t>        </a:t>
+            </a:r>
+            <a:r>
+              <a:rPr lang="en-US" dirty="0">
+                <a:solidFill>
+                  <a:srgbClr val="008000"/>
+                </a:solidFill>
+                <a:latin typeface="Consolas"/>
+              </a:rPr>
+              <a:t>}</a:t>
+            </a:r>
+            <a:endParaRPr lang="en-US" b="0" i="0" dirty="0">
+              <a:solidFill>
+                <a:srgbClr val="000000"/>
+              </a:solidFill>
+              <a:effectLst/>
+              <a:latin typeface="Consolas"/>
+            </a:endParaRPr>
           </a:p>
         </p:txBody>
       </p:sp>
     </p:spTree>
     <p:extLst>
       <p:ext uri="{BB962C8B-B14F-4D97-AF65-F5344CB8AC3E}">
-        <p14:creationId xmlns:p14="http://schemas.microsoft.com/office/powerpoint/2010/main" val="694469909"/>
+        <p14:creationId xmlns:p14="http://schemas.microsoft.com/office/powerpoint/2010/main" val="2877060180"/>
       </p:ext>
     </p:extLst>
   </p:cSld>
@@ -28476,6 +29070,113 @@
             <p:ph type="title"/>
           </p:nvPr>
         </p:nvSpPr>
+        <p:spPr/>
+        <p:txBody>
+          <a:bodyPr/>
+          <a:lstStyle/>
+          <a:p>
+            <a:r>
+              <a:rPr lang="ru-RU" dirty="0" smtClean="0"/>
+              <a:t>Минусы</a:t>
+            </a:r>
+            <a:endParaRPr lang="en-US" dirty="0"/>
+          </a:p>
+        </p:txBody>
+      </p:sp>
+      <p:sp>
+        <p:nvSpPr>
+          <p:cNvPr id="3" name="Объект 2"/>
+          <p:cNvSpPr>
+            <a:spLocks noGrp="1"/>
+          </p:cNvSpPr>
+          <p:nvPr>
+            <p:ph idx="1"/>
+          </p:nvPr>
+        </p:nvSpPr>
+        <p:spPr/>
+        <p:txBody>
+          <a:bodyPr/>
+          <a:lstStyle/>
+          <a:p>
+            <a:r>
+              <a:rPr lang="ru-RU" dirty="0" smtClean="0"/>
+              <a:t>Не </a:t>
+            </a:r>
+            <a:r>
+              <a:rPr lang="en-US" dirty="0" smtClean="0"/>
+              <a:t>type-safe</a:t>
+            </a:r>
+          </a:p>
+          <a:p>
+            <a:r>
+              <a:rPr lang="ru-RU" dirty="0" smtClean="0"/>
+              <a:t>Одна глобальная переменная, которая хранит всю информацию об экземплярах</a:t>
+            </a:r>
+          </a:p>
+          <a:p>
+            <a:r>
+              <a:rPr lang="ru-RU" dirty="0" smtClean="0"/>
+              <a:t>Довольно некрасиво выглядит</a:t>
+            </a:r>
+            <a:endParaRPr lang="en-US" dirty="0"/>
+          </a:p>
+        </p:txBody>
+      </p:sp>
+    </p:spTree>
+    <p:extLst>
+      <p:ext uri="{BB962C8B-B14F-4D97-AF65-F5344CB8AC3E}">
+        <p14:creationId xmlns:p14="http://schemas.microsoft.com/office/powerpoint/2010/main" val="694469909"/>
+      </p:ext>
+    </p:extLst>
+  </p:cSld>
+  <p:clrMapOvr>
+    <a:masterClrMapping/>
+  </p:clrMapOvr>
+  <mc:AlternateContent xmlns:mc="http://schemas.openxmlformats.org/markup-compatibility/2006" xmlns:p14="http://schemas.microsoft.com/office/powerpoint/2010/main">
+    <mc:Choice Requires="p14">
+      <p:transition spd="slow" p14:dur="2000"/>
+    </mc:Choice>
+    <mc:Fallback xmlns="">
+      <p:transition spd="slow"/>
+    </mc:Fallback>
+  </mc:AlternateContent>
+  <p:timing>
+    <p:tnLst>
+      <p:par>
+        <p:cTn id="1" dur="indefinite" restart="never" nodeType="tmRoot"/>
+      </p:par>
+    </p:tnLst>
+  </p:timing>
+</p:sld>
+</file>
+
+<file path=ppt/slides/slide66.xml><?xml version="1.0" encoding="utf-8"?>
+<p:sld xmlns:a="http://schemas.openxmlformats.org/drawingml/2006/main" xmlns:r="http://schemas.openxmlformats.org/officeDocument/2006/relationships" xmlns:p="http://schemas.openxmlformats.org/presentationml/2006/main" show="0">
+  <p:cSld>
+    <p:spTree>
+      <p:nvGrpSpPr>
+        <p:cNvPr id="1" name=""/>
+        <p:cNvGrpSpPr/>
+        <p:nvPr/>
+      </p:nvGrpSpPr>
+      <p:grpSpPr>
+        <a:xfrm>
+          <a:off x="0" y="0"/>
+          <a:ext cx="0" cy="0"/>
+          <a:chOff x="0" y="0"/>
+          <a:chExt cx="0" cy="0"/>
+        </a:xfrm>
+      </p:grpSpPr>
+      <p:sp>
+        <p:nvSpPr>
+          <p:cNvPr id="2" name="Заголовок 1"/>
+          <p:cNvSpPr>
+            <a:spLocks noGrp="1"/>
+          </p:cNvSpPr>
+          <p:nvPr>
+            <p:ph type="title"/>
+          </p:nvPr>
+        </p:nvSpPr>
         <p:spPr>
           <a:xfrm>
             <a:off x="457200" y="2857500"/>
@@ -28526,7 +29227,7 @@
 </p:sld>
 </file>
 
-<file path=ppt/slides/slide66.xml><?xml version="1.0" encoding="utf-8"?>
+<file path=ppt/slides/slide67.xml><?xml version="1.0" encoding="utf-8"?>
 <p:sld xmlns:a="http://schemas.openxmlformats.org/drawingml/2006/main" xmlns:r="http://schemas.openxmlformats.org/officeDocument/2006/relationships" xmlns:p="http://schemas.openxmlformats.org/presentationml/2006/main" show="0">
   <p:cSld>
     <p:spTree>

--- a/02-FP/FP in C# 2014.pptx
+++ b/02-FP/FP in C# 2014.pptx
@@ -175,7 +175,7 @@
   </p:defaultTextStyle>
   <p:extLst>
     <p:ext uri="{EFAFB233-063F-42B5-8137-9DF3F51BA10A}">
-      <p15:sldGuideLst xmlns:p15="http://schemas.microsoft.com/office/powerpoint/2012/main" xmlns="">
+      <p15:sldGuideLst xmlns="" xmlns:p15="http://schemas.microsoft.com/office/powerpoint/2012/main">
         <p15:guide id="1" orient="horz" pos="2160">
           <p15:clr>
             <a:srgbClr val="A4A3A4"/>
@@ -274,7 +274,7 @@
           <a:p>
             <a:fld id="{E9BEE368-798F-4A61-8EEF-592E4439C395}" type="datetimeFigureOut">
               <a:rPr lang="ru-RU" smtClean="0"/>
-              <a:t>30.06.2014</a:t>
+              <a:t>01.07.2014</a:t>
             </a:fld>
             <a:endParaRPr lang="ru-RU"/>
           </a:p>
@@ -953,7 +953,7 @@
           <a:p>
             <a:fld id="{28F07824-568C-43BC-A4F3-FD94E888AE25}" type="datetimeFigureOut">
               <a:rPr lang="ru-RU" smtClean="0"/>
-              <a:t>30.06.2014</a:t>
+              <a:t>01.07.2014</a:t>
             </a:fld>
             <a:endParaRPr lang="ru-RU"/>
           </a:p>
@@ -1123,7 +1123,7 @@
           <a:p>
             <a:fld id="{28F07824-568C-43BC-A4F3-FD94E888AE25}" type="datetimeFigureOut">
               <a:rPr lang="ru-RU" smtClean="0"/>
-              <a:t>30.06.2014</a:t>
+              <a:t>01.07.2014</a:t>
             </a:fld>
             <a:endParaRPr lang="ru-RU"/>
           </a:p>
@@ -1303,7 +1303,7 @@
           <a:p>
             <a:fld id="{28F07824-568C-43BC-A4F3-FD94E888AE25}" type="datetimeFigureOut">
               <a:rPr lang="ru-RU" smtClean="0"/>
-              <a:t>30.06.2014</a:t>
+              <a:t>01.07.2014</a:t>
             </a:fld>
             <a:endParaRPr lang="ru-RU"/>
           </a:p>
@@ -1473,7 +1473,7 @@
           <a:p>
             <a:fld id="{28F07824-568C-43BC-A4F3-FD94E888AE25}" type="datetimeFigureOut">
               <a:rPr lang="ru-RU" smtClean="0"/>
-              <a:t>30.06.2014</a:t>
+              <a:t>01.07.2014</a:t>
             </a:fld>
             <a:endParaRPr lang="ru-RU"/>
           </a:p>
@@ -1719,7 +1719,7 @@
           <a:p>
             <a:fld id="{28F07824-568C-43BC-A4F3-FD94E888AE25}" type="datetimeFigureOut">
               <a:rPr lang="ru-RU" smtClean="0"/>
-              <a:t>30.06.2014</a:t>
+              <a:t>01.07.2014</a:t>
             </a:fld>
             <a:endParaRPr lang="ru-RU"/>
           </a:p>
@@ -2007,7 +2007,7 @@
           <a:p>
             <a:fld id="{28F07824-568C-43BC-A4F3-FD94E888AE25}" type="datetimeFigureOut">
               <a:rPr lang="ru-RU" smtClean="0"/>
-              <a:t>30.06.2014</a:t>
+              <a:t>01.07.2014</a:t>
             </a:fld>
             <a:endParaRPr lang="ru-RU"/>
           </a:p>
@@ -2429,7 +2429,7 @@
           <a:p>
             <a:fld id="{28F07824-568C-43BC-A4F3-FD94E888AE25}" type="datetimeFigureOut">
               <a:rPr lang="ru-RU" smtClean="0"/>
-              <a:t>30.06.2014</a:t>
+              <a:t>01.07.2014</a:t>
             </a:fld>
             <a:endParaRPr lang="ru-RU"/>
           </a:p>
@@ -2547,7 +2547,7 @@
           <a:p>
             <a:fld id="{28F07824-568C-43BC-A4F3-FD94E888AE25}" type="datetimeFigureOut">
               <a:rPr lang="ru-RU" smtClean="0"/>
-              <a:t>30.06.2014</a:t>
+              <a:t>01.07.2014</a:t>
             </a:fld>
             <a:endParaRPr lang="ru-RU"/>
           </a:p>
@@ -2642,7 +2642,7 @@
           <a:p>
             <a:fld id="{28F07824-568C-43BC-A4F3-FD94E888AE25}" type="datetimeFigureOut">
               <a:rPr lang="ru-RU" smtClean="0"/>
-              <a:t>30.06.2014</a:t>
+              <a:t>01.07.2014</a:t>
             </a:fld>
             <a:endParaRPr lang="ru-RU"/>
           </a:p>
@@ -2919,7 +2919,7 @@
           <a:p>
             <a:fld id="{28F07824-568C-43BC-A4F3-FD94E888AE25}" type="datetimeFigureOut">
               <a:rPr lang="ru-RU" smtClean="0"/>
-              <a:t>30.06.2014</a:t>
+              <a:t>01.07.2014</a:t>
             </a:fld>
             <a:endParaRPr lang="ru-RU"/>
           </a:p>
@@ -3172,7 +3172,7 @@
           <a:p>
             <a:fld id="{28F07824-568C-43BC-A4F3-FD94E888AE25}" type="datetimeFigureOut">
               <a:rPr lang="ru-RU" smtClean="0"/>
-              <a:t>30.06.2014</a:t>
+              <a:t>01.07.2014</a:t>
             </a:fld>
             <a:endParaRPr lang="ru-RU"/>
           </a:p>
@@ -3385,7 +3385,7 @@
           <a:p>
             <a:fld id="{28F07824-568C-43BC-A4F3-FD94E888AE25}" type="datetimeFigureOut">
               <a:rPr lang="ru-RU" smtClean="0"/>
-              <a:t>30.06.2014</a:t>
+              <a:t>01.07.2014</a:t>
             </a:fld>
             <a:endParaRPr lang="ru-RU"/>
           </a:p>
@@ -8432,16 +8432,26 @@
             </a:r>
             <a:r>
               <a:rPr lang="en-US" sz="3600" dirty="0" smtClean="0"/>
-              <a:t>) a b</a:t>
-            </a:r>
-          </a:p>
-          <a:p>
-            <a:pPr marL="0" indent="0">
-              <a:buNone/>
-            </a:pPr>
+              <a:t>) a </a:t>
+            </a:r>
+            <a:r>
+              <a:rPr lang="en-US" sz="3600" dirty="0" smtClean="0"/>
+              <a:t>b</a:t>
+            </a:r>
+            <a:r>
+              <a:rPr lang="ru-RU" sz="3600" dirty="0" smtClean="0"/>
+              <a:t/>
+            </a:r>
+            <a:br>
+              <a:rPr lang="ru-RU" sz="3600" dirty="0" smtClean="0"/>
+            </a:br>
             <a:r>
               <a:rPr lang="en-US" sz="2800" dirty="0" smtClean="0"/>
-              <a:t>=&gt; a</a:t>
+              <a:t>=&gt; </a:t>
+            </a:r>
+            <a:r>
+              <a:rPr lang="en-US" sz="2800" dirty="0" smtClean="0"/>
+              <a:t>a</a:t>
             </a:r>
             <a:endParaRPr lang="en-US" sz="2800" dirty="0"/>
           </a:p>
@@ -8674,55 +8684,6 @@
                       </p:childTnLst>
                     </p:cTn>
                   </p:par>
-                  <p:par>
-                    <p:cTn id="19" fill="hold">
-                      <p:stCondLst>
-                        <p:cond delay="indefinite"/>
-                      </p:stCondLst>
-                      <p:childTnLst>
-                        <p:par>
-                          <p:cTn id="20" fill="hold">
-                            <p:stCondLst>
-                              <p:cond delay="0"/>
-                            </p:stCondLst>
-                            <p:childTnLst>
-                              <p:par>
-                                <p:cTn id="21" presetID="1" presetClass="entr" presetSubtype="0" fill="hold" nodeType="clickEffect">
-                                  <p:stCondLst>
-                                    <p:cond delay="0"/>
-                                  </p:stCondLst>
-                                  <p:childTnLst>
-                                    <p:set>
-                                      <p:cBhvr>
-                                        <p:cTn id="22" dur="1" fill="hold">
-                                          <p:stCondLst>
-                                            <p:cond delay="0"/>
-                                          </p:stCondLst>
-                                        </p:cTn>
-                                        <p:tgtEl>
-                                          <p:spTgt spid="7">
-                                            <p:txEl>
-                                              <p:pRg st="7" end="7"/>
-                                            </p:txEl>
-                                          </p:spTgt>
-                                        </p:tgtEl>
-                                        <p:attrNameLst>
-                                          <p:attrName>style.visibility</p:attrName>
-                                        </p:attrNameLst>
-                                      </p:cBhvr>
-                                      <p:to>
-                                        <p:strVal val="visible"/>
-                                      </p:to>
-                                    </p:set>
-                                  </p:childTnLst>
-                                </p:cTn>
-                              </p:par>
-                            </p:childTnLst>
-                          </p:cTn>
-                        </p:par>
-                      </p:childTnLst>
-                    </p:cTn>
-                  </p:par>
                 </p:childTnLst>
               </p:cTn>
               <p:prevCondLst>
@@ -8815,15 +8776,7 @@
             </a:pPr>
             <a:r>
               <a:rPr lang="ru-RU" dirty="0" smtClean="0"/>
-              <a:t>Функции, определённые внутри </a:t>
-            </a:r>
-            <a:r>
-              <a:rPr lang="ru-RU" dirty="0" smtClean="0"/>
-              <a:t>некоторого контекста</a:t>
-            </a:r>
-            <a:r>
-              <a:rPr lang="ru-RU" dirty="0" smtClean="0"/>
-              <a:t>, получают доступ к значениям из области видимости этого контекста:</a:t>
+              <a:t>Функции, определённые внутри некоторого контекста, получают доступ к значениям из области видимости этого контекста:</a:t>
             </a:r>
           </a:p>
         </p:txBody>
@@ -9782,11 +9735,7 @@
           <a:p>
             <a:r>
               <a:rPr lang="ru-RU" dirty="0" smtClean="0"/>
-              <a:t>Пример: </a:t>
-            </a:r>
-            <a:r>
-              <a:rPr lang="ru-RU" dirty="0" smtClean="0"/>
-              <a:t>замыкания</a:t>
+              <a:t>Пример: замыкания</a:t>
             </a:r>
             <a:endParaRPr lang="ru-RU" dirty="0"/>
           </a:p>
@@ -12959,11 +12908,7 @@
           <a:p>
             <a:r>
               <a:rPr lang="ru-RU" dirty="0" smtClean="0"/>
-              <a:t>Лаконичный </a:t>
-            </a:r>
-            <a:r>
-              <a:rPr lang="ru-RU" dirty="0" smtClean="0"/>
-              <a:t>си</a:t>
+              <a:t>Лаконичный си</a:t>
             </a:r>
             <a:r>
               <a:rPr lang="ru-RU" dirty="0"/>
@@ -12971,11 +12916,7 @@
             </a:r>
             <a:r>
               <a:rPr lang="ru-RU" dirty="0" smtClean="0"/>
-              <a:t>таксис </a:t>
-            </a:r>
-            <a:r>
-              <a:rPr lang="ru-RU" dirty="0" smtClean="0"/>
-              <a:t>создания функций</a:t>
+              <a:t>таксис создания функций</a:t>
             </a:r>
             <a:endParaRPr lang="ru-RU" dirty="0"/>
           </a:p>
@@ -12985,12 +12926,8 @@
               <a:t>Вместо циклов – рекурсия, комбинаторы и </a:t>
             </a:r>
             <a:r>
-              <a:rPr lang="en-US" dirty="0" smtClean="0"/>
-              <a:t>list comprehensions</a:t>
-            </a:r>
-            <a:r>
               <a:rPr lang="ru-RU" dirty="0" smtClean="0"/>
-              <a:t> (</a:t>
+              <a:t>операции со списками (</a:t>
             </a:r>
             <a:r>
               <a:rPr lang="en-US" dirty="0" smtClean="0"/>
@@ -14130,11 +14067,11 @@
   <p:clrMapOvr>
     <a:masterClrMapping/>
   </p:clrMapOvr>
-  <mc:AlternateContent xmlns:mc="http://schemas.openxmlformats.org/markup-compatibility/2006">
-    <mc:Choice xmlns:p14="http://schemas.microsoft.com/office/powerpoint/2010/main" Requires="p14">
+  <mc:AlternateContent xmlns:mc="http://schemas.openxmlformats.org/markup-compatibility/2006" xmlns:p14="http://schemas.microsoft.com/office/powerpoint/2010/main">
+    <mc:Choice Requires="p14">
       <p:transition spd="slow" p14:dur="2000"/>
     </mc:Choice>
-    <mc:Fallback>
+    <mc:Fallback xmlns="">
       <p:transition spd="slow"/>
     </mc:Fallback>
   </mc:AlternateContent>
@@ -14955,223 +14892,7 @@
   <p:timing>
     <p:tnLst>
       <p:par>
-        <p:cTn id="1" dur="indefinite" restart="never" nodeType="tmRoot">
-          <p:childTnLst>
-            <p:seq concurrent="1" nextAc="seek">
-              <p:cTn id="2" dur="indefinite" nodeType="mainSeq">
-                <p:childTnLst>
-                  <p:par>
-                    <p:cTn id="3" fill="hold">
-                      <p:stCondLst>
-                        <p:cond delay="indefinite"/>
-                        <p:cond evt="onBegin" delay="0">
-                          <p:tn val="2"/>
-                        </p:cond>
-                      </p:stCondLst>
-                      <p:childTnLst>
-                        <p:par>
-                          <p:cTn id="4" fill="hold">
-                            <p:stCondLst>
-                              <p:cond delay="0"/>
-                            </p:stCondLst>
-                            <p:childTnLst>
-                              <p:par>
-                                <p:cTn id="5" presetID="10" presetClass="exit" presetSubtype="0" fill="hold" nodeType="withEffect">
-                                  <p:stCondLst>
-                                    <p:cond delay="0"/>
-                                  </p:stCondLst>
-                                  <p:childTnLst>
-                                    <p:animEffect transition="out" filter="fade">
-                                      <p:cBhvr>
-                                        <p:cTn id="6" dur="500"/>
-                                        <p:tgtEl>
-                                          <p:spTgt spid="3">
-                                            <p:txEl>
-                                              <p:pRg st="2" end="2"/>
-                                            </p:txEl>
-                                          </p:spTgt>
-                                        </p:tgtEl>
-                                      </p:cBhvr>
-                                    </p:animEffect>
-                                    <p:set>
-                                      <p:cBhvr>
-                                        <p:cTn id="7" dur="1" fill="hold">
-                                          <p:stCondLst>
-                                            <p:cond delay="499"/>
-                                          </p:stCondLst>
-                                        </p:cTn>
-                                        <p:tgtEl>
-                                          <p:spTgt spid="3">
-                                            <p:txEl>
-                                              <p:pRg st="2" end="2"/>
-                                            </p:txEl>
-                                          </p:spTgt>
-                                        </p:tgtEl>
-                                        <p:attrNameLst>
-                                          <p:attrName>style.visibility</p:attrName>
-                                        </p:attrNameLst>
-                                      </p:cBhvr>
-                                      <p:to>
-                                        <p:strVal val="hidden"/>
-                                      </p:to>
-                                    </p:set>
-                                  </p:childTnLst>
-                                </p:cTn>
-                              </p:par>
-                              <p:par>
-                                <p:cTn id="8" presetID="10" presetClass="exit" presetSubtype="0" fill="hold" nodeType="withEffect">
-                                  <p:stCondLst>
-                                    <p:cond delay="0"/>
-                                  </p:stCondLst>
-                                  <p:childTnLst>
-                                    <p:animEffect transition="out" filter="fade">
-                                      <p:cBhvr>
-                                        <p:cTn id="9" dur="500"/>
-                                        <p:tgtEl>
-                                          <p:spTgt spid="3">
-                                            <p:txEl>
-                                              <p:pRg st="3" end="3"/>
-                                            </p:txEl>
-                                          </p:spTgt>
-                                        </p:tgtEl>
-                                      </p:cBhvr>
-                                    </p:animEffect>
-                                    <p:set>
-                                      <p:cBhvr>
-                                        <p:cTn id="10" dur="1" fill="hold">
-                                          <p:stCondLst>
-                                            <p:cond delay="499"/>
-                                          </p:stCondLst>
-                                        </p:cTn>
-                                        <p:tgtEl>
-                                          <p:spTgt spid="3">
-                                            <p:txEl>
-                                              <p:pRg st="3" end="3"/>
-                                            </p:txEl>
-                                          </p:spTgt>
-                                        </p:tgtEl>
-                                        <p:attrNameLst>
-                                          <p:attrName>style.visibility</p:attrName>
-                                        </p:attrNameLst>
-                                      </p:cBhvr>
-                                      <p:to>
-                                        <p:strVal val="hidden"/>
-                                      </p:to>
-                                    </p:set>
-                                  </p:childTnLst>
-                                </p:cTn>
-                              </p:par>
-                              <p:par>
-                                <p:cTn id="11" presetID="10" presetClass="exit" presetSubtype="0" fill="hold" nodeType="withEffect">
-                                  <p:stCondLst>
-                                    <p:cond delay="0"/>
-                                  </p:stCondLst>
-                                  <p:childTnLst>
-                                    <p:animEffect transition="out" filter="fade">
-                                      <p:cBhvr>
-                                        <p:cTn id="12" dur="500"/>
-                                        <p:tgtEl>
-                                          <p:spTgt spid="3">
-                                            <p:txEl>
-                                              <p:pRg st="4" end="4"/>
-                                            </p:txEl>
-                                          </p:spTgt>
-                                        </p:tgtEl>
-                                      </p:cBhvr>
-                                    </p:animEffect>
-                                    <p:set>
-                                      <p:cBhvr>
-                                        <p:cTn id="13" dur="1" fill="hold">
-                                          <p:stCondLst>
-                                            <p:cond delay="499"/>
-                                          </p:stCondLst>
-                                        </p:cTn>
-                                        <p:tgtEl>
-                                          <p:spTgt spid="3">
-                                            <p:txEl>
-                                              <p:pRg st="4" end="4"/>
-                                            </p:txEl>
-                                          </p:spTgt>
-                                        </p:tgtEl>
-                                        <p:attrNameLst>
-                                          <p:attrName>style.visibility</p:attrName>
-                                        </p:attrNameLst>
-                                      </p:cBhvr>
-                                      <p:to>
-                                        <p:strVal val="hidden"/>
-                                      </p:to>
-                                    </p:set>
-                                  </p:childTnLst>
-                                </p:cTn>
-                              </p:par>
-                              <p:par>
-                                <p:cTn id="14" presetID="10" presetClass="exit" presetSubtype="0" fill="hold" nodeType="withEffect">
-                                  <p:stCondLst>
-                                    <p:cond delay="0"/>
-                                  </p:stCondLst>
-                                  <p:childTnLst>
-                                    <p:animEffect transition="out" filter="fade">
-                                      <p:cBhvr>
-                                        <p:cTn id="15" dur="500"/>
-                                        <p:tgtEl>
-                                          <p:spTgt spid="3">
-                                            <p:txEl>
-                                              <p:pRg st="5" end="5"/>
-                                            </p:txEl>
-                                          </p:spTgt>
-                                        </p:tgtEl>
-                                      </p:cBhvr>
-                                    </p:animEffect>
-                                    <p:set>
-                                      <p:cBhvr>
-                                        <p:cTn id="16" dur="1" fill="hold">
-                                          <p:stCondLst>
-                                            <p:cond delay="499"/>
-                                          </p:stCondLst>
-                                        </p:cTn>
-                                        <p:tgtEl>
-                                          <p:spTgt spid="3">
-                                            <p:txEl>
-                                              <p:pRg st="5" end="5"/>
-                                            </p:txEl>
-                                          </p:spTgt>
-                                        </p:tgtEl>
-                                        <p:attrNameLst>
-                                          <p:attrName>style.visibility</p:attrName>
-                                        </p:attrNameLst>
-                                      </p:cBhvr>
-                                      <p:to>
-                                        <p:strVal val="hidden"/>
-                                      </p:to>
-                                    </p:set>
-                                  </p:childTnLst>
-                                </p:cTn>
-                              </p:par>
-                            </p:childTnLst>
-                          </p:cTn>
-                        </p:par>
-                      </p:childTnLst>
-                    </p:cTn>
-                  </p:par>
-                </p:childTnLst>
-              </p:cTn>
-              <p:prevCondLst>
-                <p:cond evt="onPrev" delay="0">
-                  <p:tgtEl>
-                    <p:sldTgt/>
-                  </p:tgtEl>
-                </p:cond>
-              </p:prevCondLst>
-              <p:nextCondLst>
-                <p:cond evt="onNext" delay="0">
-                  <p:tgtEl>
-                    <p:sldTgt/>
-                  </p:tgtEl>
-                </p:cond>
-              </p:nextCondLst>
-            </p:seq>
-          </p:childTnLst>
-        </p:cTn>
+        <p:cTn id="1" dur="indefinite" restart="never" nodeType="tmRoot"/>
       </p:par>
     </p:tnLst>
   </p:timing>

--- a/02-FP/FP in C# 2014.pptx
+++ b/02-FP/FP in C# 2014.pptx
@@ -175,7 +175,7 @@
   </p:defaultTextStyle>
   <p:extLst>
     <p:ext uri="{EFAFB233-063F-42B5-8137-9DF3F51BA10A}">
-      <p15:sldGuideLst xmlns="" xmlns:p15="http://schemas.microsoft.com/office/powerpoint/2012/main">
+      <p15:sldGuideLst xmlns:p15="http://schemas.microsoft.com/office/powerpoint/2012/main" xmlns="">
         <p15:guide id="1" orient="horz" pos="2160">
           <p15:clr>
             <a:srgbClr val="A4A3A4"/>
@@ -8432,11 +8432,7 @@
             </a:r>
             <a:r>
               <a:rPr lang="en-US" sz="3600" dirty="0" smtClean="0"/>
-              <a:t>) a </a:t>
-            </a:r>
-            <a:r>
-              <a:rPr lang="en-US" sz="3600" dirty="0" smtClean="0"/>
-              <a:t>b</a:t>
+              <a:t>) a b</a:t>
             </a:r>
             <a:r>
               <a:rPr lang="ru-RU" sz="3600" dirty="0" smtClean="0"/>
@@ -8447,11 +8443,7 @@
             </a:br>
             <a:r>
               <a:rPr lang="en-US" sz="2800" dirty="0" smtClean="0"/>
-              <a:t>=&gt; </a:t>
-            </a:r>
-            <a:r>
-              <a:rPr lang="en-US" sz="2800" dirty="0" smtClean="0"/>
-              <a:t>a</a:t>
+              <a:t>=&gt; a</a:t>
             </a:r>
             <a:endParaRPr lang="en-US" sz="2800" dirty="0"/>
           </a:p>
@@ -12923,11 +12915,7 @@
           <a:p>
             <a:r>
               <a:rPr lang="ru-RU" dirty="0" smtClean="0"/>
-              <a:t>Вместо циклов – рекурсия, комбинаторы и </a:t>
-            </a:r>
-            <a:r>
-              <a:rPr lang="ru-RU" dirty="0" smtClean="0"/>
-              <a:t>операции со списками (</a:t>
+              <a:t>Вместо циклов – рекурсия, комбинаторы и операции со списками (</a:t>
             </a:r>
             <a:r>
               <a:rPr lang="en-US" dirty="0" smtClean="0"/>
@@ -13331,25 +13319,25 @@
               <a:t>initAcc</a:t>
             </a:r>
             <a:r>
+              <a:rPr lang="en-US" sz="2800" smtClean="0">
+                <a:latin typeface="Consolas" pitchFamily="49" charset="0"/>
+                <a:cs typeface="Consolas" pitchFamily="49" charset="0"/>
+              </a:rPr>
+              <a:t>: </a:t>
+            </a:r>
+            <a:r>
+              <a:rPr lang="en-US" sz="2800" smtClean="0">
+                <a:latin typeface="Consolas" pitchFamily="49" charset="0"/>
+                <a:cs typeface="Consolas" pitchFamily="49" charset="0"/>
+              </a:rPr>
+              <a:t>Tuple&lt;List&lt;T</a:t>
+            </a:r>
+            <a:r>
               <a:rPr lang="en-US" sz="2800" dirty="0" smtClean="0">
                 <a:latin typeface="Consolas" pitchFamily="49" charset="0"/>
                 <a:cs typeface="Consolas" pitchFamily="49" charset="0"/>
               </a:rPr>
-              <a:t>: Tuple&lt;</a:t>
-            </a:r>
-            <a:r>
-              <a:rPr lang="en-US" sz="2800" dirty="0" err="1" smtClean="0">
-                <a:latin typeface="Consolas" pitchFamily="49" charset="0"/>
-                <a:cs typeface="Consolas" pitchFamily="49" charset="0"/>
-              </a:rPr>
-              <a:t>IEnu</a:t>
-            </a:r>
-            <a:r>
-              <a:rPr lang="en-US" sz="2800" dirty="0" smtClean="0">
-                <a:latin typeface="Consolas" pitchFamily="49" charset="0"/>
-                <a:cs typeface="Consolas" pitchFamily="49" charset="0"/>
-              </a:rPr>
-              <a:t>&lt;T&gt;, </a:t>
+              <a:t>&gt;, </a:t>
             </a:r>
             <a:r>
               <a:rPr lang="en-US" sz="2800" dirty="0" err="1" smtClean="0">
